--- a/Az Community Template.pptx
+++ b/Az Community Template.pptx
@@ -8,8 +8,8 @@
     <p:notesMasterId r:id="rId8"/>
   </p:notesMasterIdLst>
   <p:sldIdLst>
-    <p:sldId id="257" r:id="rId2"/>
-    <p:sldId id="262" r:id="rId3"/>
+    <p:sldId id="2076136361" r:id="rId2"/>
+    <p:sldId id="2076136362" r:id="rId3"/>
     <p:sldId id="2076136320" r:id="rId4"/>
     <p:sldId id="2076136360" r:id="rId5"/>
     <p:sldId id="2076136358" r:id="rId6"/>
@@ -19,35 +19,47 @@
   <p:notesSz cx="6858000" cy="9144000"/>
   <p:embeddedFontLst>
     <p:embeddedFont>
-      <p:font typeface="Poppins" panose="00000500000000000000" pitchFamily="2" charset="0"/>
+      <p:font typeface="Segoe UI Semibold (Headings)" panose="020B0604020202020204" charset="0"/>
       <p:regular r:id="rId9"/>
       <p:bold r:id="rId10"/>
       <p:italic r:id="rId11"/>
       <p:boldItalic r:id="rId12"/>
     </p:embeddedFont>
     <p:embeddedFont>
-      <p:font typeface="Poppins Light" panose="00000400000000000000" pitchFamily="2" charset="0"/>
+      <p:font typeface="Segoe UI" panose="020B0502040204020203" pitchFamily="34" charset="0"/>
       <p:regular r:id="rId13"/>
-      <p:italic r:id="rId14"/>
+      <p:bold r:id="rId14"/>
+      <p:italic r:id="rId15"/>
+      <p:boldItalic r:id="rId16"/>
     </p:embeddedFont>
     <p:embeddedFont>
-      <p:font typeface="Segoe UI" panose="020B0502040204020203" pitchFamily="34" charset="0"/>
-      <p:regular r:id="rId15"/>
-      <p:bold r:id="rId16"/>
-      <p:italic r:id="rId17"/>
-      <p:boldItalic r:id="rId18"/>
+      <p:font typeface="Poppins" panose="020B0604020202020204" charset="0"/>
+      <p:regular r:id="rId17"/>
+      <p:bold r:id="rId18"/>
+      <p:italic r:id="rId19"/>
+      <p:boldItalic r:id="rId20"/>
+    </p:embeddedFont>
+    <p:embeddedFont>
+      <p:font typeface="Segoe UI Black" panose="020B0A02040204020203" pitchFamily="34" charset="0"/>
+      <p:bold r:id="rId21"/>
+      <p:boldItalic r:id="rId22"/>
+    </p:embeddedFont>
+    <p:embeddedFont>
+      <p:font typeface="Rubik Light" panose="020B0604020202020204" charset="0"/>
+      <p:regular r:id="rId23"/>
+      <p:bold r:id="rId24"/>
+      <p:italic r:id="rId25"/>
+      <p:boldItalic r:id="rId26"/>
+    </p:embeddedFont>
+    <p:embeddedFont>
+      <p:font typeface="Poppins Light" panose="020B0604020202020204" charset="0"/>
+      <p:regular r:id="rId27"/>
+      <p:italic r:id="rId28"/>
     </p:embeddedFont>
     <p:embeddedFont>
       <p:font typeface="Segoe UI Light" panose="020B0502040204020203" pitchFamily="34" charset="0"/>
-      <p:regular r:id="rId19"/>
-      <p:italic r:id="rId20"/>
-    </p:embeddedFont>
-    <p:embeddedFont>
-      <p:font typeface="Segoe UI Semibold (Headings)" panose="020B0604020202020204" charset="0"/>
-      <p:regular r:id="rId21"/>
-      <p:bold r:id="rId22"/>
-      <p:italic r:id="rId23"/>
-      <p:boldItalic r:id="rId24"/>
+      <p:regular r:id="rId29"/>
+      <p:italic r:id="rId30"/>
     </p:embeddedFont>
   </p:embeddedFontLst>
   <p:defaultTextStyle>
@@ -1219,927 +1231,6 @@
 </dgm:colorsDef>
 </file>
 
-<file path=ppt/diagrams/colors2.xml><?xml version="1.0" encoding="utf-8"?>
-<dgm:colorsDef xmlns:dgm="http://schemas.openxmlformats.org/drawingml/2006/diagram" xmlns:a="http://schemas.openxmlformats.org/drawingml/2006/main" uniqueId="urn:microsoft.com/office/officeart/2018/5/colors/Iconchunking_neutralbg_colorful1">
-  <dgm:title val=""/>
-  <dgm:desc val=""/>
-  <dgm:catLst>
-    <dgm:cat type="colorful" pri="10100"/>
-  </dgm:catLst>
-  <dgm:styleLbl name="node0">
-    <dgm:fillClrLst meth="repeat">
-      <a:schemeClr val="accent1"/>
-    </dgm:fillClrLst>
-    <dgm:linClrLst meth="repeat">
-      <a:schemeClr val="lt1"/>
-    </dgm:linClrLst>
-    <dgm:effectClrLst/>
-    <dgm:txLinClrLst/>
-    <dgm:txFillClrLst/>
-    <dgm:txEffectClrLst/>
-  </dgm:styleLbl>
-  <dgm:styleLbl name="node1">
-    <dgm:fillClrLst meth="repeat">
-      <a:schemeClr val="accent2"/>
-      <a:schemeClr val="accent3"/>
-      <a:schemeClr val="accent4"/>
-      <a:schemeClr val="accent5"/>
-      <a:schemeClr val="accent6"/>
-    </dgm:fillClrLst>
-    <dgm:linClrLst meth="repeat">
-      <a:schemeClr val="lt1">
-        <a:alpha val="0"/>
-      </a:schemeClr>
-    </dgm:linClrLst>
-    <dgm:effectClrLst/>
-    <dgm:txLinClrLst/>
-    <dgm:txFillClrLst/>
-    <dgm:txEffectClrLst/>
-  </dgm:styleLbl>
-  <dgm:styleLbl name="alignNode1">
-    <dgm:fillClrLst meth="repeat">
-      <a:schemeClr val="accent2"/>
-      <a:schemeClr val="accent3"/>
-      <a:schemeClr val="accent4"/>
-      <a:schemeClr val="accent5"/>
-      <a:schemeClr val="accent6"/>
-    </dgm:fillClrLst>
-    <dgm:linClrLst meth="repeat">
-      <a:schemeClr val="accent2"/>
-      <a:schemeClr val="accent3"/>
-      <a:schemeClr val="accent4"/>
-      <a:schemeClr val="accent5"/>
-      <a:schemeClr val="accent6"/>
-    </dgm:linClrLst>
-    <dgm:effectClrLst/>
-    <dgm:txLinClrLst/>
-    <dgm:txFillClrLst/>
-    <dgm:txEffectClrLst/>
-  </dgm:styleLbl>
-  <dgm:styleLbl name="lnNode1">
-    <dgm:fillClrLst meth="repeat">
-      <a:schemeClr val="accent2"/>
-      <a:schemeClr val="accent3"/>
-      <a:schemeClr val="accent4"/>
-      <a:schemeClr val="accent5"/>
-      <a:schemeClr val="accent6"/>
-    </dgm:fillClrLst>
-    <dgm:linClrLst meth="repeat">
-      <a:schemeClr val="lt1"/>
-    </dgm:linClrLst>
-    <dgm:effectClrLst/>
-    <dgm:txLinClrLst/>
-    <dgm:txFillClrLst/>
-    <dgm:txEffectClrLst/>
-  </dgm:styleLbl>
-  <dgm:styleLbl name="vennNode1">
-    <dgm:fillClrLst meth="repeat">
-      <a:schemeClr val="accent2">
-        <a:alpha val="50000"/>
-      </a:schemeClr>
-      <a:schemeClr val="accent3">
-        <a:alpha val="50000"/>
-      </a:schemeClr>
-      <a:schemeClr val="accent4">
-        <a:alpha val="50000"/>
-      </a:schemeClr>
-      <a:schemeClr val="accent5">
-        <a:alpha val="50000"/>
-      </a:schemeClr>
-      <a:schemeClr val="accent6">
-        <a:alpha val="50000"/>
-      </a:schemeClr>
-    </dgm:fillClrLst>
-    <dgm:linClrLst meth="repeat">
-      <a:schemeClr val="lt1"/>
-    </dgm:linClrLst>
-    <dgm:effectClrLst/>
-    <dgm:txLinClrLst/>
-    <dgm:txFillClrLst/>
-    <dgm:txEffectClrLst/>
-  </dgm:styleLbl>
-  <dgm:styleLbl name="node2">
-    <dgm:fillClrLst>
-      <a:schemeClr val="accent2"/>
-    </dgm:fillClrLst>
-    <dgm:linClrLst meth="repeat">
-      <a:schemeClr val="lt1"/>
-    </dgm:linClrLst>
-    <dgm:effectClrLst/>
-    <dgm:txLinClrLst/>
-    <dgm:txFillClrLst/>
-    <dgm:txEffectClrLst/>
-  </dgm:styleLbl>
-  <dgm:styleLbl name="node3">
-    <dgm:fillClrLst>
-      <a:schemeClr val="accent3"/>
-    </dgm:fillClrLst>
-    <dgm:linClrLst meth="repeat">
-      <a:schemeClr val="lt1"/>
-    </dgm:linClrLst>
-    <dgm:effectClrLst/>
-    <dgm:txLinClrLst/>
-    <dgm:txFillClrLst/>
-    <dgm:txEffectClrLst/>
-  </dgm:styleLbl>
-  <dgm:styleLbl name="node4">
-    <dgm:fillClrLst>
-      <a:schemeClr val="accent4"/>
-    </dgm:fillClrLst>
-    <dgm:linClrLst meth="repeat">
-      <a:schemeClr val="lt1"/>
-    </dgm:linClrLst>
-    <dgm:effectClrLst/>
-    <dgm:txLinClrLst/>
-    <dgm:txFillClrLst/>
-    <dgm:txEffectClrLst/>
-  </dgm:styleLbl>
-  <dgm:styleLbl name="fgImgPlace1">
-    <dgm:fillClrLst meth="repeat">
-      <a:schemeClr val="accent2">
-        <a:tint val="50000"/>
-      </a:schemeClr>
-      <a:schemeClr val="accent3">
-        <a:tint val="50000"/>
-      </a:schemeClr>
-      <a:schemeClr val="accent4">
-        <a:tint val="50000"/>
-      </a:schemeClr>
-      <a:schemeClr val="accent5">
-        <a:tint val="50000"/>
-      </a:schemeClr>
-      <a:schemeClr val="accent6">
-        <a:tint val="50000"/>
-      </a:schemeClr>
-    </dgm:fillClrLst>
-    <dgm:linClrLst meth="repeat">
-      <a:schemeClr val="lt1"/>
-    </dgm:linClrLst>
-    <dgm:effectClrLst/>
-    <dgm:txLinClrLst/>
-    <dgm:txFillClrLst meth="repeat">
-      <a:schemeClr val="lt1"/>
-    </dgm:txFillClrLst>
-    <dgm:txEffectClrLst/>
-  </dgm:styleLbl>
-  <dgm:styleLbl name="alignImgPlace1">
-    <dgm:fillClrLst>
-      <a:schemeClr val="accent1">
-        <a:tint val="50000"/>
-      </a:schemeClr>
-      <a:schemeClr val="accent2">
-        <a:tint val="20000"/>
-      </a:schemeClr>
-    </dgm:fillClrLst>
-    <dgm:linClrLst meth="repeat">
-      <a:schemeClr val="lt1"/>
-    </dgm:linClrLst>
-    <dgm:effectClrLst/>
-    <dgm:txLinClrLst/>
-    <dgm:txFillClrLst meth="repeat">
-      <a:schemeClr val="lt1"/>
-    </dgm:txFillClrLst>
-    <dgm:txEffectClrLst/>
-  </dgm:styleLbl>
-  <dgm:styleLbl name="bgImgPlace1">
-    <dgm:fillClrLst>
-      <a:schemeClr val="accent1">
-        <a:tint val="50000"/>
-      </a:schemeClr>
-      <a:schemeClr val="accent2">
-        <a:tint val="20000"/>
-      </a:schemeClr>
-    </dgm:fillClrLst>
-    <dgm:linClrLst meth="repeat">
-      <a:schemeClr val="lt1"/>
-    </dgm:linClrLst>
-    <dgm:effectClrLst/>
-    <dgm:txLinClrLst/>
-    <dgm:txFillClrLst meth="repeat">
-      <a:schemeClr val="lt1"/>
-    </dgm:txFillClrLst>
-    <dgm:txEffectClrLst/>
-  </dgm:styleLbl>
-  <dgm:styleLbl name="sibTrans2D1">
-    <dgm:fillClrLst meth="repeat">
-      <a:schemeClr val="accent2"/>
-      <a:schemeClr val="accent3"/>
-      <a:schemeClr val="accent4"/>
-      <a:schemeClr val="accent5"/>
-      <a:schemeClr val="accent6"/>
-    </dgm:fillClrLst>
-    <dgm:linClrLst meth="cycle">
-      <a:schemeClr val="lt1"/>
-    </dgm:linClrLst>
-    <dgm:effectClrLst/>
-    <dgm:txLinClrLst/>
-    <dgm:txFillClrLst/>
-    <dgm:txEffectClrLst/>
-  </dgm:styleLbl>
-  <dgm:styleLbl name="fgSibTrans2D1">
-    <dgm:fillClrLst meth="repeat">
-      <a:schemeClr val="accent2"/>
-      <a:schemeClr val="accent3"/>
-      <a:schemeClr val="accent4"/>
-      <a:schemeClr val="accent5"/>
-      <a:schemeClr val="accent6"/>
-    </dgm:fillClrLst>
-    <dgm:linClrLst meth="cycle">
-      <a:schemeClr val="lt1"/>
-    </dgm:linClrLst>
-    <dgm:effectClrLst/>
-    <dgm:txLinClrLst/>
-    <dgm:txFillClrLst meth="repeat">
-      <a:schemeClr val="lt1"/>
-    </dgm:txFillClrLst>
-    <dgm:txEffectClrLst/>
-  </dgm:styleLbl>
-  <dgm:styleLbl name="bgSibTrans2D1">
-    <dgm:fillClrLst meth="repeat">
-      <a:schemeClr val="accent2"/>
-      <a:schemeClr val="accent3"/>
-      <a:schemeClr val="accent4"/>
-      <a:schemeClr val="accent5"/>
-      <a:schemeClr val="accent6"/>
-    </dgm:fillClrLst>
-    <dgm:linClrLst meth="cycle">
-      <a:schemeClr val="lt1"/>
-    </dgm:linClrLst>
-    <dgm:effectClrLst/>
-    <dgm:txLinClrLst/>
-    <dgm:txFillClrLst meth="repeat">
-      <a:schemeClr val="lt1"/>
-    </dgm:txFillClrLst>
-    <dgm:txEffectClrLst/>
-  </dgm:styleLbl>
-  <dgm:styleLbl name="sibTrans1D1">
-    <dgm:fillClrLst meth="repeat">
-      <a:schemeClr val="accent2"/>
-      <a:schemeClr val="accent3"/>
-      <a:schemeClr val="accent4"/>
-      <a:schemeClr val="accent5"/>
-      <a:schemeClr val="accent6"/>
-    </dgm:fillClrLst>
-    <dgm:linClrLst meth="repeat">
-      <a:schemeClr val="accent2"/>
-      <a:schemeClr val="accent3"/>
-      <a:schemeClr val="accent4"/>
-      <a:schemeClr val="accent5"/>
-      <a:schemeClr val="accent6"/>
-    </dgm:linClrLst>
-    <dgm:effectClrLst/>
-    <dgm:txLinClrLst/>
-    <dgm:txFillClrLst meth="repeat">
-      <a:schemeClr val="tx1"/>
-    </dgm:txFillClrLst>
-    <dgm:txEffectClrLst/>
-  </dgm:styleLbl>
-  <dgm:styleLbl name="callout">
-    <dgm:fillClrLst meth="repeat">
-      <a:schemeClr val="accent2"/>
-    </dgm:fillClrLst>
-    <dgm:linClrLst meth="repeat">
-      <a:schemeClr val="accent2">
-        <a:tint val="50000"/>
-      </a:schemeClr>
-    </dgm:linClrLst>
-    <dgm:effectClrLst/>
-    <dgm:txLinClrLst/>
-    <dgm:txFillClrLst meth="repeat">
-      <a:schemeClr val="tx1"/>
-    </dgm:txFillClrLst>
-    <dgm:txEffectClrLst/>
-  </dgm:styleLbl>
-  <dgm:styleLbl name="asst0">
-    <dgm:fillClrLst meth="repeat">
-      <a:schemeClr val="accent1"/>
-    </dgm:fillClrLst>
-    <dgm:linClrLst meth="repeat">
-      <a:schemeClr val="lt1"/>
-    </dgm:linClrLst>
-    <dgm:effectClrLst/>
-    <dgm:txLinClrLst/>
-    <dgm:txFillClrLst/>
-    <dgm:txEffectClrLst/>
-  </dgm:styleLbl>
-  <dgm:styleLbl name="asst1">
-    <dgm:fillClrLst meth="repeat">
-      <a:schemeClr val="accent2"/>
-    </dgm:fillClrLst>
-    <dgm:linClrLst meth="repeat">
-      <a:schemeClr val="lt1"/>
-    </dgm:linClrLst>
-    <dgm:effectClrLst/>
-    <dgm:txLinClrLst/>
-    <dgm:txFillClrLst/>
-    <dgm:txEffectClrLst/>
-  </dgm:styleLbl>
-  <dgm:styleLbl name="asst2">
-    <dgm:fillClrLst>
-      <a:schemeClr val="accent3"/>
-    </dgm:fillClrLst>
-    <dgm:linClrLst meth="repeat">
-      <a:schemeClr val="lt1"/>
-    </dgm:linClrLst>
-    <dgm:effectClrLst/>
-    <dgm:txLinClrLst/>
-    <dgm:txFillClrLst/>
-    <dgm:txEffectClrLst/>
-  </dgm:styleLbl>
-  <dgm:styleLbl name="asst3">
-    <dgm:fillClrLst>
-      <a:schemeClr val="accent4"/>
-    </dgm:fillClrLst>
-    <dgm:linClrLst meth="repeat">
-      <a:schemeClr val="lt1"/>
-    </dgm:linClrLst>
-    <dgm:effectClrLst/>
-    <dgm:txLinClrLst/>
-    <dgm:txFillClrLst/>
-    <dgm:txEffectClrLst/>
-  </dgm:styleLbl>
-  <dgm:styleLbl name="asst4">
-    <dgm:fillClrLst>
-      <a:schemeClr val="accent5"/>
-    </dgm:fillClrLst>
-    <dgm:linClrLst meth="repeat">
-      <a:schemeClr val="lt1"/>
-    </dgm:linClrLst>
-    <dgm:effectClrLst/>
-    <dgm:txLinClrLst/>
-    <dgm:txFillClrLst/>
-    <dgm:txEffectClrLst/>
-  </dgm:styleLbl>
-  <dgm:styleLbl name="parChTrans2D1">
-    <dgm:fillClrLst meth="repeat">
-      <a:schemeClr val="accent2"/>
-    </dgm:fillClrLst>
-    <dgm:linClrLst meth="repeat">
-      <a:schemeClr val="lt1"/>
-    </dgm:linClrLst>
-    <dgm:effectClrLst/>
-    <dgm:txLinClrLst/>
-    <dgm:txFillClrLst meth="repeat">
-      <a:schemeClr val="lt1"/>
-    </dgm:txFillClrLst>
-    <dgm:txEffectClrLst/>
-  </dgm:styleLbl>
-  <dgm:styleLbl name="parChTrans2D2">
-    <dgm:fillClrLst meth="repeat">
-      <a:schemeClr val="accent3"/>
-    </dgm:fillClrLst>
-    <dgm:linClrLst meth="repeat">
-      <a:schemeClr val="lt1"/>
-    </dgm:linClrLst>
-    <dgm:effectClrLst/>
-    <dgm:txLinClrLst/>
-    <dgm:txFillClrLst/>
-    <dgm:txEffectClrLst/>
-  </dgm:styleLbl>
-  <dgm:styleLbl name="parChTrans2D3">
-    <dgm:fillClrLst meth="repeat">
-      <a:schemeClr val="accent4"/>
-    </dgm:fillClrLst>
-    <dgm:linClrLst meth="repeat">
-      <a:schemeClr val="lt1"/>
-    </dgm:linClrLst>
-    <dgm:effectClrLst/>
-    <dgm:txLinClrLst/>
-    <dgm:txFillClrLst/>
-    <dgm:txEffectClrLst/>
-  </dgm:styleLbl>
-  <dgm:styleLbl name="parChTrans2D4">
-    <dgm:fillClrLst meth="repeat">
-      <a:schemeClr val="accent5"/>
-    </dgm:fillClrLst>
-    <dgm:linClrLst meth="repeat">
-      <a:schemeClr val="lt1"/>
-    </dgm:linClrLst>
-    <dgm:effectClrLst/>
-    <dgm:txLinClrLst/>
-    <dgm:txFillClrLst meth="repeat">
-      <a:schemeClr val="lt1"/>
-    </dgm:txFillClrLst>
-    <dgm:txEffectClrLst/>
-  </dgm:styleLbl>
-  <dgm:styleLbl name="parChTrans1D1">
-    <dgm:fillClrLst meth="repeat">
-      <a:schemeClr val="accent2"/>
-    </dgm:fillClrLst>
-    <dgm:linClrLst meth="repeat">
-      <a:schemeClr val="accent1"/>
-    </dgm:linClrLst>
-    <dgm:effectClrLst/>
-    <dgm:txLinClrLst/>
-    <dgm:txFillClrLst meth="repeat">
-      <a:schemeClr val="tx1"/>
-    </dgm:txFillClrLst>
-    <dgm:txEffectClrLst/>
-  </dgm:styleLbl>
-  <dgm:styleLbl name="parChTrans1D2">
-    <dgm:fillClrLst meth="repeat">
-      <a:schemeClr val="accent3">
-        <a:tint val="90000"/>
-      </a:schemeClr>
-    </dgm:fillClrLst>
-    <dgm:linClrLst meth="repeat">
-      <a:schemeClr val="accent2"/>
-    </dgm:linClrLst>
-    <dgm:effectClrLst/>
-    <dgm:txLinClrLst/>
-    <dgm:txFillClrLst meth="repeat">
-      <a:schemeClr val="tx1"/>
-    </dgm:txFillClrLst>
-    <dgm:txEffectClrLst/>
-  </dgm:styleLbl>
-  <dgm:styleLbl name="parChTrans1D3">
-    <dgm:fillClrLst meth="repeat">
-      <a:schemeClr val="accent4">
-        <a:tint val="70000"/>
-      </a:schemeClr>
-    </dgm:fillClrLst>
-    <dgm:linClrLst meth="repeat">
-      <a:schemeClr val="accent3"/>
-    </dgm:linClrLst>
-    <dgm:effectClrLst/>
-    <dgm:txLinClrLst/>
-    <dgm:txFillClrLst meth="repeat">
-      <a:schemeClr val="tx1"/>
-    </dgm:txFillClrLst>
-    <dgm:txEffectClrLst/>
-  </dgm:styleLbl>
-  <dgm:styleLbl name="parChTrans1D4">
-    <dgm:fillClrLst meth="repeat">
-      <a:schemeClr val="accent5">
-        <a:tint val="50000"/>
-      </a:schemeClr>
-    </dgm:fillClrLst>
-    <dgm:linClrLst meth="repeat">
-      <a:schemeClr val="accent4"/>
-    </dgm:linClrLst>
-    <dgm:effectClrLst/>
-    <dgm:txLinClrLst/>
-    <dgm:txFillClrLst meth="repeat">
-      <a:schemeClr val="tx1"/>
-    </dgm:txFillClrLst>
-    <dgm:txEffectClrLst/>
-  </dgm:styleLbl>
-  <dgm:styleLbl name="fgAcc1">
-    <dgm:fillClrLst meth="repeat">
-      <a:schemeClr val="lt1">
-        <a:alpha val="90000"/>
-      </a:schemeClr>
-    </dgm:fillClrLst>
-    <dgm:linClrLst meth="repeat">
-      <a:schemeClr val="accent2"/>
-      <a:schemeClr val="accent3"/>
-      <a:schemeClr val="accent4"/>
-      <a:schemeClr val="accent5"/>
-      <a:schemeClr val="accent6"/>
-    </dgm:linClrLst>
-    <dgm:effectClrLst/>
-    <dgm:txLinClrLst/>
-    <dgm:txFillClrLst meth="repeat">
-      <a:schemeClr val="dk1"/>
-    </dgm:txFillClrLst>
-    <dgm:txEffectClrLst/>
-  </dgm:styleLbl>
-  <dgm:styleLbl name="conFgAcc1">
-    <dgm:fillClrLst meth="repeat">
-      <a:schemeClr val="lt1">
-        <a:alpha val="90000"/>
-      </a:schemeClr>
-    </dgm:fillClrLst>
-    <dgm:linClrLst meth="repeat">
-      <a:schemeClr val="accent2"/>
-      <a:schemeClr val="accent3"/>
-      <a:schemeClr val="accent4"/>
-      <a:schemeClr val="accent5"/>
-      <a:schemeClr val="accent6"/>
-    </dgm:linClrLst>
-    <dgm:effectClrLst/>
-    <dgm:txLinClrLst/>
-    <dgm:txFillClrLst meth="repeat">
-      <a:schemeClr val="dk1"/>
-    </dgm:txFillClrLst>
-    <dgm:txEffectClrLst/>
-  </dgm:styleLbl>
-  <dgm:styleLbl name="alignAcc1">
-    <dgm:fillClrLst meth="repeat">
-      <a:schemeClr val="lt1">
-        <a:alpha val="90000"/>
-      </a:schemeClr>
-    </dgm:fillClrLst>
-    <dgm:linClrLst meth="repeat">
-      <a:schemeClr val="accent2"/>
-      <a:schemeClr val="accent3"/>
-      <a:schemeClr val="accent4"/>
-      <a:schemeClr val="accent5"/>
-      <a:schemeClr val="accent6"/>
-    </dgm:linClrLst>
-    <dgm:effectClrLst/>
-    <dgm:txLinClrLst/>
-    <dgm:txFillClrLst meth="repeat">
-      <a:schemeClr val="dk1"/>
-    </dgm:txFillClrLst>
-    <dgm:txEffectClrLst/>
-  </dgm:styleLbl>
-  <dgm:styleLbl name="trAlignAcc1">
-    <dgm:fillClrLst meth="repeat">
-      <a:schemeClr val="lt1">
-        <a:alpha val="40000"/>
-      </a:schemeClr>
-    </dgm:fillClrLst>
-    <dgm:linClrLst meth="repeat">
-      <a:schemeClr val="accent1"/>
-    </dgm:linClrLst>
-    <dgm:effectClrLst/>
-    <dgm:txLinClrLst/>
-    <dgm:txFillClrLst meth="repeat">
-      <a:schemeClr val="dk1"/>
-    </dgm:txFillClrLst>
-    <dgm:txEffectClrLst/>
-  </dgm:styleLbl>
-  <dgm:styleLbl name="bgAcc1">
-    <dgm:fillClrLst meth="repeat">
-      <a:schemeClr val="lt1">
-        <a:alpha val="90000"/>
-      </a:schemeClr>
-    </dgm:fillClrLst>
-    <dgm:linClrLst meth="repeat">
-      <a:schemeClr val="accent2"/>
-      <a:schemeClr val="accent3"/>
-      <a:schemeClr val="accent4"/>
-      <a:schemeClr val="accent5"/>
-      <a:schemeClr val="accent6"/>
-    </dgm:linClrLst>
-    <dgm:effectClrLst/>
-    <dgm:txLinClrLst/>
-    <dgm:txFillClrLst meth="repeat">
-      <a:schemeClr val="dk1"/>
-    </dgm:txFillClrLst>
-    <dgm:txEffectClrLst/>
-  </dgm:styleLbl>
-  <dgm:styleLbl name="solidFgAcc1">
-    <dgm:fillClrLst meth="repeat">
-      <a:schemeClr val="lt1"/>
-    </dgm:fillClrLst>
-    <dgm:linClrLst meth="repeat">
-      <a:schemeClr val="accent2"/>
-      <a:schemeClr val="accent3"/>
-      <a:schemeClr val="accent4"/>
-      <a:schemeClr val="accent5"/>
-      <a:schemeClr val="accent6"/>
-    </dgm:linClrLst>
-    <dgm:effectClrLst/>
-    <dgm:txLinClrLst/>
-    <dgm:txFillClrLst meth="repeat">
-      <a:schemeClr val="dk1"/>
-    </dgm:txFillClrLst>
-    <dgm:txEffectClrLst/>
-  </dgm:styleLbl>
-  <dgm:styleLbl name="solidAlignAcc1">
-    <dgm:fillClrLst meth="repeat">
-      <a:schemeClr val="lt1"/>
-    </dgm:fillClrLst>
-    <dgm:linClrLst meth="repeat">
-      <a:schemeClr val="accent2"/>
-      <a:schemeClr val="accent3"/>
-      <a:schemeClr val="accent4"/>
-      <a:schemeClr val="accent5"/>
-      <a:schemeClr val="accent6"/>
-    </dgm:linClrLst>
-    <dgm:effectClrLst/>
-    <dgm:txLinClrLst/>
-    <dgm:txFillClrLst meth="repeat">
-      <a:schemeClr val="dk1"/>
-    </dgm:txFillClrLst>
-    <dgm:txEffectClrLst/>
-  </dgm:styleLbl>
-  <dgm:styleLbl name="solidBgAcc1">
-    <dgm:fillClrLst meth="repeat">
-      <a:schemeClr val="lt1"/>
-    </dgm:fillClrLst>
-    <dgm:linClrLst meth="repeat">
-      <a:schemeClr val="accent2"/>
-      <a:schemeClr val="accent3"/>
-      <a:schemeClr val="accent4"/>
-      <a:schemeClr val="accent5"/>
-      <a:schemeClr val="accent6"/>
-    </dgm:linClrLst>
-    <dgm:effectClrLst/>
-    <dgm:txLinClrLst/>
-    <dgm:txFillClrLst meth="repeat">
-      <a:schemeClr val="dk1"/>
-    </dgm:txFillClrLst>
-    <dgm:txEffectClrLst/>
-  </dgm:styleLbl>
-  <dgm:styleLbl name="fgAccFollowNode1">
-    <dgm:fillClrLst meth="repeat">
-      <a:schemeClr val="accent2">
-        <a:tint val="40000"/>
-        <a:alpha val="90000"/>
-      </a:schemeClr>
-      <a:schemeClr val="accent3">
-        <a:tint val="40000"/>
-        <a:alpha val="90000"/>
-      </a:schemeClr>
-      <a:schemeClr val="accent4">
-        <a:tint val="40000"/>
-        <a:alpha val="90000"/>
-      </a:schemeClr>
-      <a:schemeClr val="accent5">
-        <a:tint val="40000"/>
-        <a:alpha val="90000"/>
-      </a:schemeClr>
-      <a:schemeClr val="accent6">
-        <a:tint val="40000"/>
-        <a:alpha val="90000"/>
-      </a:schemeClr>
-    </dgm:fillClrLst>
-    <dgm:linClrLst meth="repeat">
-      <a:schemeClr val="accent2">
-        <a:tint val="40000"/>
-        <a:alpha val="90000"/>
-      </a:schemeClr>
-      <a:schemeClr val="accent3">
-        <a:tint val="40000"/>
-        <a:alpha val="90000"/>
-      </a:schemeClr>
-      <a:schemeClr val="accent4">
-        <a:tint val="40000"/>
-        <a:alpha val="90000"/>
-      </a:schemeClr>
-      <a:schemeClr val="accent5">
-        <a:tint val="40000"/>
-        <a:alpha val="90000"/>
-      </a:schemeClr>
-      <a:schemeClr val="accent6">
-        <a:tint val="40000"/>
-        <a:alpha val="90000"/>
-      </a:schemeClr>
-    </dgm:linClrLst>
-    <dgm:effectClrLst/>
-    <dgm:txLinClrLst/>
-    <dgm:txFillClrLst meth="repeat">
-      <a:schemeClr val="dk1"/>
-    </dgm:txFillClrLst>
-    <dgm:txEffectClrLst/>
-  </dgm:styleLbl>
-  <dgm:styleLbl name="alignAccFollowNode1">
-    <dgm:fillClrLst meth="repeat">
-      <a:schemeClr val="accent2">
-        <a:tint val="40000"/>
-        <a:alpha val="90000"/>
-      </a:schemeClr>
-      <a:schemeClr val="accent3">
-        <a:tint val="40000"/>
-        <a:alpha val="90000"/>
-      </a:schemeClr>
-      <a:schemeClr val="accent4">
-        <a:tint val="40000"/>
-        <a:alpha val="90000"/>
-      </a:schemeClr>
-      <a:schemeClr val="accent5">
-        <a:tint val="40000"/>
-        <a:alpha val="90000"/>
-      </a:schemeClr>
-      <a:schemeClr val="accent6">
-        <a:tint val="40000"/>
-        <a:alpha val="90000"/>
-      </a:schemeClr>
-    </dgm:fillClrLst>
-    <dgm:linClrLst meth="repeat">
-      <a:schemeClr val="accent2">
-        <a:tint val="40000"/>
-        <a:alpha val="90000"/>
-      </a:schemeClr>
-      <a:schemeClr val="accent3">
-        <a:tint val="40000"/>
-        <a:alpha val="90000"/>
-      </a:schemeClr>
-      <a:schemeClr val="accent4">
-        <a:tint val="40000"/>
-        <a:alpha val="90000"/>
-      </a:schemeClr>
-      <a:schemeClr val="accent5">
-        <a:tint val="40000"/>
-        <a:alpha val="90000"/>
-      </a:schemeClr>
-      <a:schemeClr val="accent6">
-        <a:tint val="40000"/>
-        <a:alpha val="90000"/>
-      </a:schemeClr>
-    </dgm:linClrLst>
-    <dgm:effectClrLst/>
-    <dgm:txLinClrLst/>
-    <dgm:txFillClrLst meth="repeat">
-      <a:schemeClr val="dk1"/>
-    </dgm:txFillClrLst>
-    <dgm:txEffectClrLst/>
-  </dgm:styleLbl>
-  <dgm:styleLbl name="bgAccFollowNode1">
-    <dgm:fillClrLst meth="repeat">
-      <a:schemeClr val="accent2">
-        <a:tint val="40000"/>
-        <a:alpha val="90000"/>
-      </a:schemeClr>
-      <a:schemeClr val="accent3">
-        <a:tint val="40000"/>
-        <a:alpha val="90000"/>
-      </a:schemeClr>
-      <a:schemeClr val="accent4">
-        <a:tint val="40000"/>
-        <a:alpha val="90000"/>
-      </a:schemeClr>
-      <a:schemeClr val="accent5">
-        <a:tint val="40000"/>
-        <a:alpha val="90000"/>
-      </a:schemeClr>
-      <a:schemeClr val="accent6">
-        <a:tint val="40000"/>
-        <a:alpha val="90000"/>
-      </a:schemeClr>
-    </dgm:fillClrLst>
-    <dgm:linClrLst meth="repeat">
-      <a:schemeClr val="accent2">
-        <a:tint val="40000"/>
-        <a:alpha val="90000"/>
-      </a:schemeClr>
-      <a:schemeClr val="accent3">
-        <a:tint val="40000"/>
-        <a:alpha val="90000"/>
-      </a:schemeClr>
-      <a:schemeClr val="accent4">
-        <a:tint val="40000"/>
-        <a:alpha val="90000"/>
-      </a:schemeClr>
-      <a:schemeClr val="accent5">
-        <a:tint val="40000"/>
-        <a:alpha val="90000"/>
-      </a:schemeClr>
-      <a:schemeClr val="accent6">
-        <a:tint val="40000"/>
-        <a:alpha val="90000"/>
-      </a:schemeClr>
-    </dgm:linClrLst>
-    <dgm:effectClrLst/>
-    <dgm:txLinClrLst/>
-    <dgm:txFillClrLst meth="repeat">
-      <a:schemeClr val="dk1"/>
-    </dgm:txFillClrLst>
-    <dgm:txEffectClrLst/>
-  </dgm:styleLbl>
-  <dgm:styleLbl name="fgAcc0">
-    <dgm:fillClrLst meth="repeat">
-      <a:schemeClr val="lt1">
-        <a:alpha val="90000"/>
-      </a:schemeClr>
-    </dgm:fillClrLst>
-    <dgm:linClrLst>
-      <a:schemeClr val="accent1"/>
-    </dgm:linClrLst>
-    <dgm:effectClrLst/>
-    <dgm:txLinClrLst/>
-    <dgm:txFillClrLst meth="repeat">
-      <a:schemeClr val="dk1"/>
-    </dgm:txFillClrLst>
-    <dgm:txEffectClrLst/>
-  </dgm:styleLbl>
-  <dgm:styleLbl name="fgAcc2">
-    <dgm:fillClrLst meth="repeat">
-      <a:schemeClr val="lt1">
-        <a:alpha val="90000"/>
-      </a:schemeClr>
-    </dgm:fillClrLst>
-    <dgm:linClrLst>
-      <a:schemeClr val="accent2"/>
-    </dgm:linClrLst>
-    <dgm:effectClrLst/>
-    <dgm:txLinClrLst/>
-    <dgm:txFillClrLst meth="repeat">
-      <a:schemeClr val="dk1"/>
-    </dgm:txFillClrLst>
-    <dgm:txEffectClrLst/>
-  </dgm:styleLbl>
-  <dgm:styleLbl name="fgAcc3">
-    <dgm:fillClrLst meth="repeat">
-      <a:schemeClr val="lt1">
-        <a:alpha val="90000"/>
-      </a:schemeClr>
-    </dgm:fillClrLst>
-    <dgm:linClrLst>
-      <a:schemeClr val="accent3"/>
-    </dgm:linClrLst>
-    <dgm:effectClrLst/>
-    <dgm:txLinClrLst/>
-    <dgm:txFillClrLst meth="repeat">
-      <a:schemeClr val="dk1"/>
-    </dgm:txFillClrLst>
-    <dgm:txEffectClrLst/>
-  </dgm:styleLbl>
-  <dgm:styleLbl name="fgAcc4">
-    <dgm:fillClrLst meth="repeat">
-      <a:schemeClr val="lt1">
-        <a:alpha val="90000"/>
-      </a:schemeClr>
-    </dgm:fillClrLst>
-    <dgm:linClrLst>
-      <a:schemeClr val="accent4"/>
-    </dgm:linClrLst>
-    <dgm:effectClrLst/>
-    <dgm:txLinClrLst/>
-    <dgm:txFillClrLst meth="repeat">
-      <a:schemeClr val="dk1"/>
-    </dgm:txFillClrLst>
-    <dgm:txEffectClrLst/>
-  </dgm:styleLbl>
-  <dgm:styleLbl name="bgShp">
-    <dgm:fillClrLst meth="repeat">
-      <a:schemeClr val="bg1">
-        <a:lumMod val="95000"/>
-      </a:schemeClr>
-    </dgm:fillClrLst>
-    <dgm:linClrLst meth="repeat">
-      <a:schemeClr val="dk1"/>
-    </dgm:linClrLst>
-    <dgm:effectClrLst/>
-    <dgm:txLinClrLst/>
-    <dgm:txFillClrLst meth="repeat">
-      <a:schemeClr val="dk1"/>
-    </dgm:txFillClrLst>
-    <dgm:txEffectClrLst/>
-  </dgm:styleLbl>
-  <dgm:styleLbl name="dkBgShp">
-    <dgm:fillClrLst meth="repeat">
-      <a:schemeClr val="accent2">
-        <a:shade val="90000"/>
-      </a:schemeClr>
-    </dgm:fillClrLst>
-    <dgm:linClrLst meth="repeat">
-      <a:schemeClr val="dk1"/>
-    </dgm:linClrLst>
-    <dgm:effectClrLst/>
-    <dgm:txLinClrLst/>
-    <dgm:txFillClrLst meth="repeat">
-      <a:schemeClr val="lt1"/>
-    </dgm:txFillClrLst>
-    <dgm:txEffectClrLst/>
-  </dgm:styleLbl>
-  <dgm:styleLbl name="trBgShp">
-    <dgm:fillClrLst meth="repeat">
-      <a:schemeClr val="accent1">
-        <a:tint val="50000"/>
-        <a:alpha val="40000"/>
-      </a:schemeClr>
-    </dgm:fillClrLst>
-    <dgm:linClrLst meth="repeat">
-      <a:schemeClr val="accent2"/>
-    </dgm:linClrLst>
-    <dgm:effectClrLst/>
-    <dgm:txLinClrLst/>
-    <dgm:txFillClrLst meth="repeat">
-      <a:schemeClr val="lt1"/>
-    </dgm:txFillClrLst>
-    <dgm:txEffectClrLst/>
-  </dgm:styleLbl>
-  <dgm:styleLbl name="fgShp">
-    <dgm:fillClrLst meth="repeat">
-      <a:schemeClr val="accent2">
-        <a:tint val="40000"/>
-      </a:schemeClr>
-    </dgm:fillClrLst>
-    <dgm:linClrLst meth="repeat">
-      <a:schemeClr val="lt1"/>
-    </dgm:linClrLst>
-    <dgm:effectClrLst/>
-    <dgm:txLinClrLst/>
-    <dgm:txFillClrLst meth="repeat">
-      <a:schemeClr val="dk1"/>
-    </dgm:txFillClrLst>
-    <dgm:txEffectClrLst/>
-  </dgm:styleLbl>
-  <dgm:styleLbl name="revTx">
-    <dgm:fillClrLst meth="repeat">
-      <a:schemeClr val="lt1">
-        <a:alpha val="0"/>
-      </a:schemeClr>
-    </dgm:fillClrLst>
-    <dgm:linClrLst meth="repeat">
-      <a:schemeClr val="dk1">
-        <a:alpha val="0"/>
-      </a:schemeClr>
-    </dgm:linClrLst>
-    <dgm:effectClrLst/>
-    <dgm:txLinClrLst/>
-    <dgm:txFillClrLst meth="repeat">
-      <a:schemeClr val="tx1"/>
-    </dgm:txFillClrLst>
-    <dgm:txEffectClrLst/>
-  </dgm:styleLbl>
-</dgm:colorsDef>
-</file>
-
 <file path=ppt/diagrams/data1.xml><?xml version="1.0" encoding="utf-8"?>
 <dgm:dataModel xmlns:dgm="http://schemas.openxmlformats.org/drawingml/2006/diagram" xmlns:a="http://schemas.openxmlformats.org/drawingml/2006/main">
   <dgm:ptLst>
@@ -2286,6 +1377,50 @@
         </a:p>
       </dgm:t>
     </dgm:pt>
+    <dgm:pt modelId="{AE2A4D25-0448-4ACA-82E7-9E929966DF67}">
+      <dgm:prSet/>
+      <dgm:spPr/>
+      <dgm:t>
+        <a:bodyPr/>
+        <a:lstStyle/>
+        <a:p>
+          <a:pPr>
+            <a:lnSpc>
+              <a:spcPct val="100000"/>
+            </a:lnSpc>
+          </a:pPr>
+          <a:r>
+            <a:rPr lang="en-US" dirty="0">
+              <a:latin typeface="Arial" panose="020B0604020202020204" pitchFamily="34" charset="0"/>
+              <a:cs typeface="Arial" panose="020B0604020202020204" pitchFamily="34" charset="0"/>
+            </a:rPr>
+            <a:t>CSR Activities</a:t>
+          </a:r>
+        </a:p>
+      </dgm:t>
+    </dgm:pt>
+    <dgm:pt modelId="{0EA5ECA6-E17B-4EA8-A243-5CDF9990B736}" type="parTrans" cxnId="{56C6F4B4-5D12-4CD7-AA87-93A74C0735BB}">
+      <dgm:prSet/>
+      <dgm:spPr/>
+      <dgm:t>
+        <a:bodyPr/>
+        <a:lstStyle/>
+        <a:p>
+          <a:endParaRPr lang="en-US"/>
+        </a:p>
+      </dgm:t>
+    </dgm:pt>
+    <dgm:pt modelId="{C5343C43-7C98-45EA-9244-A9BB5DF12A29}" type="sibTrans" cxnId="{56C6F4B4-5D12-4CD7-AA87-93A74C0735BB}">
+      <dgm:prSet/>
+      <dgm:spPr/>
+      <dgm:t>
+        <a:bodyPr/>
+        <a:lstStyle/>
+        <a:p>
+          <a:endParaRPr lang="en-US"/>
+        </a:p>
+      </dgm:t>
+    </dgm:pt>
     <dgm:pt modelId="{00A15217-21BA-4FB2-974C-6774D08EF452}" type="pres">
       <dgm:prSet presAssocID="{452279FB-F9A2-4C63-8036-159ED8100F27}" presName="root" presStyleCnt="0">
         <dgm:presLayoutVars>
@@ -2294,13 +1429,20 @@
         </dgm:presLayoutVars>
       </dgm:prSet>
       <dgm:spPr/>
+      <dgm:t>
+        <a:bodyPr/>
+        <a:lstStyle/>
+        <a:p>
+          <a:endParaRPr lang="en-IN"/>
+        </a:p>
+      </dgm:t>
     </dgm:pt>
     <dgm:pt modelId="{D3EB8E53-1FCC-4C49-AB6D-DBA136B7D30A}" type="pres">
       <dgm:prSet presAssocID="{0DAEEF82-24D0-41EE-B4E3-4BDADB84DDDD}" presName="compNode" presStyleCnt="0"/>
       <dgm:spPr/>
     </dgm:pt>
     <dgm:pt modelId="{3C58206B-2659-4FCC-B2E3-457FA1F57794}" type="pres">
-      <dgm:prSet presAssocID="{0DAEEF82-24D0-41EE-B4E3-4BDADB84DDDD}" presName="iconRect" presStyleLbl="node1" presStyleIdx="0" presStyleCnt="3"/>
+      <dgm:prSet presAssocID="{0DAEEF82-24D0-41EE-B4E3-4BDADB84DDDD}" presName="iconRect" presStyleLbl="node1" presStyleIdx="0" presStyleCnt="4" custLinFactNeighborX="-4009" custLinFactNeighborY="20319"/>
       <dgm:spPr>
         <a:blipFill>
           <a:blip xmlns:r="http://schemas.openxmlformats.org/officeDocument/2006/relationships" r:embed="rId1">
@@ -2309,7 +1451,7 @@
                 <a14:useLocalDpi xmlns:a14="http://schemas.microsoft.com/office/drawing/2010/main" val="0"/>
               </a:ext>
               <a:ext uri="{96DAC541-7B7A-43D3-8B79-37D633B846F1}">
-                <asvg:svgBlip xmlns:asvg="http://schemas.microsoft.com/office/drawing/2016/SVG/main" r:embed="rId2"/>
+                <asvg:svgBlip xmlns:asvg="http://schemas.microsoft.com/office/drawing/2016/SVG/main" xmlns="" r:embed="rId2"/>
               </a:ext>
             </a:extLst>
           </a:blip>
@@ -2332,13 +1474,20 @@
       <dgm:spPr/>
     </dgm:pt>
     <dgm:pt modelId="{109EE232-3330-4E13-93B6-1DCEAEC485BC}" type="pres">
-      <dgm:prSet presAssocID="{0DAEEF82-24D0-41EE-B4E3-4BDADB84DDDD}" presName="textRect" presStyleLbl="revTx" presStyleIdx="0" presStyleCnt="3">
+      <dgm:prSet presAssocID="{0DAEEF82-24D0-41EE-B4E3-4BDADB84DDDD}" presName="textRect" presStyleLbl="revTx" presStyleIdx="0" presStyleCnt="4" custLinFactNeighborX="-93888" custLinFactNeighborY="-1341">
         <dgm:presLayoutVars>
           <dgm:chMax val="1"/>
           <dgm:chPref val="1"/>
         </dgm:presLayoutVars>
       </dgm:prSet>
       <dgm:spPr/>
+      <dgm:t>
+        <a:bodyPr/>
+        <a:lstStyle/>
+        <a:p>
+          <a:endParaRPr lang="en-IN"/>
+        </a:p>
+      </dgm:t>
     </dgm:pt>
     <dgm:pt modelId="{4760ED48-758F-45FB-9D3F-85A6AB578467}" type="pres">
       <dgm:prSet presAssocID="{AA26660C-F101-4A03-8401-6DF652B2E9FD}" presName="sibTrans" presStyleCnt="0"/>
@@ -2349,7 +1498,7 @@
       <dgm:spPr/>
     </dgm:pt>
     <dgm:pt modelId="{75791870-2289-4B0C-B400-7D9A7ECFBCAE}" type="pres">
-      <dgm:prSet presAssocID="{3CE8C8AD-C04C-430A-91D4-A0087B9C70F1}" presName="iconRect" presStyleLbl="node1" presStyleIdx="1" presStyleCnt="3"/>
+      <dgm:prSet presAssocID="{3CE8C8AD-C04C-430A-91D4-A0087B9C70F1}" presName="iconRect" presStyleLbl="node1" presStyleIdx="1" presStyleCnt="4"/>
       <dgm:spPr>
         <a:blipFill>
           <a:blip xmlns:r="http://schemas.openxmlformats.org/officeDocument/2006/relationships" r:embed="rId3">
@@ -2358,7 +1507,7 @@
                 <a14:useLocalDpi xmlns:a14="http://schemas.microsoft.com/office/drawing/2010/main" val="0"/>
               </a:ext>
               <a:ext uri="{96DAC541-7B7A-43D3-8B79-37D633B846F1}">
-                <asvg:svgBlip xmlns:asvg="http://schemas.microsoft.com/office/drawing/2016/SVG/main" r:embed="rId4"/>
+                <asvg:svgBlip xmlns:asvg="http://schemas.microsoft.com/office/drawing/2016/SVG/main" xmlns="" r:embed="rId4"/>
               </a:ext>
             </a:extLst>
           </a:blip>
@@ -2381,13 +1530,20 @@
       <dgm:spPr/>
     </dgm:pt>
     <dgm:pt modelId="{577DE939-9596-4EC8-88B5-458703019989}" type="pres">
-      <dgm:prSet presAssocID="{3CE8C8AD-C04C-430A-91D4-A0087B9C70F1}" presName="textRect" presStyleLbl="revTx" presStyleIdx="1" presStyleCnt="3">
+      <dgm:prSet presAssocID="{3CE8C8AD-C04C-430A-91D4-A0087B9C70F1}" presName="textRect" presStyleLbl="revTx" presStyleIdx="1" presStyleCnt="4">
         <dgm:presLayoutVars>
           <dgm:chMax val="1"/>
           <dgm:chPref val="1"/>
         </dgm:presLayoutVars>
       </dgm:prSet>
       <dgm:spPr/>
+      <dgm:t>
+        <a:bodyPr/>
+        <a:lstStyle/>
+        <a:p>
+          <a:endParaRPr lang="en-IN"/>
+        </a:p>
+      </dgm:t>
     </dgm:pt>
     <dgm:pt modelId="{36133790-FA38-4749-9E13-7614B4591322}" type="pres">
       <dgm:prSet presAssocID="{3AB9E390-4933-4A06-B44E-F332D92AF949}" presName="sibTrans" presStyleCnt="0"/>
@@ -2398,7 +1554,7 @@
       <dgm:spPr/>
     </dgm:pt>
     <dgm:pt modelId="{7F9BAFA7-A49C-4FE5-A0FF-856267DA0995}" type="pres">
-      <dgm:prSet presAssocID="{EE98422C-FF8E-480E-AC18-6A4223FAE074}" presName="iconRect" presStyleLbl="node1" presStyleIdx="2" presStyleCnt="3"/>
+      <dgm:prSet presAssocID="{EE98422C-FF8E-480E-AC18-6A4223FAE074}" presName="iconRect" presStyleLbl="node1" presStyleIdx="2" presStyleCnt="4" custLinFactNeighborX="14142" custLinFactNeighborY="-989"/>
       <dgm:spPr>
         <a:blipFill>
           <a:blip xmlns:r="http://schemas.openxmlformats.org/officeDocument/2006/relationships" r:embed="rId5">
@@ -2407,7 +1563,7 @@
                 <a14:useLocalDpi xmlns:a14="http://schemas.microsoft.com/office/drawing/2010/main" val="0"/>
               </a:ext>
               <a:ext uri="{96DAC541-7B7A-43D3-8B79-37D633B846F1}">
-                <asvg:svgBlip xmlns:asvg="http://schemas.microsoft.com/office/drawing/2016/SVG/main" r:embed="rId6"/>
+                <asvg:svgBlip xmlns:asvg="http://schemas.microsoft.com/office/drawing/2016/SVG/main" xmlns="" r:embed="rId6"/>
               </a:ext>
             </a:extLst>
           </a:blip>
@@ -2430,189 +1586,108 @@
       <dgm:spPr/>
     </dgm:pt>
     <dgm:pt modelId="{7952E1BD-B452-4113-9727-7FCF81661EB2}" type="pres">
-      <dgm:prSet presAssocID="{EE98422C-FF8E-480E-AC18-6A4223FAE074}" presName="textRect" presStyleLbl="revTx" presStyleIdx="2" presStyleCnt="3">
+      <dgm:prSet presAssocID="{EE98422C-FF8E-480E-AC18-6A4223FAE074}" presName="textRect" presStyleLbl="revTx" presStyleIdx="2" presStyleCnt="4" custLinFactNeighborX="6364" custLinFactNeighborY="-1113">
         <dgm:presLayoutVars>
           <dgm:chMax val="1"/>
           <dgm:chPref val="1"/>
         </dgm:presLayoutVars>
       </dgm:prSet>
       <dgm:spPr/>
+      <dgm:t>
+        <a:bodyPr/>
+        <a:lstStyle/>
+        <a:p>
+          <a:endParaRPr lang="en-IN"/>
+        </a:p>
+      </dgm:t>
+    </dgm:pt>
+    <dgm:pt modelId="{CA6364DB-FE69-48FA-A57F-309CD58A502C}" type="pres">
+      <dgm:prSet presAssocID="{D6F9AFF5-823D-468B-A310-80D3556728F6}" presName="sibTrans" presStyleCnt="0"/>
+      <dgm:spPr/>
+    </dgm:pt>
+    <dgm:pt modelId="{F637253B-3A0D-40C9-A4A6-2C98C63537CF}" type="pres">
+      <dgm:prSet presAssocID="{AE2A4D25-0448-4ACA-82E7-9E929966DF67}" presName="compNode" presStyleCnt="0"/>
+      <dgm:spPr/>
+    </dgm:pt>
+    <dgm:pt modelId="{35128AF3-CDF2-4596-A7D9-9B2CCF907B5B}" type="pres">
+      <dgm:prSet presAssocID="{AE2A4D25-0448-4ACA-82E7-9E929966DF67}" presName="iconRect" presStyleLbl="node1" presStyleIdx="3" presStyleCnt="4"/>
+      <dgm:spPr>
+        <a:blipFill>
+          <a:blip xmlns:r="http://schemas.openxmlformats.org/officeDocument/2006/relationships" r:embed="rId7">
+            <a:extLst>
+              <a:ext uri="{96DAC541-7B7A-43D3-8B79-37D633B846F1}">
+                <asvg:svgBlip xmlns:asvg="http://schemas.microsoft.com/office/drawing/2016/SVG/main" xmlns="" r:embed="rId8"/>
+              </a:ext>
+            </a:extLst>
+          </a:blip>
+          <a:srcRect/>
+          <a:stretch>
+            <a:fillRect/>
+          </a:stretch>
+        </a:blipFill>
+      </dgm:spPr>
+      <dgm:extLst>
+        <a:ext uri="{E40237B7-FDA0-4F09-8148-C483321AD2D9}">
+          <dgm14:cNvPr xmlns:dgm14="http://schemas.microsoft.com/office/drawing/2010/diagram" id="0" name="" descr="Open hand with solid fill"/>
+        </a:ext>
+      </dgm:extLst>
+    </dgm:pt>
+    <dgm:pt modelId="{32AA8948-0328-4EAE-8EEE-44F47588D64F}" type="pres">
+      <dgm:prSet presAssocID="{AE2A4D25-0448-4ACA-82E7-9E929966DF67}" presName="spaceRect" presStyleCnt="0"/>
+      <dgm:spPr/>
+    </dgm:pt>
+    <dgm:pt modelId="{3C84B468-E453-4A51-9830-AE3EAF62C543}" type="pres">
+      <dgm:prSet presAssocID="{AE2A4D25-0448-4ACA-82E7-9E929966DF67}" presName="textRect" presStyleLbl="revTx" presStyleIdx="3" presStyleCnt="4">
+        <dgm:presLayoutVars>
+          <dgm:chMax val="1"/>
+          <dgm:chPref val="1"/>
+        </dgm:presLayoutVars>
+      </dgm:prSet>
+      <dgm:spPr/>
+      <dgm:t>
+        <a:bodyPr/>
+        <a:lstStyle/>
+        <a:p>
+          <a:endParaRPr lang="en-IN"/>
+        </a:p>
+      </dgm:t>
     </dgm:pt>
   </dgm:ptLst>
   <dgm:cxnLst>
-    <dgm:cxn modelId="{69B68C00-2A8A-0D41-9AEE-F403216324AD}" type="presOf" srcId="{EE98422C-FF8E-480E-AC18-6A4223FAE074}" destId="{7952E1BD-B452-4113-9727-7FCF81661EB2}" srcOrd="0" destOrd="0" presId="urn:microsoft.com/office/officeart/2018/2/layout/IconLabelList"/>
+    <dgm:cxn modelId="{56C6F4B4-5D12-4CD7-AA87-93A74C0735BB}" srcId="{452279FB-F9A2-4C63-8036-159ED8100F27}" destId="{AE2A4D25-0448-4ACA-82E7-9E929966DF67}" srcOrd="3" destOrd="0" parTransId="{0EA5ECA6-E17B-4EA8-A243-5CDF9990B736}" sibTransId="{C5343C43-7C98-45EA-9244-A9BB5DF12A29}"/>
+    <dgm:cxn modelId="{FA65E353-4AFB-458A-B0CD-9F197DC6E8A8}" srcId="{452279FB-F9A2-4C63-8036-159ED8100F27}" destId="{EE98422C-FF8E-480E-AC18-6A4223FAE074}" srcOrd="2" destOrd="0" parTransId="{EF29C25A-ABFD-4750-A8D6-08CCF4FCA9AE}" sibTransId="{D6F9AFF5-823D-468B-A310-80D3556728F6}"/>
+    <dgm:cxn modelId="{E6610695-327D-4485-9F2B-0C7AA3925C46}" type="presOf" srcId="{452279FB-F9A2-4C63-8036-159ED8100F27}" destId="{00A15217-21BA-4FB2-974C-6774D08EF452}" srcOrd="0" destOrd="0" presId="urn:microsoft.com/office/officeart/2018/2/layout/IconLabelList"/>
+    <dgm:cxn modelId="{91B267D0-2C56-4539-979F-AB4BF1B88C85}" type="presOf" srcId="{0DAEEF82-24D0-41EE-B4E3-4BDADB84DDDD}" destId="{109EE232-3330-4E13-93B6-1DCEAEC485BC}" srcOrd="0" destOrd="0" presId="urn:microsoft.com/office/officeart/2018/2/layout/IconLabelList"/>
     <dgm:cxn modelId="{BD4C0B61-D0B3-4DFE-8038-50260989A832}" srcId="{452279FB-F9A2-4C63-8036-159ED8100F27}" destId="{0DAEEF82-24D0-41EE-B4E3-4BDADB84DDDD}" srcOrd="0" destOrd="0" parTransId="{E0652196-15E1-4405-B607-503FF3977711}" sibTransId="{AA26660C-F101-4A03-8401-6DF652B2E9FD}"/>
-    <dgm:cxn modelId="{FA65E353-4AFB-458A-B0CD-9F197DC6E8A8}" srcId="{452279FB-F9A2-4C63-8036-159ED8100F27}" destId="{EE98422C-FF8E-480E-AC18-6A4223FAE074}" srcOrd="2" destOrd="0" parTransId="{EF29C25A-ABFD-4750-A8D6-08CCF4FCA9AE}" sibTransId="{D6F9AFF5-823D-468B-A310-80D3556728F6}"/>
-    <dgm:cxn modelId="{219C969D-535C-F04C-A53F-438BEF323CDB}" type="presOf" srcId="{3CE8C8AD-C04C-430A-91D4-A0087B9C70F1}" destId="{577DE939-9596-4EC8-88B5-458703019989}" srcOrd="0" destOrd="0" presId="urn:microsoft.com/office/officeart/2018/2/layout/IconLabelList"/>
     <dgm:cxn modelId="{8E8EE2BD-E30E-4ACB-9C57-1B70F692E76A}" srcId="{452279FB-F9A2-4C63-8036-159ED8100F27}" destId="{3CE8C8AD-C04C-430A-91D4-A0087B9C70F1}" srcOrd="1" destOrd="0" parTransId="{FD64C687-88A4-46D1-A963-1DA5011F12F2}" sibTransId="{3AB9E390-4933-4A06-B44E-F332D92AF949}"/>
-    <dgm:cxn modelId="{4E6519DC-A7CD-3845-8BA4-7EBA1CC99076}" type="presOf" srcId="{0DAEEF82-24D0-41EE-B4E3-4BDADB84DDDD}" destId="{109EE232-3330-4E13-93B6-1DCEAEC485BC}" srcOrd="0" destOrd="0" presId="urn:microsoft.com/office/officeart/2018/2/layout/IconLabelList"/>
-    <dgm:cxn modelId="{2DCC5AF3-7B36-D541-A162-A552D9AA6C82}" type="presOf" srcId="{452279FB-F9A2-4C63-8036-159ED8100F27}" destId="{00A15217-21BA-4FB2-974C-6774D08EF452}" srcOrd="0" destOrd="0" presId="urn:microsoft.com/office/officeart/2018/2/layout/IconLabelList"/>
-    <dgm:cxn modelId="{B7ED5AD0-F81A-D345-8B75-952CCA01A6D3}" type="presParOf" srcId="{00A15217-21BA-4FB2-974C-6774D08EF452}" destId="{D3EB8E53-1FCC-4C49-AB6D-DBA136B7D30A}" srcOrd="0" destOrd="0" presId="urn:microsoft.com/office/officeart/2018/2/layout/IconLabelList"/>
-    <dgm:cxn modelId="{9944C64C-09CD-7C43-8752-76BACD59B255}" type="presParOf" srcId="{D3EB8E53-1FCC-4C49-AB6D-DBA136B7D30A}" destId="{3C58206B-2659-4FCC-B2E3-457FA1F57794}" srcOrd="0" destOrd="0" presId="urn:microsoft.com/office/officeart/2018/2/layout/IconLabelList"/>
-    <dgm:cxn modelId="{D1B29DB4-23EB-6548-B7C2-2C087AEA8664}" type="presParOf" srcId="{D3EB8E53-1FCC-4C49-AB6D-DBA136B7D30A}" destId="{9822E947-31B7-4F45-8501-C39027786175}" srcOrd="1" destOrd="0" presId="urn:microsoft.com/office/officeart/2018/2/layout/IconLabelList"/>
-    <dgm:cxn modelId="{3D4872C9-C2DD-B942-9C9A-9E19F615B140}" type="presParOf" srcId="{D3EB8E53-1FCC-4C49-AB6D-DBA136B7D30A}" destId="{109EE232-3330-4E13-93B6-1DCEAEC485BC}" srcOrd="2" destOrd="0" presId="urn:microsoft.com/office/officeart/2018/2/layout/IconLabelList"/>
-    <dgm:cxn modelId="{336AFB9F-A4C8-8342-A1C5-CF9311F60CB7}" type="presParOf" srcId="{00A15217-21BA-4FB2-974C-6774D08EF452}" destId="{4760ED48-758F-45FB-9D3F-85A6AB578467}" srcOrd="1" destOrd="0" presId="urn:microsoft.com/office/officeart/2018/2/layout/IconLabelList"/>
-    <dgm:cxn modelId="{8DFB0041-103F-3A49-B1FD-422E0E541030}" type="presParOf" srcId="{00A15217-21BA-4FB2-974C-6774D08EF452}" destId="{CD346430-CD13-4940-9756-B042A677A4C2}" srcOrd="2" destOrd="0" presId="urn:microsoft.com/office/officeart/2018/2/layout/IconLabelList"/>
-    <dgm:cxn modelId="{7CBBC48C-6728-714F-9F44-EEAE287042A3}" type="presParOf" srcId="{CD346430-CD13-4940-9756-B042A677A4C2}" destId="{75791870-2289-4B0C-B400-7D9A7ECFBCAE}" srcOrd="0" destOrd="0" presId="urn:microsoft.com/office/officeart/2018/2/layout/IconLabelList"/>
-    <dgm:cxn modelId="{0D466593-7629-EF4A-A31E-BB627D85E2F6}" type="presParOf" srcId="{CD346430-CD13-4940-9756-B042A677A4C2}" destId="{70D14D6D-B84E-43BB-B85F-DEB89E0CC2EE}" srcOrd="1" destOrd="0" presId="urn:microsoft.com/office/officeart/2018/2/layout/IconLabelList"/>
-    <dgm:cxn modelId="{3EF11AFD-FB54-9E4E-AE29-7E20CD2BA155}" type="presParOf" srcId="{CD346430-CD13-4940-9756-B042A677A4C2}" destId="{577DE939-9596-4EC8-88B5-458703019989}" srcOrd="2" destOrd="0" presId="urn:microsoft.com/office/officeart/2018/2/layout/IconLabelList"/>
-    <dgm:cxn modelId="{A9398483-D69E-9340-A694-B4535C11B161}" type="presParOf" srcId="{00A15217-21BA-4FB2-974C-6774D08EF452}" destId="{36133790-FA38-4749-9E13-7614B4591322}" srcOrd="3" destOrd="0" presId="urn:microsoft.com/office/officeart/2018/2/layout/IconLabelList"/>
-    <dgm:cxn modelId="{C9C1AB48-DD3D-4C4B-ACCD-528F96D93DF4}" type="presParOf" srcId="{00A15217-21BA-4FB2-974C-6774D08EF452}" destId="{6C84245E-C3C5-4116-8F6A-8131BB4D5834}" srcOrd="4" destOrd="0" presId="urn:microsoft.com/office/officeart/2018/2/layout/IconLabelList"/>
-    <dgm:cxn modelId="{9E6D0041-E58A-A94A-9AE9-844ADFEAFBBB}" type="presParOf" srcId="{6C84245E-C3C5-4116-8F6A-8131BB4D5834}" destId="{7F9BAFA7-A49C-4FE5-A0FF-856267DA0995}" srcOrd="0" destOrd="0" presId="urn:microsoft.com/office/officeart/2018/2/layout/IconLabelList"/>
-    <dgm:cxn modelId="{ACC7395E-91A3-0445-9AA1-094BC7850A36}" type="presParOf" srcId="{6C84245E-C3C5-4116-8F6A-8131BB4D5834}" destId="{AA3C9A23-6FF2-40C6-B221-0273CD7982DE}" srcOrd="1" destOrd="0" presId="urn:microsoft.com/office/officeart/2018/2/layout/IconLabelList"/>
-    <dgm:cxn modelId="{51CD4274-679C-854A-A944-738A5C57AB36}" type="presParOf" srcId="{6C84245E-C3C5-4116-8F6A-8131BB4D5834}" destId="{7952E1BD-B452-4113-9727-7FCF81661EB2}" srcOrd="2" destOrd="0" presId="urn:microsoft.com/office/officeart/2018/2/layout/IconLabelList"/>
+    <dgm:cxn modelId="{F91E8F2D-C3C0-4932-86FC-28B0164EBFE9}" type="presOf" srcId="{AE2A4D25-0448-4ACA-82E7-9E929966DF67}" destId="{3C84B468-E453-4A51-9830-AE3EAF62C543}" srcOrd="0" destOrd="0" presId="urn:microsoft.com/office/officeart/2018/2/layout/IconLabelList"/>
+    <dgm:cxn modelId="{17AD4F4B-837D-4324-AEE8-F298454810E2}" type="presOf" srcId="{EE98422C-FF8E-480E-AC18-6A4223FAE074}" destId="{7952E1BD-B452-4113-9727-7FCF81661EB2}" srcOrd="0" destOrd="0" presId="urn:microsoft.com/office/officeart/2018/2/layout/IconLabelList"/>
+    <dgm:cxn modelId="{BCC22E01-EE1B-4D88-9F17-FA63B538F9A1}" type="presOf" srcId="{3CE8C8AD-C04C-430A-91D4-A0087B9C70F1}" destId="{577DE939-9596-4EC8-88B5-458703019989}" srcOrd="0" destOrd="0" presId="urn:microsoft.com/office/officeart/2018/2/layout/IconLabelList"/>
+    <dgm:cxn modelId="{A3991151-EBCE-4870-A2A0-891ECAB16F81}" type="presParOf" srcId="{00A15217-21BA-4FB2-974C-6774D08EF452}" destId="{D3EB8E53-1FCC-4C49-AB6D-DBA136B7D30A}" srcOrd="0" destOrd="0" presId="urn:microsoft.com/office/officeart/2018/2/layout/IconLabelList"/>
+    <dgm:cxn modelId="{8F714056-9ABA-4EAE-A975-1680B14C9692}" type="presParOf" srcId="{D3EB8E53-1FCC-4C49-AB6D-DBA136B7D30A}" destId="{3C58206B-2659-4FCC-B2E3-457FA1F57794}" srcOrd="0" destOrd="0" presId="urn:microsoft.com/office/officeart/2018/2/layout/IconLabelList"/>
+    <dgm:cxn modelId="{A6AD41A0-F0BA-4DCC-A0A7-3A26E85486CE}" type="presParOf" srcId="{D3EB8E53-1FCC-4C49-AB6D-DBA136B7D30A}" destId="{9822E947-31B7-4F45-8501-C39027786175}" srcOrd="1" destOrd="0" presId="urn:microsoft.com/office/officeart/2018/2/layout/IconLabelList"/>
+    <dgm:cxn modelId="{B4CE0E72-DEC8-4420-B6D6-C659FBC9DE4D}" type="presParOf" srcId="{D3EB8E53-1FCC-4C49-AB6D-DBA136B7D30A}" destId="{109EE232-3330-4E13-93B6-1DCEAEC485BC}" srcOrd="2" destOrd="0" presId="urn:microsoft.com/office/officeart/2018/2/layout/IconLabelList"/>
+    <dgm:cxn modelId="{EBF7003D-1A78-4B1B-80FB-00950D3E3178}" type="presParOf" srcId="{00A15217-21BA-4FB2-974C-6774D08EF452}" destId="{4760ED48-758F-45FB-9D3F-85A6AB578467}" srcOrd="1" destOrd="0" presId="urn:microsoft.com/office/officeart/2018/2/layout/IconLabelList"/>
+    <dgm:cxn modelId="{264FC453-AE1B-4F08-B741-BC877824161C}" type="presParOf" srcId="{00A15217-21BA-4FB2-974C-6774D08EF452}" destId="{CD346430-CD13-4940-9756-B042A677A4C2}" srcOrd="2" destOrd="0" presId="urn:microsoft.com/office/officeart/2018/2/layout/IconLabelList"/>
+    <dgm:cxn modelId="{29ECE285-727E-45D1-9F66-455A3AFC5F06}" type="presParOf" srcId="{CD346430-CD13-4940-9756-B042A677A4C2}" destId="{75791870-2289-4B0C-B400-7D9A7ECFBCAE}" srcOrd="0" destOrd="0" presId="urn:microsoft.com/office/officeart/2018/2/layout/IconLabelList"/>
+    <dgm:cxn modelId="{D24EBCEB-BF69-46DC-9B47-62706EADA204}" type="presParOf" srcId="{CD346430-CD13-4940-9756-B042A677A4C2}" destId="{70D14D6D-B84E-43BB-B85F-DEB89E0CC2EE}" srcOrd="1" destOrd="0" presId="urn:microsoft.com/office/officeart/2018/2/layout/IconLabelList"/>
+    <dgm:cxn modelId="{5A777960-5B6C-4C68-8CC0-BC8AD15688CE}" type="presParOf" srcId="{CD346430-CD13-4940-9756-B042A677A4C2}" destId="{577DE939-9596-4EC8-88B5-458703019989}" srcOrd="2" destOrd="0" presId="urn:microsoft.com/office/officeart/2018/2/layout/IconLabelList"/>
+    <dgm:cxn modelId="{2E346F35-AC6E-4EA7-9B47-1B9407FB5435}" type="presParOf" srcId="{00A15217-21BA-4FB2-974C-6774D08EF452}" destId="{36133790-FA38-4749-9E13-7614B4591322}" srcOrd="3" destOrd="0" presId="urn:microsoft.com/office/officeart/2018/2/layout/IconLabelList"/>
+    <dgm:cxn modelId="{5F7BB9BD-0B2E-44DE-8CA6-1D1B6267BE37}" type="presParOf" srcId="{00A15217-21BA-4FB2-974C-6774D08EF452}" destId="{6C84245E-C3C5-4116-8F6A-8131BB4D5834}" srcOrd="4" destOrd="0" presId="urn:microsoft.com/office/officeart/2018/2/layout/IconLabelList"/>
+    <dgm:cxn modelId="{35DCFA96-BCA2-469C-9617-E0B9F664B4B1}" type="presParOf" srcId="{6C84245E-C3C5-4116-8F6A-8131BB4D5834}" destId="{7F9BAFA7-A49C-4FE5-A0FF-856267DA0995}" srcOrd="0" destOrd="0" presId="urn:microsoft.com/office/officeart/2018/2/layout/IconLabelList"/>
+    <dgm:cxn modelId="{B0A16EED-ED83-409D-A4EF-87E60DB16295}" type="presParOf" srcId="{6C84245E-C3C5-4116-8F6A-8131BB4D5834}" destId="{AA3C9A23-6FF2-40C6-B221-0273CD7982DE}" srcOrd="1" destOrd="0" presId="urn:microsoft.com/office/officeart/2018/2/layout/IconLabelList"/>
+    <dgm:cxn modelId="{BF148752-809C-45BB-AC2B-BA17BC349BF2}" type="presParOf" srcId="{6C84245E-C3C5-4116-8F6A-8131BB4D5834}" destId="{7952E1BD-B452-4113-9727-7FCF81661EB2}" srcOrd="2" destOrd="0" presId="urn:microsoft.com/office/officeart/2018/2/layout/IconLabelList"/>
+    <dgm:cxn modelId="{3FC39058-E6C5-4568-8AEE-C0A3772C6FB9}" type="presParOf" srcId="{00A15217-21BA-4FB2-974C-6774D08EF452}" destId="{CA6364DB-FE69-48FA-A57F-309CD58A502C}" srcOrd="5" destOrd="0" presId="urn:microsoft.com/office/officeart/2018/2/layout/IconLabelList"/>
+    <dgm:cxn modelId="{50212FCB-F1FD-4CFA-9B90-826994AC4142}" type="presParOf" srcId="{00A15217-21BA-4FB2-974C-6774D08EF452}" destId="{F637253B-3A0D-40C9-A4A6-2C98C63537CF}" srcOrd="6" destOrd="0" presId="urn:microsoft.com/office/officeart/2018/2/layout/IconLabelList"/>
+    <dgm:cxn modelId="{A2000E9D-B7FF-45FD-8CE4-F89E79B086E5}" type="presParOf" srcId="{F637253B-3A0D-40C9-A4A6-2C98C63537CF}" destId="{35128AF3-CDF2-4596-A7D9-9B2CCF907B5B}" srcOrd="0" destOrd="0" presId="urn:microsoft.com/office/officeart/2018/2/layout/IconLabelList"/>
+    <dgm:cxn modelId="{B71A5E2F-131A-4B62-A154-4DA09D40AA64}" type="presParOf" srcId="{F637253B-3A0D-40C9-A4A6-2C98C63537CF}" destId="{32AA8948-0328-4EAE-8EEE-44F47588D64F}" srcOrd="1" destOrd="0" presId="urn:microsoft.com/office/officeart/2018/2/layout/IconLabelList"/>
+    <dgm:cxn modelId="{04760CF5-7A4E-4A8C-9B4A-467E4B21DA1F}" type="presParOf" srcId="{F637253B-3A0D-40C9-A4A6-2C98C63537CF}" destId="{3C84B468-E453-4A51-9830-AE3EAF62C543}" srcOrd="2" destOrd="0" presId="urn:microsoft.com/office/officeart/2018/2/layout/IconLabelList"/>
   </dgm:cxnLst>
   <dgm:bg/>
   <dgm:whole/>
   <dgm:extLst>
     <a:ext uri="http://schemas.microsoft.com/office/drawing/2008/diagram">
       <dsp:dataModelExt xmlns:dsp="http://schemas.microsoft.com/office/drawing/2008/diagram" relId="rId7" minVer="http://schemas.openxmlformats.org/drawingml/2006/diagram"/>
-    </a:ext>
-  </dgm:extLst>
-</dgm:dataModel>
-</file>
-
-<file path=ppt/diagrams/data2.xml><?xml version="1.0" encoding="utf-8"?>
-<dgm:dataModel xmlns:dgm="http://schemas.openxmlformats.org/drawingml/2006/diagram" xmlns:a="http://schemas.openxmlformats.org/drawingml/2006/main">
-  <dgm:ptLst>
-    <dgm:pt modelId="{2EB040B4-D6BB-4331-BC28-BDFEE7FF290F}" type="doc">
-      <dgm:prSet loTypeId="urn:microsoft.com/office/officeart/2018/2/layout/IconLabelList" loCatId="icon" qsTypeId="urn:microsoft.com/office/officeart/2005/8/quickstyle/simple1" qsCatId="simple" csTypeId="urn:microsoft.com/office/officeart/2018/5/colors/Iconchunking_neutralbg_colorful1" csCatId="colorful" phldr="1"/>
-      <dgm:spPr/>
-      <dgm:t>
-        <a:bodyPr/>
-        <a:lstStyle/>
-        <a:p>
-          <a:endParaRPr lang="en-US"/>
-        </a:p>
-      </dgm:t>
-    </dgm:pt>
-    <dgm:pt modelId="{894BA6C5-DF73-48CD-AE01-7A4A02BA3586}">
-      <dgm:prSet custT="1"/>
-      <dgm:spPr/>
-      <dgm:t>
-        <a:bodyPr/>
-        <a:lstStyle/>
-        <a:p>
-          <a:pPr>
-            <a:lnSpc>
-              <a:spcPct val="100000"/>
-            </a:lnSpc>
-          </a:pPr>
-          <a:r>
-            <a:rPr lang="en-US" sz="1100" dirty="0">
-              <a:latin typeface="Arial" panose="020B0604020202020204" pitchFamily="34" charset="0"/>
-              <a:cs typeface="Arial" panose="020B0604020202020204" pitchFamily="34" charset="0"/>
-            </a:rPr>
-            <a:t>Tech-talks / workshops</a:t>
-          </a:r>
-        </a:p>
-        <a:p>
-          <a:pPr>
-            <a:lnSpc>
-              <a:spcPct val="100000"/>
-            </a:lnSpc>
-          </a:pPr>
-          <a:r>
-            <a:rPr lang="en-US" sz="1100" dirty="0">
-              <a:latin typeface="Arial" panose="020B0604020202020204" pitchFamily="34" charset="0"/>
-              <a:cs typeface="Arial" panose="020B0604020202020204" pitchFamily="34" charset="0"/>
-            </a:rPr>
-            <a:t>In Colleges</a:t>
-          </a:r>
-        </a:p>
-      </dgm:t>
-    </dgm:pt>
-    <dgm:pt modelId="{70364D62-C697-41FB-AF93-48CEDA3C5504}" type="parTrans" cxnId="{C2F4A2B0-67B9-450B-A0C8-8ED935E18694}">
-      <dgm:prSet/>
-      <dgm:spPr/>
-      <dgm:t>
-        <a:bodyPr/>
-        <a:lstStyle/>
-        <a:p>
-          <a:endParaRPr lang="en-US"/>
-        </a:p>
-      </dgm:t>
-    </dgm:pt>
-    <dgm:pt modelId="{94015577-E337-4B3A-8B4F-DA469690F4BE}" type="sibTrans" cxnId="{C2F4A2B0-67B9-450B-A0C8-8ED935E18694}">
-      <dgm:prSet/>
-      <dgm:spPr/>
-      <dgm:t>
-        <a:bodyPr/>
-        <a:lstStyle/>
-        <a:p>
-          <a:endParaRPr lang="en-US"/>
-        </a:p>
-      </dgm:t>
-    </dgm:pt>
-    <dgm:pt modelId="{82E4E8BD-21C0-4B2E-B611-DE183CA55321}" type="pres">
-      <dgm:prSet presAssocID="{2EB040B4-D6BB-4331-BC28-BDFEE7FF290F}" presName="root" presStyleCnt="0">
-        <dgm:presLayoutVars>
-          <dgm:dir/>
-          <dgm:resizeHandles val="exact"/>
-        </dgm:presLayoutVars>
-      </dgm:prSet>
-      <dgm:spPr/>
-    </dgm:pt>
-    <dgm:pt modelId="{791C8E5F-F9CD-40ED-AC78-02DF79A554EB}" type="pres">
-      <dgm:prSet presAssocID="{894BA6C5-DF73-48CD-AE01-7A4A02BA3586}" presName="compNode" presStyleCnt="0"/>
-      <dgm:spPr/>
-    </dgm:pt>
-    <dgm:pt modelId="{B9E8179D-34CE-4B5E-811D-A4873683530D}" type="pres">
-      <dgm:prSet presAssocID="{894BA6C5-DF73-48CD-AE01-7A4A02BA3586}" presName="iconRect" presStyleLbl="node1" presStyleIdx="0" presStyleCnt="1"/>
-      <dgm:spPr>
-        <a:blipFill>
-          <a:blip xmlns:r="http://schemas.openxmlformats.org/officeDocument/2006/relationships" r:embed="rId1">
-            <a:extLst>
-              <a:ext uri="{28A0092B-C50C-407E-A947-70E740481C1C}">
-                <a14:useLocalDpi xmlns:a14="http://schemas.microsoft.com/office/drawing/2010/main" val="0"/>
-              </a:ext>
-              <a:ext uri="{96DAC541-7B7A-43D3-8B79-37D633B846F1}">
-                <asvg:svgBlip xmlns:asvg="http://schemas.microsoft.com/office/drawing/2016/SVG/main" r:embed="rId2"/>
-              </a:ext>
-            </a:extLst>
-          </a:blip>
-          <a:stretch>
-            <a:fillRect/>
-          </a:stretch>
-        </a:blipFill>
-        <a:ln>
-          <a:noFill/>
-        </a:ln>
-      </dgm:spPr>
-      <dgm:extLst>
-        <a:ext uri="{E40237B7-FDA0-4F09-8148-C483321AD2D9}">
-          <dgm14:cNvPr xmlns:dgm14="http://schemas.microsoft.com/office/drawing/2010/diagram" id="0" name="" descr="Meeting"/>
-        </a:ext>
-      </dgm:extLst>
-    </dgm:pt>
-    <dgm:pt modelId="{2E8B11B7-2B4A-4945-9108-2EDAAD1D3C9C}" type="pres">
-      <dgm:prSet presAssocID="{894BA6C5-DF73-48CD-AE01-7A4A02BA3586}" presName="spaceRect" presStyleCnt="0"/>
-      <dgm:spPr/>
-    </dgm:pt>
-    <dgm:pt modelId="{EE8BC3B6-800E-4D07-A845-D2A11E220568}" type="pres">
-      <dgm:prSet presAssocID="{894BA6C5-DF73-48CD-AE01-7A4A02BA3586}" presName="textRect" presStyleLbl="revTx" presStyleIdx="0" presStyleCnt="1" custLinFactNeighborX="132" custLinFactNeighborY="-39329">
-        <dgm:presLayoutVars>
-          <dgm:chMax val="1"/>
-          <dgm:chPref val="1"/>
-        </dgm:presLayoutVars>
-      </dgm:prSet>
-      <dgm:spPr/>
-    </dgm:pt>
-  </dgm:ptLst>
-  <dgm:cxnLst>
-    <dgm:cxn modelId="{F24E2203-002B-4128-A700-DB063EEC2B8F}" type="presOf" srcId="{2EB040B4-D6BB-4331-BC28-BDFEE7FF290F}" destId="{82E4E8BD-21C0-4B2E-B611-DE183CA55321}" srcOrd="0" destOrd="0" presId="urn:microsoft.com/office/officeart/2018/2/layout/IconLabelList"/>
-    <dgm:cxn modelId="{9B734D50-7BD6-4B63-8976-0FFF114D12D8}" type="presOf" srcId="{894BA6C5-DF73-48CD-AE01-7A4A02BA3586}" destId="{EE8BC3B6-800E-4D07-A845-D2A11E220568}" srcOrd="0" destOrd="0" presId="urn:microsoft.com/office/officeart/2018/2/layout/IconLabelList"/>
-    <dgm:cxn modelId="{C2F4A2B0-67B9-450B-A0C8-8ED935E18694}" srcId="{2EB040B4-D6BB-4331-BC28-BDFEE7FF290F}" destId="{894BA6C5-DF73-48CD-AE01-7A4A02BA3586}" srcOrd="0" destOrd="0" parTransId="{70364D62-C697-41FB-AF93-48CEDA3C5504}" sibTransId="{94015577-E337-4B3A-8B4F-DA469690F4BE}"/>
-    <dgm:cxn modelId="{C2E3D9F7-2ED5-4554-A3E6-7E2C8A2D301A}" type="presParOf" srcId="{82E4E8BD-21C0-4B2E-B611-DE183CA55321}" destId="{791C8E5F-F9CD-40ED-AC78-02DF79A554EB}" srcOrd="0" destOrd="0" presId="urn:microsoft.com/office/officeart/2018/2/layout/IconLabelList"/>
-    <dgm:cxn modelId="{19BBAE45-8D5F-49EA-96BD-A31B719AF453}" type="presParOf" srcId="{791C8E5F-F9CD-40ED-AC78-02DF79A554EB}" destId="{B9E8179D-34CE-4B5E-811D-A4873683530D}" srcOrd="0" destOrd="0" presId="urn:microsoft.com/office/officeart/2018/2/layout/IconLabelList"/>
-    <dgm:cxn modelId="{60D48AFC-F6F5-4268-8025-1136B34644FE}" type="presParOf" srcId="{791C8E5F-F9CD-40ED-AC78-02DF79A554EB}" destId="{2E8B11B7-2B4A-4945-9108-2EDAAD1D3C9C}" srcOrd="1" destOrd="0" presId="urn:microsoft.com/office/officeart/2018/2/layout/IconLabelList"/>
-    <dgm:cxn modelId="{EBB58DDC-2102-4473-9786-83463F5AF9D2}" type="presParOf" srcId="{791C8E5F-F9CD-40ED-AC78-02DF79A554EB}" destId="{EE8BC3B6-800E-4D07-A845-D2A11E220568}" srcOrd="2" destOrd="0" presId="urn:microsoft.com/office/officeart/2018/2/layout/IconLabelList"/>
-  </dgm:cxnLst>
-  <dgm:bg/>
-  <dgm:whole/>
-  <dgm:extLst>
-    <a:ext uri="http://schemas.microsoft.com/office/drawing/2008/diagram">
-      <dsp:dataModelExt xmlns:dsp="http://schemas.microsoft.com/office/drawing/2008/diagram" relId="rId12" minVer="http://schemas.openxmlformats.org/drawingml/2006/diagram"/>
     </a:ext>
   </dgm:extLst>
 </dgm:dataModel>
@@ -2633,8 +1708,8 @@
       </dsp:nvSpPr>
       <dsp:spPr>
         <a:xfrm>
-          <a:off x="2105013" y="200301"/>
-          <a:ext cx="639140" cy="639140"/>
+          <a:off x="483478" y="705205"/>
+          <a:ext cx="810000" cy="810000"/>
         </a:xfrm>
         <a:prstGeom prst="rect">
           <a:avLst/>
@@ -2646,7 +1721,7 @@
                 <a14:useLocalDpi xmlns:a14="http://schemas.microsoft.com/office/drawing/2010/main" val="0"/>
               </a:ext>
               <a:ext uri="{96DAC541-7B7A-43D3-8B79-37D633B846F1}">
-                <asvg:svgBlip xmlns:asvg="http://schemas.microsoft.com/office/drawing/2016/SVG/main" r:embed="rId2"/>
+                <asvg:svgBlip xmlns:asvg="http://schemas.microsoft.com/office/drawing/2016/SVG/main" xmlns="" r:embed="rId2"/>
               </a:ext>
             </a:extLst>
           </a:blip>
@@ -2682,8 +1757,8 @@
       </dsp:nvSpPr>
       <dsp:spPr>
         <a:xfrm>
-          <a:off x="1714427" y="1052512"/>
-          <a:ext cx="1420312" cy="568125"/>
+          <a:off x="0" y="1611094"/>
+          <a:ext cx="1800000" cy="720000"/>
         </a:xfrm>
         <a:prstGeom prst="rect">
           <a:avLst/>
@@ -2712,7 +1787,7 @@
         </a:bodyPr>
         <a:lstStyle/>
         <a:p>
-          <a:pPr marL="0" lvl="0" indent="0" algn="ctr" defTabSz="488950">
+          <a:pPr lvl="0" algn="ctr" defTabSz="622300">
             <a:lnSpc>
               <a:spcPct val="100000"/>
             </a:lnSpc>
@@ -2722,10 +1797,9 @@
             <a:spcAft>
               <a:spcPct val="35000"/>
             </a:spcAft>
-            <a:buNone/>
           </a:pPr>
           <a:r>
-            <a:rPr lang="en-US" sz="1100" kern="1200" dirty="0">
+            <a:rPr lang="en-US" sz="1400" kern="1200" dirty="0">
               <a:latin typeface="Arial" panose="020B0604020202020204" pitchFamily="34" charset="0"/>
               <a:cs typeface="Arial" panose="020B0604020202020204" pitchFamily="34" charset="0"/>
             </a:rPr>
@@ -2734,8 +1808,8 @@
         </a:p>
       </dsp:txBody>
       <dsp:txXfrm>
-        <a:off x="1714427" y="1052512"/>
-        <a:ext cx="1420312" cy="568125"/>
+        <a:off x="0" y="1611094"/>
+        <a:ext cx="1800000" cy="720000"/>
       </dsp:txXfrm>
     </dsp:sp>
     <dsp:sp modelId="{75791870-2289-4B0C-B400-7D9A7ECFBCAE}">
@@ -2745,8 +1819,8 @@
       </dsp:nvSpPr>
       <dsp:spPr>
         <a:xfrm>
-          <a:off x="3773880" y="200301"/>
-          <a:ext cx="639140" cy="639140"/>
+          <a:off x="2630951" y="540621"/>
+          <a:ext cx="810000" cy="810000"/>
         </a:xfrm>
         <a:prstGeom prst="rect">
           <a:avLst/>
@@ -2758,7 +1832,7 @@
                 <a14:useLocalDpi xmlns:a14="http://schemas.microsoft.com/office/drawing/2010/main" val="0"/>
               </a:ext>
               <a:ext uri="{96DAC541-7B7A-43D3-8B79-37D633B846F1}">
-                <asvg:svgBlip xmlns:asvg="http://schemas.microsoft.com/office/drawing/2016/SVG/main" r:embed="rId4"/>
+                <asvg:svgBlip xmlns:asvg="http://schemas.microsoft.com/office/drawing/2016/SVG/main" xmlns="" r:embed="rId4"/>
               </a:ext>
             </a:extLst>
           </a:blip>
@@ -2794,8 +1868,8 @@
       </dsp:nvSpPr>
       <dsp:spPr>
         <a:xfrm>
-          <a:off x="3383294" y="1052512"/>
-          <a:ext cx="1420312" cy="568125"/>
+          <a:off x="2135951" y="1620749"/>
+          <a:ext cx="1800000" cy="720000"/>
         </a:xfrm>
         <a:prstGeom prst="rect">
           <a:avLst/>
@@ -2824,7 +1898,7 @@
         </a:bodyPr>
         <a:lstStyle/>
         <a:p>
-          <a:pPr marL="0" lvl="0" indent="0" algn="ctr" defTabSz="488950">
+          <a:pPr lvl="0" algn="ctr" defTabSz="622300">
             <a:lnSpc>
               <a:spcPct val="100000"/>
             </a:lnSpc>
@@ -2834,10 +1908,9 @@
             <a:spcAft>
               <a:spcPct val="35000"/>
             </a:spcAft>
-            <a:buNone/>
           </a:pPr>
           <a:r>
-            <a:rPr lang="en-US" sz="1100" kern="1200" dirty="0">
+            <a:rPr lang="en-US" sz="1400" kern="1200" dirty="0">
               <a:latin typeface="Arial" panose="020B0604020202020204" pitchFamily="34" charset="0"/>
               <a:cs typeface="Arial" panose="020B0604020202020204" pitchFamily="34" charset="0"/>
             </a:rPr>
@@ -2846,8 +1919,8 @@
         </a:p>
       </dsp:txBody>
       <dsp:txXfrm>
-        <a:off x="3383294" y="1052512"/>
-        <a:ext cx="1420312" cy="568125"/>
+        <a:off x="2135951" y="1620749"/>
+        <a:ext cx="1800000" cy="720000"/>
       </dsp:txXfrm>
     </dsp:sp>
     <dsp:sp modelId="{7F9BAFA7-A49C-4FE5-A0FF-856267DA0995}">
@@ -2857,8 +1930,8 @@
       </dsp:nvSpPr>
       <dsp:spPr>
         <a:xfrm>
-          <a:off x="5442747" y="200301"/>
-          <a:ext cx="639140" cy="639140"/>
+          <a:off x="4860501" y="532610"/>
+          <a:ext cx="810000" cy="810000"/>
         </a:xfrm>
         <a:prstGeom prst="rect">
           <a:avLst/>
@@ -2870,7 +1943,7 @@
                 <a14:useLocalDpi xmlns:a14="http://schemas.microsoft.com/office/drawing/2010/main" val="0"/>
               </a:ext>
               <a:ext uri="{96DAC541-7B7A-43D3-8B79-37D633B846F1}">
-                <asvg:svgBlip xmlns:asvg="http://schemas.microsoft.com/office/drawing/2016/SVG/main" r:embed="rId6"/>
+                <asvg:svgBlip xmlns:asvg="http://schemas.microsoft.com/office/drawing/2016/SVG/main" xmlns="" r:embed="rId6"/>
               </a:ext>
             </a:extLst>
           </a:blip>
@@ -2906,8 +1979,8 @@
       </dsp:nvSpPr>
       <dsp:spPr>
         <a:xfrm>
-          <a:off x="5052161" y="1052512"/>
-          <a:ext cx="1420312" cy="568125"/>
+          <a:off x="4365503" y="1612736"/>
+          <a:ext cx="1800000" cy="720000"/>
         </a:xfrm>
         <a:prstGeom prst="rect">
           <a:avLst/>
@@ -2936,7 +2009,7 @@
         </a:bodyPr>
         <a:lstStyle/>
         <a:p>
-          <a:pPr marL="0" lvl="0" indent="0" algn="ctr" defTabSz="488950">
+          <a:pPr lvl="0" algn="ctr" defTabSz="622300">
             <a:lnSpc>
               <a:spcPct val="100000"/>
             </a:lnSpc>
@@ -2946,10 +2019,9 @@
             <a:spcAft>
               <a:spcPct val="35000"/>
             </a:spcAft>
-            <a:buNone/>
           </a:pPr>
           <a:r>
-            <a:rPr lang="en-US" sz="1100" kern="1200" dirty="0">
+            <a:rPr lang="en-US" sz="1400" kern="1200" dirty="0">
               <a:latin typeface="Arial" panose="020B0604020202020204" pitchFamily="34" charset="0"/>
               <a:cs typeface="Arial" panose="020B0604020202020204" pitchFamily="34" charset="0"/>
             </a:rPr>
@@ -2958,52 +2030,46 @@
         </a:p>
       </dsp:txBody>
       <dsp:txXfrm>
-        <a:off x="5052161" y="1052512"/>
-        <a:ext cx="1420312" cy="568125"/>
+        <a:off x="4365503" y="1612736"/>
+        <a:ext cx="1800000" cy="720000"/>
       </dsp:txXfrm>
     </dsp:sp>
-  </dsp:spTree>
-</dsp:drawing>
-</file>
-
-<file path=ppt/diagrams/drawing2.xml><?xml version="1.0" encoding="utf-8"?>
-<dsp:drawing xmlns:dgm="http://schemas.openxmlformats.org/drawingml/2006/diagram" xmlns:dsp="http://schemas.microsoft.com/office/drawing/2008/diagram" xmlns:a="http://schemas.openxmlformats.org/drawingml/2006/main">
-  <dsp:spTree>
-    <dsp:nvGrpSpPr>
-      <dsp:cNvPr id="0" name=""/>
-      <dsp:cNvGrpSpPr/>
-    </dsp:nvGrpSpPr>
-    <dsp:grpSpPr/>
-    <dsp:sp modelId="{B9E8179D-34CE-4B5E-811D-A4873683530D}">
+    <dsp:sp modelId="{35128AF3-CDF2-4596-A7D9-9B2CCF907B5B}">
       <dsp:nvSpPr>
         <dsp:cNvPr id="0" name=""/>
         <dsp:cNvSpPr/>
       </dsp:nvSpPr>
       <dsp:spPr>
         <a:xfrm>
-          <a:off x="3725233" y="91541"/>
-          <a:ext cx="736435" cy="736435"/>
+          <a:off x="6860951" y="540621"/>
+          <a:ext cx="810000" cy="810000"/>
         </a:xfrm>
         <a:prstGeom prst="rect">
           <a:avLst/>
         </a:prstGeom>
         <a:blipFill>
-          <a:blip xmlns:r="http://schemas.openxmlformats.org/officeDocument/2006/relationships" r:embed="rId1">
+          <a:blip xmlns:r="http://schemas.openxmlformats.org/officeDocument/2006/relationships" r:embed="rId7">
             <a:extLst>
-              <a:ext uri="{28A0092B-C50C-407E-A947-70E740481C1C}">
-                <a14:useLocalDpi xmlns:a14="http://schemas.microsoft.com/office/drawing/2010/main" val="0"/>
-              </a:ext>
               <a:ext uri="{96DAC541-7B7A-43D3-8B79-37D633B846F1}">
-                <asvg:svgBlip xmlns:asvg="http://schemas.microsoft.com/office/drawing/2016/SVG/main" r:embed="rId2"/>
+                <asvg:svgBlip xmlns:asvg="http://schemas.microsoft.com/office/drawing/2016/SVG/main" xmlns="" r:embed="rId8"/>
               </a:ext>
             </a:extLst>
           </a:blip>
+          <a:srcRect/>
           <a:stretch>
             <a:fillRect/>
           </a:stretch>
         </a:blipFill>
         <a:ln w="25400" cap="flat" cmpd="sng" algn="ctr">
-          <a:noFill/>
+          <a:solidFill>
+            <a:schemeClr val="lt1">
+              <a:alpha val="0"/>
+              <a:hueOff val="0"/>
+              <a:satOff val="0"/>
+              <a:lumOff val="0"/>
+              <a:alphaOff val="0"/>
+            </a:schemeClr>
+          </a:solidFill>
           <a:prstDash val="solid"/>
         </a:ln>
         <a:effectLst/>
@@ -3023,15 +2089,15 @@
         </a:fontRef>
       </dsp:style>
     </dsp:sp>
-    <dsp:sp modelId="{EE8BC3B6-800E-4D07-A845-D2A11E220568}">
+    <dsp:sp modelId="{3C84B468-E453-4A51-9830-AE3EAF62C543}">
       <dsp:nvSpPr>
         <dsp:cNvPr id="0" name=""/>
         <dsp:cNvSpPr/>
       </dsp:nvSpPr>
       <dsp:spPr>
         <a:xfrm>
-          <a:off x="3277349" y="816198"/>
-          <a:ext cx="1636523" cy="654609"/>
+          <a:off x="6365951" y="1620749"/>
+          <a:ext cx="1800000" cy="720000"/>
         </a:xfrm>
         <a:prstGeom prst="rect">
           <a:avLst/>
@@ -3060,7 +2126,7 @@
         </a:bodyPr>
         <a:lstStyle/>
         <a:p>
-          <a:pPr marL="0" lvl="0" indent="0" algn="ctr" defTabSz="488950">
+          <a:pPr lvl="0" algn="ctr" defTabSz="622300">
             <a:lnSpc>
               <a:spcPct val="100000"/>
             </a:lnSpc>
@@ -3070,41 +2136,19 @@
             <a:spcAft>
               <a:spcPct val="35000"/>
             </a:spcAft>
-            <a:buNone/>
           </a:pPr>
           <a:r>
-            <a:rPr lang="en-US" sz="1100" kern="1200" dirty="0">
+            <a:rPr lang="en-US" sz="1400" kern="1200" dirty="0">
               <a:latin typeface="Arial" panose="020B0604020202020204" pitchFamily="34" charset="0"/>
               <a:cs typeface="Arial" panose="020B0604020202020204" pitchFamily="34" charset="0"/>
             </a:rPr>
-            <a:t>Tech-talks / workshops</a:t>
-          </a:r>
-        </a:p>
-        <a:p>
-          <a:pPr marL="0" lvl="0" indent="0" algn="ctr" defTabSz="488950">
-            <a:lnSpc>
-              <a:spcPct val="100000"/>
-            </a:lnSpc>
-            <a:spcBef>
-              <a:spcPct val="0"/>
-            </a:spcBef>
-            <a:spcAft>
-              <a:spcPct val="35000"/>
-            </a:spcAft>
-            <a:buNone/>
-          </a:pPr>
-          <a:r>
-            <a:rPr lang="en-US" sz="1100" kern="1200" dirty="0">
-              <a:latin typeface="Arial" panose="020B0604020202020204" pitchFamily="34" charset="0"/>
-              <a:cs typeface="Arial" panose="020B0604020202020204" pitchFamily="34" charset="0"/>
-            </a:rPr>
-            <a:t>In Colleges</a:t>
+            <a:t>CSR Activities</a:t>
           </a:r>
         </a:p>
       </dsp:txBody>
       <dsp:txXfrm>
-        <a:off x="3277349" y="816198"/>
-        <a:ext cx="1636523" cy="654609"/>
+        <a:off x="6365951" y="1620749"/>
+        <a:ext cx="1800000" cy="720000"/>
       </dsp:txXfrm>
     </dsp:sp>
   </dsp:spTree>
@@ -3289,197 +2333,7 @@
   </dgm:layoutNode>
   <dgm:extLst>
     <a:ext uri="{68A01E43-0DF5-4B5B-8FA6-DAF915123BFB}">
-      <dgm1612:lstStyle xmlns:dgm1612="http://schemas.microsoft.com/office/drawing/2016/12/diagram">
-        <a:lvl1pPr>
-          <a:lnSpc>
-            <a:spcPct val="100000"/>
-          </a:lnSpc>
-        </a:lvl1pPr>
-      </dgm1612:lstStyle>
-    </a:ext>
-  </dgm:extLst>
-</dgm:layoutDef>
-</file>
-
-<file path=ppt/diagrams/layout2.xml><?xml version="1.0" encoding="utf-8"?>
-<dgm:layoutDef xmlns:dgm="http://schemas.openxmlformats.org/drawingml/2006/diagram" xmlns:a="http://schemas.openxmlformats.org/drawingml/2006/main" uniqueId="urn:microsoft.com/office/officeart/2018/2/layout/IconLabelList">
-  <dgm:title val="Icon Label List"/>
-  <dgm:desc val="Use to show non-sequential or grouped chunks of information accompanied by a related visuals. Works best with icons or small pictures with short text captions."/>
-  <dgm:catLst>
-    <dgm:cat type="icon" pri="500"/>
-  </dgm:catLst>
-  <dgm:sampData useDef="1">
-    <dgm:dataModel>
-      <dgm:ptLst/>
-      <dgm:bg/>
-      <dgm:whole/>
-    </dgm:dataModel>
-  </dgm:sampData>
-  <dgm:styleData useDef="1">
-    <dgm:dataModel>
-      <dgm:ptLst/>
-      <dgm:bg/>
-      <dgm:whole/>
-    </dgm:dataModel>
-  </dgm:styleData>
-  <dgm:clrData useDef="1">
-    <dgm:dataModel>
-      <dgm:ptLst/>
-      <dgm:bg/>
-      <dgm:whole/>
-    </dgm:dataModel>
-  </dgm:clrData>
-  <dgm:layoutNode name="root">
-    <dgm:varLst>
-      <dgm:dir/>
-      <dgm:resizeHandles val="exact"/>
-    </dgm:varLst>
-    <dgm:choose name="Name0">
-      <dgm:if name="Name1" axis="self" func="var" arg="dir" op="equ" val="norm">
-        <dgm:alg type="snake">
-          <dgm:param type="grDir" val="tL"/>
-          <dgm:param type="flowDir" val="row"/>
-          <dgm:param type="contDir" val="sameDir"/>
-          <dgm:param type="off" val="ctr"/>
-          <dgm:param type="vertAlign" val="mid"/>
-          <dgm:param type="horzAlign" val="ctr"/>
-        </dgm:alg>
-      </dgm:if>
-      <dgm:else name="Name2">
-        <dgm:alg type="snake">
-          <dgm:param type="grDir" val="tR"/>
-          <dgm:param type="flowDir" val="row"/>
-          <dgm:param type="contDir" val="sameDir"/>
-          <dgm:param type="off" val="ctr"/>
-          <dgm:param type="vertAlign" val="mid"/>
-          <dgm:param type="horzAlign" val="ctr"/>
-        </dgm:alg>
-      </dgm:else>
-    </dgm:choose>
-    <dgm:shape xmlns:r="http://schemas.openxmlformats.org/officeDocument/2006/relationships" r:blip="">
-      <dgm:adjLst/>
-    </dgm:shape>
-    <dgm:presOf/>
-    <dgm:choose name="Name3">
-      <dgm:if name="Name4" axis="ch" ptType="node" func="cnt" op="lte" val="2">
-        <dgm:constrLst>
-          <dgm:constr type="h" for="ch" forName="compNode" refType="h" fact="0.4"/>
-          <dgm:constr type="w" for="ch" forName="compNode" val="120"/>
-          <dgm:constr type="w" for="ch" forName="sibTrans" refType="w" refFor="ch" refForName="compNode" fact="0.175"/>
-          <dgm:constr type="sp" refType="w" refFor="ch" refForName="compNode" op="equ" fact="0.25"/>
-          <dgm:constr type="primFontSz" for="des" ptType="node" op="equ" val="50"/>
-          <dgm:constr type="h" for="des" forName="compNode" op="equ"/>
-          <dgm:constr type="h" for="des" forName="textRect" op="equ"/>
-        </dgm:constrLst>
-      </dgm:if>
-      <dgm:if name="Name5" axis="ch" ptType="node" func="cnt" op="lte" val="4">
-        <dgm:constrLst>
-          <dgm:constr type="h" for="ch" forName="compNode" refType="h" fact="0.4"/>
-          <dgm:constr type="w" for="ch" forName="compNode" refType="w"/>
-          <dgm:constr type="w" for="ch" forName="sibTrans" refType="w" refFor="ch" refForName="compNode" fact="0.175"/>
-          <dgm:constr type="sp" refType="w" refFor="ch" refForName="compNode" op="equ" fact="0.25"/>
-          <dgm:constr type="primFontSz" for="des" ptType="node" op="equ" val="36"/>
-          <dgm:constr type="h" for="des" forName="compNode" op="equ"/>
-          <dgm:constr type="h" for="des" forName="textRect" op="equ"/>
-        </dgm:constrLst>
-      </dgm:if>
-      <dgm:else name="Name6">
-        <dgm:constrLst>
-          <dgm:constr type="h" for="ch" forName="compNode" refType="h" fact="0.4"/>
-          <dgm:constr type="w" for="ch" forName="compNode" refType="w"/>
-          <dgm:constr type="w" for="ch" forName="sibTrans" refType="w" refFor="ch" refForName="compNode" fact="0.175"/>
-          <dgm:constr type="sp" refType="w" refFor="ch" refForName="compNode" op="equ" fact="0.25"/>
-          <dgm:constr type="primFontSz" for="des" ptType="node" op="equ" val="24"/>
-          <dgm:constr type="h" for="des" forName="compNode" op="equ"/>
-          <dgm:constr type="h" for="des" forName="textRect" op="equ"/>
-        </dgm:constrLst>
-      </dgm:else>
-    </dgm:choose>
-    <dgm:ruleLst>
-      <dgm:rule type="w" for="ch" forName="compNode" val="50" fact="NaN" max="NaN"/>
-    </dgm:ruleLst>
-    <dgm:forEach name="Name7" axis="ch" ptType="node">
-      <dgm:layoutNode name="compNode">
-        <dgm:alg type="composite"/>
-        <dgm:shape xmlns:r="http://schemas.openxmlformats.org/officeDocument/2006/relationships" r:blip="">
-          <dgm:adjLst/>
-        </dgm:shape>
-        <dgm:presOf axis="self"/>
-        <dgm:constrLst>
-          <dgm:constr type="w" for="ch" forName="iconRect" refType="w" fact="0.45"/>
-          <dgm:constr type="h" for="ch" forName="iconRect" refType="w" refFor="ch" refForName="iconRect"/>
-          <dgm:constr type="ctrX" for="ch" forName="iconRect" refType="w" fact="0.5"/>
-          <dgm:constr type="t" for="ch" forName="iconRect"/>
-          <dgm:constr type="h" for="ch" forName="spaceRect" refType="h" fact="0.15"/>
-          <dgm:constr type="w" for="ch" forName="spaceRect" refType="w"/>
-          <dgm:constr type="l" for="ch" forName="spaceRect"/>
-          <dgm:constr type="t" for="ch" forName="spaceRect" refType="b" refFor="ch" refForName="iconRect"/>
-          <dgm:constr type="h" for="ch" forName="textRect" val="20"/>
-          <dgm:constr type="w" for="ch" forName="textRect" refType="w"/>
-          <dgm:constr type="l" for="ch" forName="textRect"/>
-          <dgm:constr type="t" for="ch" forName="textRect" refType="b" refFor="ch" refForName="spaceRect"/>
-        </dgm:constrLst>
-        <dgm:ruleLst>
-          <dgm:rule type="h" val="INF" fact="NaN" max="NaN"/>
-        </dgm:ruleLst>
-        <dgm:layoutNode name="iconRect" styleLbl="node1">
-          <dgm:alg type="sp"/>
-          <dgm:shape xmlns:r="http://schemas.openxmlformats.org/officeDocument/2006/relationships" type="rect" r:blip="" blipPhldr="1">
-            <dgm:adjLst/>
-          </dgm:shape>
-          <dgm:presOf/>
-          <dgm:constrLst/>
-          <dgm:ruleLst/>
-        </dgm:layoutNode>
-        <dgm:layoutNode name="spaceRect">
-          <dgm:alg type="sp"/>
-          <dgm:shape xmlns:r="http://schemas.openxmlformats.org/officeDocument/2006/relationships" r:blip="">
-            <dgm:adjLst/>
-          </dgm:shape>
-          <dgm:presOf/>
-          <dgm:constrLst/>
-          <dgm:ruleLst/>
-        </dgm:layoutNode>
-        <dgm:layoutNode name="textRect" styleLbl="revTx">
-          <dgm:varLst>
-            <dgm:chMax val="1"/>
-            <dgm:chPref val="1"/>
-          </dgm:varLst>
-          <dgm:alg type="tx">
-            <dgm:param type="txAnchorVert" val="t"/>
-          </dgm:alg>
-          <dgm:shape xmlns:r="http://schemas.openxmlformats.org/officeDocument/2006/relationships" type="rect" r:blip="">
-            <dgm:adjLst/>
-          </dgm:shape>
-          <dgm:presOf axis="self" ptType="node"/>
-          <dgm:constrLst>
-            <dgm:constr type="lMarg"/>
-            <dgm:constr type="rMarg"/>
-            <dgm:constr type="tMarg"/>
-            <dgm:constr type="bMarg"/>
-          </dgm:constrLst>
-          <dgm:ruleLst>
-            <dgm:rule type="primFontSz" val="11" fact="NaN" max="NaN"/>
-            <dgm:rule type="h" val="INF" fact="NaN" max="NaN"/>
-          </dgm:ruleLst>
-        </dgm:layoutNode>
-      </dgm:layoutNode>
-      <dgm:forEach name="Name8" axis="followSib" ptType="sibTrans" cnt="1">
-        <dgm:layoutNode name="sibTrans">
-          <dgm:alg type="sp"/>
-          <dgm:shape xmlns:r="http://schemas.openxmlformats.org/officeDocument/2006/relationships" r:blip="">
-            <dgm:adjLst/>
-          </dgm:shape>
-          <dgm:presOf axis="self"/>
-          <dgm:constrLst/>
-          <dgm:ruleLst/>
-        </dgm:layoutNode>
-      </dgm:forEach>
-    </dgm:forEach>
-  </dgm:layoutNode>
-  <dgm:extLst>
-    <a:ext uri="{68A01E43-0DF5-4B5B-8FA6-DAF915123BFB}">
-      <dgm1612:lstStyle xmlns:dgm1612="http://schemas.microsoft.com/office/drawing/2016/12/diagram">
+      <dgm1612:lstStyle xmlns:dgm1612="http://schemas.microsoft.com/office/drawing/2016/12/diagram" xmlns="">
         <a:lvl1pPr>
           <a:lnSpc>
             <a:spcPct val="100000"/>
@@ -3492,1040 +2346,6 @@
 </file>
 
 <file path=ppt/diagrams/quickStyle1.xml><?xml version="1.0" encoding="utf-8"?>
-<dgm:styleDef xmlns:dgm="http://schemas.openxmlformats.org/drawingml/2006/diagram" xmlns:a="http://schemas.openxmlformats.org/drawingml/2006/main" uniqueId="urn:microsoft.com/office/officeart/2005/8/quickstyle/simple1">
-  <dgm:title val=""/>
-  <dgm:desc val=""/>
-  <dgm:catLst>
-    <dgm:cat type="simple" pri="10100"/>
-  </dgm:catLst>
-  <dgm:scene3d>
-    <a:camera prst="orthographicFront"/>
-    <a:lightRig rig="threePt" dir="t"/>
-  </dgm:scene3d>
-  <dgm:styleLbl name="node0">
-    <dgm:scene3d>
-      <a:camera prst="orthographicFront"/>
-      <a:lightRig rig="threePt" dir="t"/>
-    </dgm:scene3d>
-    <dgm:sp3d/>
-    <dgm:txPr/>
-    <dgm:style>
-      <a:lnRef idx="2">
-        <a:scrgbClr r="0" g="0" b="0"/>
-      </a:lnRef>
-      <a:fillRef idx="1">
-        <a:scrgbClr r="0" g="0" b="0"/>
-      </a:fillRef>
-      <a:effectRef idx="0">
-        <a:scrgbClr r="0" g="0" b="0"/>
-      </a:effectRef>
-      <a:fontRef idx="minor">
-        <a:schemeClr val="lt1"/>
-      </a:fontRef>
-    </dgm:style>
-  </dgm:styleLbl>
-  <dgm:styleLbl name="lnNode1">
-    <dgm:scene3d>
-      <a:camera prst="orthographicFront"/>
-      <a:lightRig rig="threePt" dir="t"/>
-    </dgm:scene3d>
-    <dgm:sp3d/>
-    <dgm:txPr/>
-    <dgm:style>
-      <a:lnRef idx="2">
-        <a:scrgbClr r="0" g="0" b="0"/>
-      </a:lnRef>
-      <a:fillRef idx="1">
-        <a:scrgbClr r="0" g="0" b="0"/>
-      </a:fillRef>
-      <a:effectRef idx="0">
-        <a:scrgbClr r="0" g="0" b="0"/>
-      </a:effectRef>
-      <a:fontRef idx="minor">
-        <a:schemeClr val="lt1"/>
-      </a:fontRef>
-    </dgm:style>
-  </dgm:styleLbl>
-  <dgm:styleLbl name="vennNode1">
-    <dgm:scene3d>
-      <a:camera prst="orthographicFront"/>
-      <a:lightRig rig="threePt" dir="t"/>
-    </dgm:scene3d>
-    <dgm:sp3d/>
-    <dgm:txPr/>
-    <dgm:style>
-      <a:lnRef idx="2">
-        <a:scrgbClr r="0" g="0" b="0"/>
-      </a:lnRef>
-      <a:fillRef idx="1">
-        <a:scrgbClr r="0" g="0" b="0"/>
-      </a:fillRef>
-      <a:effectRef idx="0">
-        <a:scrgbClr r="0" g="0" b="0"/>
-      </a:effectRef>
-      <a:fontRef idx="minor">
-        <a:schemeClr val="tx1"/>
-      </a:fontRef>
-    </dgm:style>
-  </dgm:styleLbl>
-  <dgm:styleLbl name="alignNode1">
-    <dgm:scene3d>
-      <a:camera prst="orthographicFront"/>
-      <a:lightRig rig="threePt" dir="t"/>
-    </dgm:scene3d>
-    <dgm:sp3d/>
-    <dgm:txPr/>
-    <dgm:style>
-      <a:lnRef idx="2">
-        <a:scrgbClr r="0" g="0" b="0"/>
-      </a:lnRef>
-      <a:fillRef idx="1">
-        <a:scrgbClr r="0" g="0" b="0"/>
-      </a:fillRef>
-      <a:effectRef idx="0">
-        <a:scrgbClr r="0" g="0" b="0"/>
-      </a:effectRef>
-      <a:fontRef idx="minor">
-        <a:schemeClr val="lt1"/>
-      </a:fontRef>
-    </dgm:style>
-  </dgm:styleLbl>
-  <dgm:styleLbl name="node1">
-    <dgm:scene3d>
-      <a:camera prst="orthographicFront"/>
-      <a:lightRig rig="threePt" dir="t"/>
-    </dgm:scene3d>
-    <dgm:sp3d/>
-    <dgm:txPr/>
-    <dgm:style>
-      <a:lnRef idx="2">
-        <a:scrgbClr r="0" g="0" b="0"/>
-      </a:lnRef>
-      <a:fillRef idx="1">
-        <a:scrgbClr r="0" g="0" b="0"/>
-      </a:fillRef>
-      <a:effectRef idx="0">
-        <a:scrgbClr r="0" g="0" b="0"/>
-      </a:effectRef>
-      <a:fontRef idx="minor">
-        <a:schemeClr val="lt1"/>
-      </a:fontRef>
-    </dgm:style>
-  </dgm:styleLbl>
-  <dgm:styleLbl name="node2">
-    <dgm:scene3d>
-      <a:camera prst="orthographicFront"/>
-      <a:lightRig rig="threePt" dir="t"/>
-    </dgm:scene3d>
-    <dgm:sp3d/>
-    <dgm:txPr/>
-    <dgm:style>
-      <a:lnRef idx="2">
-        <a:scrgbClr r="0" g="0" b="0"/>
-      </a:lnRef>
-      <a:fillRef idx="1">
-        <a:scrgbClr r="0" g="0" b="0"/>
-      </a:fillRef>
-      <a:effectRef idx="0">
-        <a:scrgbClr r="0" g="0" b="0"/>
-      </a:effectRef>
-      <a:fontRef idx="minor">
-        <a:schemeClr val="lt1"/>
-      </a:fontRef>
-    </dgm:style>
-  </dgm:styleLbl>
-  <dgm:styleLbl name="node3">
-    <dgm:scene3d>
-      <a:camera prst="orthographicFront"/>
-      <a:lightRig rig="threePt" dir="t"/>
-    </dgm:scene3d>
-    <dgm:sp3d/>
-    <dgm:txPr/>
-    <dgm:style>
-      <a:lnRef idx="2">
-        <a:scrgbClr r="0" g="0" b="0"/>
-      </a:lnRef>
-      <a:fillRef idx="1">
-        <a:scrgbClr r="0" g="0" b="0"/>
-      </a:fillRef>
-      <a:effectRef idx="0">
-        <a:scrgbClr r="0" g="0" b="0"/>
-      </a:effectRef>
-      <a:fontRef idx="minor">
-        <a:schemeClr val="lt1"/>
-      </a:fontRef>
-    </dgm:style>
-  </dgm:styleLbl>
-  <dgm:styleLbl name="node4">
-    <dgm:scene3d>
-      <a:camera prst="orthographicFront"/>
-      <a:lightRig rig="threePt" dir="t"/>
-    </dgm:scene3d>
-    <dgm:sp3d/>
-    <dgm:txPr/>
-    <dgm:style>
-      <a:lnRef idx="2">
-        <a:scrgbClr r="0" g="0" b="0"/>
-      </a:lnRef>
-      <a:fillRef idx="1">
-        <a:scrgbClr r="0" g="0" b="0"/>
-      </a:fillRef>
-      <a:effectRef idx="0">
-        <a:scrgbClr r="0" g="0" b="0"/>
-      </a:effectRef>
-      <a:fontRef idx="minor">
-        <a:schemeClr val="lt1"/>
-      </a:fontRef>
-    </dgm:style>
-  </dgm:styleLbl>
-  <dgm:styleLbl name="fgImgPlace1">
-    <dgm:scene3d>
-      <a:camera prst="orthographicFront"/>
-      <a:lightRig rig="threePt" dir="t"/>
-    </dgm:scene3d>
-    <dgm:sp3d/>
-    <dgm:txPr/>
-    <dgm:style>
-      <a:lnRef idx="2">
-        <a:scrgbClr r="0" g="0" b="0"/>
-      </a:lnRef>
-      <a:fillRef idx="1">
-        <a:scrgbClr r="0" g="0" b="0"/>
-      </a:fillRef>
-      <a:effectRef idx="0">
-        <a:scrgbClr r="0" g="0" b="0"/>
-      </a:effectRef>
-      <a:fontRef idx="minor"/>
-    </dgm:style>
-  </dgm:styleLbl>
-  <dgm:styleLbl name="alignImgPlace1">
-    <dgm:scene3d>
-      <a:camera prst="orthographicFront"/>
-      <a:lightRig rig="threePt" dir="t"/>
-    </dgm:scene3d>
-    <dgm:sp3d/>
-    <dgm:txPr/>
-    <dgm:style>
-      <a:lnRef idx="2">
-        <a:scrgbClr r="0" g="0" b="0"/>
-      </a:lnRef>
-      <a:fillRef idx="1">
-        <a:scrgbClr r="0" g="0" b="0"/>
-      </a:fillRef>
-      <a:effectRef idx="0">
-        <a:scrgbClr r="0" g="0" b="0"/>
-      </a:effectRef>
-      <a:fontRef idx="minor"/>
-    </dgm:style>
-  </dgm:styleLbl>
-  <dgm:styleLbl name="bgImgPlace1">
-    <dgm:scene3d>
-      <a:camera prst="orthographicFront"/>
-      <a:lightRig rig="threePt" dir="t"/>
-    </dgm:scene3d>
-    <dgm:sp3d/>
-    <dgm:txPr/>
-    <dgm:style>
-      <a:lnRef idx="2">
-        <a:scrgbClr r="0" g="0" b="0"/>
-      </a:lnRef>
-      <a:fillRef idx="1">
-        <a:scrgbClr r="0" g="0" b="0"/>
-      </a:fillRef>
-      <a:effectRef idx="0">
-        <a:scrgbClr r="0" g="0" b="0"/>
-      </a:effectRef>
-      <a:fontRef idx="minor"/>
-    </dgm:style>
-  </dgm:styleLbl>
-  <dgm:styleLbl name="sibTrans2D1">
-    <dgm:scene3d>
-      <a:camera prst="orthographicFront"/>
-      <a:lightRig rig="threePt" dir="t"/>
-    </dgm:scene3d>
-    <dgm:sp3d/>
-    <dgm:txPr/>
-    <dgm:style>
-      <a:lnRef idx="0">
-        <a:scrgbClr r="0" g="0" b="0"/>
-      </a:lnRef>
-      <a:fillRef idx="1">
-        <a:scrgbClr r="0" g="0" b="0"/>
-      </a:fillRef>
-      <a:effectRef idx="0">
-        <a:scrgbClr r="0" g="0" b="0"/>
-      </a:effectRef>
-      <a:fontRef idx="minor">
-        <a:schemeClr val="lt1"/>
-      </a:fontRef>
-    </dgm:style>
-  </dgm:styleLbl>
-  <dgm:styleLbl name="fgSibTrans2D1">
-    <dgm:scene3d>
-      <a:camera prst="orthographicFront"/>
-      <a:lightRig rig="threePt" dir="t"/>
-    </dgm:scene3d>
-    <dgm:sp3d/>
-    <dgm:txPr/>
-    <dgm:style>
-      <a:lnRef idx="0">
-        <a:scrgbClr r="0" g="0" b="0"/>
-      </a:lnRef>
-      <a:fillRef idx="1">
-        <a:scrgbClr r="0" g="0" b="0"/>
-      </a:fillRef>
-      <a:effectRef idx="0">
-        <a:scrgbClr r="0" g="0" b="0"/>
-      </a:effectRef>
-      <a:fontRef idx="minor">
-        <a:schemeClr val="lt1"/>
-      </a:fontRef>
-    </dgm:style>
-  </dgm:styleLbl>
-  <dgm:styleLbl name="bgSibTrans2D1">
-    <dgm:scene3d>
-      <a:camera prst="orthographicFront"/>
-      <a:lightRig rig="threePt" dir="t"/>
-    </dgm:scene3d>
-    <dgm:sp3d/>
-    <dgm:txPr/>
-    <dgm:style>
-      <a:lnRef idx="0">
-        <a:scrgbClr r="0" g="0" b="0"/>
-      </a:lnRef>
-      <a:fillRef idx="1">
-        <a:scrgbClr r="0" g="0" b="0"/>
-      </a:fillRef>
-      <a:effectRef idx="0">
-        <a:scrgbClr r="0" g="0" b="0"/>
-      </a:effectRef>
-      <a:fontRef idx="minor">
-        <a:schemeClr val="lt1"/>
-      </a:fontRef>
-    </dgm:style>
-  </dgm:styleLbl>
-  <dgm:styleLbl name="sibTrans1D1">
-    <dgm:scene3d>
-      <a:camera prst="orthographicFront"/>
-      <a:lightRig rig="threePt" dir="t"/>
-    </dgm:scene3d>
-    <dgm:sp3d/>
-    <dgm:txPr/>
-    <dgm:style>
-      <a:lnRef idx="1">
-        <a:scrgbClr r="0" g="0" b="0"/>
-      </a:lnRef>
-      <a:fillRef idx="0">
-        <a:scrgbClr r="0" g="0" b="0"/>
-      </a:fillRef>
-      <a:effectRef idx="0">
-        <a:scrgbClr r="0" g="0" b="0"/>
-      </a:effectRef>
-      <a:fontRef idx="minor"/>
-    </dgm:style>
-  </dgm:styleLbl>
-  <dgm:styleLbl name="callout">
-    <dgm:scene3d>
-      <a:camera prst="orthographicFront"/>
-      <a:lightRig rig="threePt" dir="t"/>
-    </dgm:scene3d>
-    <dgm:sp3d/>
-    <dgm:txPr/>
-    <dgm:style>
-      <a:lnRef idx="2">
-        <a:scrgbClr r="0" g="0" b="0"/>
-      </a:lnRef>
-      <a:fillRef idx="1">
-        <a:scrgbClr r="0" g="0" b="0"/>
-      </a:fillRef>
-      <a:effectRef idx="0">
-        <a:scrgbClr r="0" g="0" b="0"/>
-      </a:effectRef>
-      <a:fontRef idx="minor"/>
-    </dgm:style>
-  </dgm:styleLbl>
-  <dgm:styleLbl name="asst0">
-    <dgm:scene3d>
-      <a:camera prst="orthographicFront"/>
-      <a:lightRig rig="threePt" dir="t"/>
-    </dgm:scene3d>
-    <dgm:sp3d/>
-    <dgm:txPr/>
-    <dgm:style>
-      <a:lnRef idx="2">
-        <a:scrgbClr r="0" g="0" b="0"/>
-      </a:lnRef>
-      <a:fillRef idx="1">
-        <a:scrgbClr r="0" g="0" b="0"/>
-      </a:fillRef>
-      <a:effectRef idx="0">
-        <a:scrgbClr r="0" g="0" b="0"/>
-      </a:effectRef>
-      <a:fontRef idx="minor">
-        <a:schemeClr val="lt1"/>
-      </a:fontRef>
-    </dgm:style>
-  </dgm:styleLbl>
-  <dgm:styleLbl name="asst1">
-    <dgm:scene3d>
-      <a:camera prst="orthographicFront"/>
-      <a:lightRig rig="threePt" dir="t"/>
-    </dgm:scene3d>
-    <dgm:sp3d/>
-    <dgm:txPr/>
-    <dgm:style>
-      <a:lnRef idx="2">
-        <a:scrgbClr r="0" g="0" b="0"/>
-      </a:lnRef>
-      <a:fillRef idx="1">
-        <a:scrgbClr r="0" g="0" b="0"/>
-      </a:fillRef>
-      <a:effectRef idx="0">
-        <a:scrgbClr r="0" g="0" b="0"/>
-      </a:effectRef>
-      <a:fontRef idx="minor">
-        <a:schemeClr val="lt1"/>
-      </a:fontRef>
-    </dgm:style>
-  </dgm:styleLbl>
-  <dgm:styleLbl name="asst2">
-    <dgm:scene3d>
-      <a:camera prst="orthographicFront"/>
-      <a:lightRig rig="threePt" dir="t"/>
-    </dgm:scene3d>
-    <dgm:sp3d/>
-    <dgm:txPr/>
-    <dgm:style>
-      <a:lnRef idx="2">
-        <a:scrgbClr r="0" g="0" b="0"/>
-      </a:lnRef>
-      <a:fillRef idx="1">
-        <a:scrgbClr r="0" g="0" b="0"/>
-      </a:fillRef>
-      <a:effectRef idx="0">
-        <a:scrgbClr r="0" g="0" b="0"/>
-      </a:effectRef>
-      <a:fontRef idx="minor">
-        <a:schemeClr val="lt1"/>
-      </a:fontRef>
-    </dgm:style>
-  </dgm:styleLbl>
-  <dgm:styleLbl name="asst3">
-    <dgm:scene3d>
-      <a:camera prst="orthographicFront"/>
-      <a:lightRig rig="threePt" dir="t"/>
-    </dgm:scene3d>
-    <dgm:sp3d/>
-    <dgm:txPr/>
-    <dgm:style>
-      <a:lnRef idx="2">
-        <a:scrgbClr r="0" g="0" b="0"/>
-      </a:lnRef>
-      <a:fillRef idx="1">
-        <a:scrgbClr r="0" g="0" b="0"/>
-      </a:fillRef>
-      <a:effectRef idx="0">
-        <a:scrgbClr r="0" g="0" b="0"/>
-      </a:effectRef>
-      <a:fontRef idx="minor">
-        <a:schemeClr val="lt1"/>
-      </a:fontRef>
-    </dgm:style>
-  </dgm:styleLbl>
-  <dgm:styleLbl name="asst4">
-    <dgm:scene3d>
-      <a:camera prst="orthographicFront"/>
-      <a:lightRig rig="threePt" dir="t"/>
-    </dgm:scene3d>
-    <dgm:sp3d/>
-    <dgm:txPr/>
-    <dgm:style>
-      <a:lnRef idx="2">
-        <a:scrgbClr r="0" g="0" b="0"/>
-      </a:lnRef>
-      <a:fillRef idx="1">
-        <a:scrgbClr r="0" g="0" b="0"/>
-      </a:fillRef>
-      <a:effectRef idx="0">
-        <a:scrgbClr r="0" g="0" b="0"/>
-      </a:effectRef>
-      <a:fontRef idx="minor">
-        <a:schemeClr val="lt1"/>
-      </a:fontRef>
-    </dgm:style>
-  </dgm:styleLbl>
-  <dgm:styleLbl name="parChTrans2D1">
-    <dgm:scene3d>
-      <a:camera prst="orthographicFront"/>
-      <a:lightRig rig="threePt" dir="t"/>
-    </dgm:scene3d>
-    <dgm:sp3d/>
-    <dgm:txPr/>
-    <dgm:style>
-      <a:lnRef idx="2">
-        <a:scrgbClr r="0" g="0" b="0"/>
-      </a:lnRef>
-      <a:fillRef idx="1">
-        <a:scrgbClr r="0" g="0" b="0"/>
-      </a:fillRef>
-      <a:effectRef idx="0">
-        <a:scrgbClr r="0" g="0" b="0"/>
-      </a:effectRef>
-      <a:fontRef idx="minor">
-        <a:schemeClr val="lt1"/>
-      </a:fontRef>
-    </dgm:style>
-  </dgm:styleLbl>
-  <dgm:styleLbl name="parChTrans2D2">
-    <dgm:scene3d>
-      <a:camera prst="orthographicFront"/>
-      <a:lightRig rig="threePt" dir="t"/>
-    </dgm:scene3d>
-    <dgm:sp3d/>
-    <dgm:txPr/>
-    <dgm:style>
-      <a:lnRef idx="2">
-        <a:scrgbClr r="0" g="0" b="0"/>
-      </a:lnRef>
-      <a:fillRef idx="1">
-        <a:scrgbClr r="0" g="0" b="0"/>
-      </a:fillRef>
-      <a:effectRef idx="0">
-        <a:scrgbClr r="0" g="0" b="0"/>
-      </a:effectRef>
-      <a:fontRef idx="minor">
-        <a:schemeClr val="lt1"/>
-      </a:fontRef>
-    </dgm:style>
-  </dgm:styleLbl>
-  <dgm:styleLbl name="parChTrans2D3">
-    <dgm:scene3d>
-      <a:camera prst="orthographicFront"/>
-      <a:lightRig rig="threePt" dir="t"/>
-    </dgm:scene3d>
-    <dgm:sp3d/>
-    <dgm:txPr/>
-    <dgm:style>
-      <a:lnRef idx="2">
-        <a:scrgbClr r="0" g="0" b="0"/>
-      </a:lnRef>
-      <a:fillRef idx="1">
-        <a:scrgbClr r="0" g="0" b="0"/>
-      </a:fillRef>
-      <a:effectRef idx="0">
-        <a:scrgbClr r="0" g="0" b="0"/>
-      </a:effectRef>
-      <a:fontRef idx="minor">
-        <a:schemeClr val="lt1"/>
-      </a:fontRef>
-    </dgm:style>
-  </dgm:styleLbl>
-  <dgm:styleLbl name="parChTrans2D4">
-    <dgm:scene3d>
-      <a:camera prst="orthographicFront"/>
-      <a:lightRig rig="threePt" dir="t"/>
-    </dgm:scene3d>
-    <dgm:sp3d/>
-    <dgm:txPr/>
-    <dgm:style>
-      <a:lnRef idx="2">
-        <a:scrgbClr r="0" g="0" b="0"/>
-      </a:lnRef>
-      <a:fillRef idx="1">
-        <a:scrgbClr r="0" g="0" b="0"/>
-      </a:fillRef>
-      <a:effectRef idx="0">
-        <a:scrgbClr r="0" g="0" b="0"/>
-      </a:effectRef>
-      <a:fontRef idx="minor">
-        <a:schemeClr val="lt1"/>
-      </a:fontRef>
-    </dgm:style>
-  </dgm:styleLbl>
-  <dgm:styleLbl name="parChTrans1D1">
-    <dgm:scene3d>
-      <a:camera prst="orthographicFront"/>
-      <a:lightRig rig="threePt" dir="t"/>
-    </dgm:scene3d>
-    <dgm:sp3d/>
-    <dgm:txPr/>
-    <dgm:style>
-      <a:lnRef idx="2">
-        <a:scrgbClr r="0" g="0" b="0"/>
-      </a:lnRef>
-      <a:fillRef idx="0">
-        <a:scrgbClr r="0" g="0" b="0"/>
-      </a:fillRef>
-      <a:effectRef idx="0">
-        <a:scrgbClr r="0" g="0" b="0"/>
-      </a:effectRef>
-      <a:fontRef idx="minor"/>
-    </dgm:style>
-  </dgm:styleLbl>
-  <dgm:styleLbl name="parChTrans1D2">
-    <dgm:scene3d>
-      <a:camera prst="orthographicFront"/>
-      <a:lightRig rig="threePt" dir="t"/>
-    </dgm:scene3d>
-    <dgm:sp3d/>
-    <dgm:txPr/>
-    <dgm:style>
-      <a:lnRef idx="2">
-        <a:scrgbClr r="0" g="0" b="0"/>
-      </a:lnRef>
-      <a:fillRef idx="0">
-        <a:scrgbClr r="0" g="0" b="0"/>
-      </a:fillRef>
-      <a:effectRef idx="0">
-        <a:scrgbClr r="0" g="0" b="0"/>
-      </a:effectRef>
-      <a:fontRef idx="minor"/>
-    </dgm:style>
-  </dgm:styleLbl>
-  <dgm:styleLbl name="parChTrans1D3">
-    <dgm:scene3d>
-      <a:camera prst="orthographicFront"/>
-      <a:lightRig rig="threePt" dir="t"/>
-    </dgm:scene3d>
-    <dgm:sp3d/>
-    <dgm:txPr/>
-    <dgm:style>
-      <a:lnRef idx="2">
-        <a:scrgbClr r="0" g="0" b="0"/>
-      </a:lnRef>
-      <a:fillRef idx="0">
-        <a:scrgbClr r="0" g="0" b="0"/>
-      </a:fillRef>
-      <a:effectRef idx="0">
-        <a:scrgbClr r="0" g="0" b="0"/>
-      </a:effectRef>
-      <a:fontRef idx="minor"/>
-    </dgm:style>
-  </dgm:styleLbl>
-  <dgm:styleLbl name="parChTrans1D4">
-    <dgm:scene3d>
-      <a:camera prst="orthographicFront"/>
-      <a:lightRig rig="threePt" dir="t"/>
-    </dgm:scene3d>
-    <dgm:sp3d/>
-    <dgm:txPr/>
-    <dgm:style>
-      <a:lnRef idx="2">
-        <a:scrgbClr r="0" g="0" b="0"/>
-      </a:lnRef>
-      <a:fillRef idx="0">
-        <a:scrgbClr r="0" g="0" b="0"/>
-      </a:fillRef>
-      <a:effectRef idx="0">
-        <a:scrgbClr r="0" g="0" b="0"/>
-      </a:effectRef>
-      <a:fontRef idx="minor"/>
-    </dgm:style>
-  </dgm:styleLbl>
-  <dgm:styleLbl name="fgAcc1">
-    <dgm:scene3d>
-      <a:camera prst="orthographicFront"/>
-      <a:lightRig rig="threePt" dir="t"/>
-    </dgm:scene3d>
-    <dgm:sp3d/>
-    <dgm:txPr/>
-    <dgm:style>
-      <a:lnRef idx="2">
-        <a:scrgbClr r="0" g="0" b="0"/>
-      </a:lnRef>
-      <a:fillRef idx="1">
-        <a:scrgbClr r="0" g="0" b="0"/>
-      </a:fillRef>
-      <a:effectRef idx="0">
-        <a:scrgbClr r="0" g="0" b="0"/>
-      </a:effectRef>
-      <a:fontRef idx="minor"/>
-    </dgm:style>
-  </dgm:styleLbl>
-  <dgm:styleLbl name="conFgAcc1">
-    <dgm:scene3d>
-      <a:camera prst="orthographicFront"/>
-      <a:lightRig rig="threePt" dir="t"/>
-    </dgm:scene3d>
-    <dgm:sp3d/>
-    <dgm:txPr/>
-    <dgm:style>
-      <a:lnRef idx="2">
-        <a:scrgbClr r="0" g="0" b="0"/>
-      </a:lnRef>
-      <a:fillRef idx="1">
-        <a:scrgbClr r="0" g="0" b="0"/>
-      </a:fillRef>
-      <a:effectRef idx="0">
-        <a:scrgbClr r="0" g="0" b="0"/>
-      </a:effectRef>
-      <a:fontRef idx="minor"/>
-    </dgm:style>
-  </dgm:styleLbl>
-  <dgm:styleLbl name="alignAcc1">
-    <dgm:scene3d>
-      <a:camera prst="orthographicFront"/>
-      <a:lightRig rig="threePt" dir="t"/>
-    </dgm:scene3d>
-    <dgm:sp3d/>
-    <dgm:txPr/>
-    <dgm:style>
-      <a:lnRef idx="2">
-        <a:scrgbClr r="0" g="0" b="0"/>
-      </a:lnRef>
-      <a:fillRef idx="1">
-        <a:scrgbClr r="0" g="0" b="0"/>
-      </a:fillRef>
-      <a:effectRef idx="0">
-        <a:scrgbClr r="0" g="0" b="0"/>
-      </a:effectRef>
-      <a:fontRef idx="minor"/>
-    </dgm:style>
-  </dgm:styleLbl>
-  <dgm:styleLbl name="trAlignAcc1">
-    <dgm:scene3d>
-      <a:camera prst="orthographicFront"/>
-      <a:lightRig rig="threePt" dir="t"/>
-    </dgm:scene3d>
-    <dgm:sp3d/>
-    <dgm:txPr/>
-    <dgm:style>
-      <a:lnRef idx="1">
-        <a:scrgbClr r="0" g="0" b="0"/>
-      </a:lnRef>
-      <a:fillRef idx="1">
-        <a:scrgbClr r="0" g="0" b="0"/>
-      </a:fillRef>
-      <a:effectRef idx="0">
-        <a:scrgbClr r="0" g="0" b="0"/>
-      </a:effectRef>
-      <a:fontRef idx="minor"/>
-    </dgm:style>
-  </dgm:styleLbl>
-  <dgm:styleLbl name="bgAcc1">
-    <dgm:scene3d>
-      <a:camera prst="orthographicFront"/>
-      <a:lightRig rig="threePt" dir="t"/>
-    </dgm:scene3d>
-    <dgm:sp3d/>
-    <dgm:txPr/>
-    <dgm:style>
-      <a:lnRef idx="2">
-        <a:scrgbClr r="0" g="0" b="0"/>
-      </a:lnRef>
-      <a:fillRef idx="1">
-        <a:scrgbClr r="0" g="0" b="0"/>
-      </a:fillRef>
-      <a:effectRef idx="0">
-        <a:scrgbClr r="0" g="0" b="0"/>
-      </a:effectRef>
-      <a:fontRef idx="minor"/>
-    </dgm:style>
-  </dgm:styleLbl>
-  <dgm:styleLbl name="solidFgAcc1">
-    <dgm:scene3d>
-      <a:camera prst="orthographicFront"/>
-      <a:lightRig rig="threePt" dir="t"/>
-    </dgm:scene3d>
-    <dgm:sp3d/>
-    <dgm:txPr/>
-    <dgm:style>
-      <a:lnRef idx="2">
-        <a:scrgbClr r="0" g="0" b="0"/>
-      </a:lnRef>
-      <a:fillRef idx="1">
-        <a:scrgbClr r="0" g="0" b="0"/>
-      </a:fillRef>
-      <a:effectRef idx="0">
-        <a:scrgbClr r="0" g="0" b="0"/>
-      </a:effectRef>
-      <a:fontRef idx="minor"/>
-    </dgm:style>
-  </dgm:styleLbl>
-  <dgm:styleLbl name="solidAlignAcc1">
-    <dgm:scene3d>
-      <a:camera prst="orthographicFront"/>
-      <a:lightRig rig="threePt" dir="t"/>
-    </dgm:scene3d>
-    <dgm:sp3d/>
-    <dgm:txPr/>
-    <dgm:style>
-      <a:lnRef idx="2">
-        <a:scrgbClr r="0" g="0" b="0"/>
-      </a:lnRef>
-      <a:fillRef idx="1">
-        <a:scrgbClr r="0" g="0" b="0"/>
-      </a:fillRef>
-      <a:effectRef idx="0">
-        <a:scrgbClr r="0" g="0" b="0"/>
-      </a:effectRef>
-      <a:fontRef idx="minor"/>
-    </dgm:style>
-  </dgm:styleLbl>
-  <dgm:styleLbl name="solidBgAcc1">
-    <dgm:scene3d>
-      <a:camera prst="orthographicFront"/>
-      <a:lightRig rig="threePt" dir="t"/>
-    </dgm:scene3d>
-    <dgm:sp3d/>
-    <dgm:txPr/>
-    <dgm:style>
-      <a:lnRef idx="2">
-        <a:scrgbClr r="0" g="0" b="0"/>
-      </a:lnRef>
-      <a:fillRef idx="1">
-        <a:scrgbClr r="0" g="0" b="0"/>
-      </a:fillRef>
-      <a:effectRef idx="0">
-        <a:scrgbClr r="0" g="0" b="0"/>
-      </a:effectRef>
-      <a:fontRef idx="minor"/>
-    </dgm:style>
-  </dgm:styleLbl>
-  <dgm:styleLbl name="fgAccFollowNode1">
-    <dgm:scene3d>
-      <a:camera prst="orthographicFront"/>
-      <a:lightRig rig="threePt" dir="t"/>
-    </dgm:scene3d>
-    <dgm:sp3d/>
-    <dgm:txPr/>
-    <dgm:style>
-      <a:lnRef idx="2">
-        <a:scrgbClr r="0" g="0" b="0"/>
-      </a:lnRef>
-      <a:fillRef idx="1">
-        <a:scrgbClr r="0" g="0" b="0"/>
-      </a:fillRef>
-      <a:effectRef idx="0">
-        <a:scrgbClr r="0" g="0" b="0"/>
-      </a:effectRef>
-      <a:fontRef idx="minor"/>
-    </dgm:style>
-  </dgm:styleLbl>
-  <dgm:styleLbl name="alignAccFollowNode1">
-    <dgm:scene3d>
-      <a:camera prst="orthographicFront"/>
-      <a:lightRig rig="threePt" dir="t"/>
-    </dgm:scene3d>
-    <dgm:sp3d/>
-    <dgm:txPr/>
-    <dgm:style>
-      <a:lnRef idx="2">
-        <a:scrgbClr r="0" g="0" b="0"/>
-      </a:lnRef>
-      <a:fillRef idx="1">
-        <a:scrgbClr r="0" g="0" b="0"/>
-      </a:fillRef>
-      <a:effectRef idx="0">
-        <a:scrgbClr r="0" g="0" b="0"/>
-      </a:effectRef>
-      <a:fontRef idx="minor"/>
-    </dgm:style>
-  </dgm:styleLbl>
-  <dgm:styleLbl name="bgAccFollowNode1">
-    <dgm:scene3d>
-      <a:camera prst="orthographicFront"/>
-      <a:lightRig rig="threePt" dir="t"/>
-    </dgm:scene3d>
-    <dgm:sp3d/>
-    <dgm:txPr/>
-    <dgm:style>
-      <a:lnRef idx="2">
-        <a:scrgbClr r="0" g="0" b="0"/>
-      </a:lnRef>
-      <a:fillRef idx="1">
-        <a:scrgbClr r="0" g="0" b="0"/>
-      </a:fillRef>
-      <a:effectRef idx="0">
-        <a:scrgbClr r="0" g="0" b="0"/>
-      </a:effectRef>
-      <a:fontRef idx="minor"/>
-    </dgm:style>
-  </dgm:styleLbl>
-  <dgm:styleLbl name="fgAcc0">
-    <dgm:scene3d>
-      <a:camera prst="orthographicFront"/>
-      <a:lightRig rig="threePt" dir="t"/>
-    </dgm:scene3d>
-    <dgm:sp3d/>
-    <dgm:txPr/>
-    <dgm:style>
-      <a:lnRef idx="2">
-        <a:scrgbClr r="0" g="0" b="0"/>
-      </a:lnRef>
-      <a:fillRef idx="1">
-        <a:scrgbClr r="0" g="0" b="0"/>
-      </a:fillRef>
-      <a:effectRef idx="0">
-        <a:scrgbClr r="0" g="0" b="0"/>
-      </a:effectRef>
-      <a:fontRef idx="minor"/>
-    </dgm:style>
-  </dgm:styleLbl>
-  <dgm:styleLbl name="fgAcc2">
-    <dgm:scene3d>
-      <a:camera prst="orthographicFront"/>
-      <a:lightRig rig="threePt" dir="t"/>
-    </dgm:scene3d>
-    <dgm:sp3d/>
-    <dgm:txPr/>
-    <dgm:style>
-      <a:lnRef idx="2">
-        <a:scrgbClr r="0" g="0" b="0"/>
-      </a:lnRef>
-      <a:fillRef idx="1">
-        <a:scrgbClr r="0" g="0" b="0"/>
-      </a:fillRef>
-      <a:effectRef idx="0">
-        <a:scrgbClr r="0" g="0" b="0"/>
-      </a:effectRef>
-      <a:fontRef idx="minor"/>
-    </dgm:style>
-  </dgm:styleLbl>
-  <dgm:styleLbl name="fgAcc3">
-    <dgm:scene3d>
-      <a:camera prst="orthographicFront"/>
-      <a:lightRig rig="threePt" dir="t"/>
-    </dgm:scene3d>
-    <dgm:sp3d/>
-    <dgm:txPr/>
-    <dgm:style>
-      <a:lnRef idx="2">
-        <a:scrgbClr r="0" g="0" b="0"/>
-      </a:lnRef>
-      <a:fillRef idx="1">
-        <a:scrgbClr r="0" g="0" b="0"/>
-      </a:fillRef>
-      <a:effectRef idx="0">
-        <a:scrgbClr r="0" g="0" b="0"/>
-      </a:effectRef>
-      <a:fontRef idx="minor"/>
-    </dgm:style>
-  </dgm:styleLbl>
-  <dgm:styleLbl name="fgAcc4">
-    <dgm:scene3d>
-      <a:camera prst="orthographicFront"/>
-      <a:lightRig rig="threePt" dir="t"/>
-    </dgm:scene3d>
-    <dgm:sp3d/>
-    <dgm:txPr/>
-    <dgm:style>
-      <a:lnRef idx="2">
-        <a:scrgbClr r="0" g="0" b="0"/>
-      </a:lnRef>
-      <a:fillRef idx="1">
-        <a:scrgbClr r="0" g="0" b="0"/>
-      </a:fillRef>
-      <a:effectRef idx="0">
-        <a:scrgbClr r="0" g="0" b="0"/>
-      </a:effectRef>
-      <a:fontRef idx="minor"/>
-    </dgm:style>
-  </dgm:styleLbl>
-  <dgm:styleLbl name="bgShp">
-    <dgm:scene3d>
-      <a:camera prst="orthographicFront"/>
-      <a:lightRig rig="threePt" dir="t"/>
-    </dgm:scene3d>
-    <dgm:sp3d/>
-    <dgm:txPr/>
-    <dgm:style>
-      <a:lnRef idx="0">
-        <a:scrgbClr r="0" g="0" b="0"/>
-      </a:lnRef>
-      <a:fillRef idx="1">
-        <a:scrgbClr r="0" g="0" b="0"/>
-      </a:fillRef>
-      <a:effectRef idx="0">
-        <a:scrgbClr r="0" g="0" b="0"/>
-      </a:effectRef>
-      <a:fontRef idx="minor"/>
-    </dgm:style>
-  </dgm:styleLbl>
-  <dgm:styleLbl name="dkBgShp">
-    <dgm:scene3d>
-      <a:camera prst="orthographicFront"/>
-      <a:lightRig rig="threePt" dir="t"/>
-    </dgm:scene3d>
-    <dgm:sp3d/>
-    <dgm:txPr/>
-    <dgm:style>
-      <a:lnRef idx="0">
-        <a:scrgbClr r="0" g="0" b="0"/>
-      </a:lnRef>
-      <a:fillRef idx="1">
-        <a:scrgbClr r="0" g="0" b="0"/>
-      </a:fillRef>
-      <a:effectRef idx="0">
-        <a:scrgbClr r="0" g="0" b="0"/>
-      </a:effectRef>
-      <a:fontRef idx="minor"/>
-    </dgm:style>
-  </dgm:styleLbl>
-  <dgm:styleLbl name="trBgShp">
-    <dgm:scene3d>
-      <a:camera prst="orthographicFront"/>
-      <a:lightRig rig="threePt" dir="t"/>
-    </dgm:scene3d>
-    <dgm:sp3d/>
-    <dgm:txPr/>
-    <dgm:style>
-      <a:lnRef idx="0">
-        <a:scrgbClr r="0" g="0" b="0"/>
-      </a:lnRef>
-      <a:fillRef idx="1">
-        <a:scrgbClr r="0" g="0" b="0"/>
-      </a:fillRef>
-      <a:effectRef idx="0">
-        <a:scrgbClr r="0" g="0" b="0"/>
-      </a:effectRef>
-      <a:fontRef idx="minor"/>
-    </dgm:style>
-  </dgm:styleLbl>
-  <dgm:styleLbl name="fgShp">
-    <dgm:scene3d>
-      <a:camera prst="orthographicFront"/>
-      <a:lightRig rig="threePt" dir="t"/>
-    </dgm:scene3d>
-    <dgm:sp3d/>
-    <dgm:txPr/>
-    <dgm:style>
-      <a:lnRef idx="2">
-        <a:scrgbClr r="0" g="0" b="0"/>
-      </a:lnRef>
-      <a:fillRef idx="1">
-        <a:scrgbClr r="0" g="0" b="0"/>
-      </a:fillRef>
-      <a:effectRef idx="0">
-        <a:scrgbClr r="0" g="0" b="0"/>
-      </a:effectRef>
-      <a:fontRef idx="minor"/>
-    </dgm:style>
-  </dgm:styleLbl>
-  <dgm:styleLbl name="revTx">
-    <dgm:scene3d>
-      <a:camera prst="orthographicFront"/>
-      <a:lightRig rig="threePt" dir="t"/>
-    </dgm:scene3d>
-    <dgm:sp3d/>
-    <dgm:txPr/>
-    <dgm:style>
-      <a:lnRef idx="0">
-        <a:scrgbClr r="0" g="0" b="0"/>
-      </a:lnRef>
-      <a:fillRef idx="0">
-        <a:scrgbClr r="0" g="0" b="0"/>
-      </a:fillRef>
-      <a:effectRef idx="0">
-        <a:scrgbClr r="0" g="0" b="0"/>
-      </a:effectRef>
-      <a:fontRef idx="minor"/>
-    </dgm:style>
-  </dgm:styleLbl>
-</dgm:styleDef>
-</file>
-
-<file path=ppt/diagrams/quickStyle2.xml><?xml version="1.0" encoding="utf-8"?>
 <dgm:styleDef xmlns:dgm="http://schemas.openxmlformats.org/drawingml/2006/diagram" xmlns:a="http://schemas.openxmlformats.org/drawingml/2006/main" uniqueId="urn:microsoft.com/office/officeart/2005/8/quickstyle/simple1">
   <dgm:title val=""/>
   <dgm:desc val=""/>
@@ -5766,6 +3586,11 @@
         </p:txBody>
       </p:sp>
     </p:spTree>
+    <p:extLst>
+      <p:ext uri="{BB962C8B-B14F-4D97-AF65-F5344CB8AC3E}">
+        <p14:creationId xmlns:p14="http://schemas.microsoft.com/office/powerpoint/2010/main" val="2422153696"/>
+      </p:ext>
+    </p:extLst>
   </p:cSld>
   <p:clrMap bg1="lt1" tx1="dk1" bg2="dk2" tx2="lt2" accent1="accent1" accent2="accent2" accent3="accent3" accent4="accent4" accent5="accent5" accent6="accent6" hlink="hlink" folHlink="folHlink"/>
   <p:notesStyle>
@@ -6056,7 +3881,7 @@
     </p:spTree>
     <p:extLst>
       <p:ext uri="{BB962C8B-B14F-4D97-AF65-F5344CB8AC3E}">
-        <p14:creationId xmlns:p14="http://schemas.microsoft.com/office/powerpoint/2010/main" val="2242910882"/>
+        <p14:creationId xmlns:p14="http://schemas.microsoft.com/office/powerpoint/2010/main" val="1085393747"/>
       </p:ext>
     </p:extLst>
   </p:cSld>
@@ -6546,6 +4371,178 @@
               <a:t>‹#›</a:t>
             </a:fld>
             <a:endParaRPr/>
+          </a:p>
+        </p:txBody>
+      </p:sp>
+      <p:sp>
+        <p:nvSpPr>
+          <p:cNvPr id="6" name="TextBox 5">
+            <a:extLst>
+              <a:ext uri="{FF2B5EF4-FFF2-40B4-BE49-F238E27FC236}">
+                <a16:creationId xmlns:a16="http://schemas.microsoft.com/office/drawing/2014/main" xmlns="" id="{C74BB349-E93D-F78B-9275-58D3025BD773}"/>
+              </a:ext>
+            </a:extLst>
+          </p:cNvPr>
+          <p:cNvSpPr txBox="1"/>
+          <p:nvPr userDrawn="1"/>
+        </p:nvSpPr>
+        <p:spPr>
+          <a:xfrm>
+            <a:off x="250666" y="4771178"/>
+            <a:ext cx="2471751" cy="400110"/>
+          </a:xfrm>
+          <a:prstGeom prst="rect">
+            <a:avLst/>
+          </a:prstGeom>
+          <a:noFill/>
+        </p:spPr>
+        <p:txBody>
+          <a:bodyPr wrap="square">
+            <a:spAutoFit/>
+          </a:bodyPr>
+          <a:lstStyle/>
+          <a:p>
+            <a:pPr marL="0" marR="0" lvl="0" indent="0" algn="l" defTabSz="914400" rtl="0" eaLnBrk="1" fontAlgn="auto" latinLnBrk="0" hangingPunct="1">
+              <a:lnSpc>
+                <a:spcPct val="100000"/>
+              </a:lnSpc>
+              <a:spcBef>
+                <a:spcPts val="0"/>
+              </a:spcBef>
+              <a:spcAft>
+                <a:spcPts val="0"/>
+              </a:spcAft>
+              <a:buClr>
+                <a:srgbClr val="000000"/>
+              </a:buClr>
+              <a:buSzTx/>
+              <a:buFont typeface="Arial"/>
+              <a:buNone/>
+              <a:tabLst/>
+              <a:defRPr/>
+            </a:pPr>
+            <a:r>
+              <a:rPr lang="en-IN" sz="1000" b="0" i="0" u="none" strike="noStrike" baseline="0" dirty="0" smtClean="0">
+                <a:solidFill>
+                  <a:schemeClr val="tx1"/>
+                </a:solidFill>
+                <a:latin typeface="Poppins" pitchFamily="2" charset="77"/>
+                <a:cs typeface="Poppins" pitchFamily="2" charset="77"/>
+              </a:rPr>
+              <a:t>#</a:t>
+            </a:r>
+            <a:r>
+              <a:rPr lang="en-IN" sz="1000" b="0" i="0" u="none" strike="noStrike" baseline="0" dirty="0" smtClean="0">
+                <a:solidFill>
+                  <a:schemeClr val="tx1"/>
+                </a:solidFill>
+                <a:latin typeface="Poppins Light" pitchFamily="2" charset="77"/>
+                <a:cs typeface="Poppins Light" pitchFamily="2" charset="77"/>
+              </a:rPr>
+              <a:t>Azure Developer Community TN</a:t>
+            </a:r>
+            <a:endParaRPr lang="en-US" sz="1000" b="0" i="0" dirty="0" smtClean="0">
+              <a:solidFill>
+                <a:schemeClr val="tx1"/>
+              </a:solidFill>
+              <a:latin typeface="Poppins Light" pitchFamily="2" charset="77"/>
+              <a:cs typeface="Poppins Light" pitchFamily="2" charset="77"/>
+            </a:endParaRPr>
+          </a:p>
+          <a:p>
+            <a:endParaRPr lang="en-IN" sz="1000" b="0" dirty="0">
+              <a:solidFill>
+                <a:schemeClr val="tx1"/>
+              </a:solidFill>
+              <a:latin typeface="Poppins" pitchFamily="2" charset="77"/>
+              <a:cs typeface="Poppins" pitchFamily="2" charset="77"/>
+            </a:endParaRPr>
+          </a:p>
+        </p:txBody>
+      </p:sp>
+      <p:sp>
+        <p:nvSpPr>
+          <p:cNvPr id="7" name="TextBox 6">
+            <a:extLst>
+              <a:ext uri="{FF2B5EF4-FFF2-40B4-BE49-F238E27FC236}">
+                <a16:creationId xmlns:a16="http://schemas.microsoft.com/office/drawing/2014/main" xmlns="" id="{85ADDEDD-0E46-6DD5-1FBD-8E12C7A8C14D}"/>
+              </a:ext>
+            </a:extLst>
+          </p:cNvPr>
+          <p:cNvSpPr txBox="1"/>
+          <p:nvPr userDrawn="1"/>
+        </p:nvSpPr>
+        <p:spPr>
+          <a:xfrm>
+            <a:off x="6951504" y="4771178"/>
+            <a:ext cx="2192496" cy="400110"/>
+          </a:xfrm>
+          <a:prstGeom prst="rect">
+            <a:avLst/>
+          </a:prstGeom>
+          <a:noFill/>
+        </p:spPr>
+        <p:txBody>
+          <a:bodyPr wrap="square">
+            <a:spAutoFit/>
+          </a:bodyPr>
+          <a:lstStyle/>
+          <a:p>
+            <a:pPr marL="0" marR="0" lvl="0" indent="0" algn="l" defTabSz="914400" rtl="0" eaLnBrk="1" fontAlgn="auto" latinLnBrk="0" hangingPunct="1">
+              <a:lnSpc>
+                <a:spcPct val="100000"/>
+              </a:lnSpc>
+              <a:spcBef>
+                <a:spcPts val="0"/>
+              </a:spcBef>
+              <a:spcAft>
+                <a:spcPts val="0"/>
+              </a:spcAft>
+              <a:buClr>
+                <a:srgbClr val="000000"/>
+              </a:buClr>
+              <a:buSzTx/>
+              <a:buFont typeface="Arial"/>
+              <a:buNone/>
+              <a:tabLst/>
+              <a:defRPr/>
+            </a:pPr>
+            <a:r>
+              <a:rPr lang="en-IN" sz="1000" b="0" i="0" u="none" strike="noStrike" baseline="0" dirty="0">
+                <a:solidFill>
+                  <a:schemeClr val="tx1"/>
+                </a:solidFill>
+                <a:latin typeface="Poppins" pitchFamily="2" charset="77"/>
+                <a:cs typeface="Poppins" pitchFamily="2" charset="77"/>
+              </a:rPr>
+              <a:t>#</a:t>
+            </a:r>
+            <a:r>
+              <a:rPr lang="en-US" sz="1000" b="0" i="0" u="none" strike="noStrike" baseline="0" dirty="0">
+                <a:solidFill>
+                  <a:schemeClr val="tx1"/>
+                </a:solidFill>
+                <a:latin typeface="Poppins Light" pitchFamily="2" charset="77"/>
+                <a:cs typeface="Poppins Light" pitchFamily="2" charset="77"/>
+              </a:rPr>
+              <a:t>Innovation AI Chennai</a:t>
+            </a:r>
+            <a:endParaRPr lang="en-US" sz="1000" b="0" i="0" dirty="0">
+              <a:solidFill>
+                <a:schemeClr val="tx1"/>
+              </a:solidFill>
+              <a:latin typeface="Poppins Light" pitchFamily="2" charset="77"/>
+              <a:cs typeface="Poppins Light" pitchFamily="2" charset="77"/>
+            </a:endParaRPr>
+          </a:p>
+          <a:p>
+            <a:endParaRPr lang="en-IN" sz="1000" b="0" dirty="0">
+              <a:solidFill>
+                <a:schemeClr val="tx1"/>
+              </a:solidFill>
+              <a:latin typeface="Poppins" pitchFamily="2" charset="77"/>
+              <a:cs typeface="Poppins" pitchFamily="2" charset="77"/>
+            </a:endParaRPr>
           </a:p>
         </p:txBody>
       </p:sp>
@@ -6671,6 +4668,178 @@
           </a:p>
         </p:txBody>
       </p:sp>
+      <p:sp>
+        <p:nvSpPr>
+          <p:cNvPr id="4" name="TextBox 3">
+            <a:extLst>
+              <a:ext uri="{FF2B5EF4-FFF2-40B4-BE49-F238E27FC236}">
+                <a16:creationId xmlns:a16="http://schemas.microsoft.com/office/drawing/2014/main" xmlns="" id="{C74BB349-E93D-F78B-9275-58D3025BD773}"/>
+              </a:ext>
+            </a:extLst>
+          </p:cNvPr>
+          <p:cNvSpPr txBox="1"/>
+          <p:nvPr userDrawn="1"/>
+        </p:nvSpPr>
+        <p:spPr>
+          <a:xfrm>
+            <a:off x="250666" y="4771178"/>
+            <a:ext cx="2471751" cy="400110"/>
+          </a:xfrm>
+          <a:prstGeom prst="rect">
+            <a:avLst/>
+          </a:prstGeom>
+          <a:noFill/>
+        </p:spPr>
+        <p:txBody>
+          <a:bodyPr wrap="square">
+            <a:spAutoFit/>
+          </a:bodyPr>
+          <a:lstStyle/>
+          <a:p>
+            <a:pPr marL="0" marR="0" lvl="0" indent="0" algn="l" defTabSz="914400" rtl="0" eaLnBrk="1" fontAlgn="auto" latinLnBrk="0" hangingPunct="1">
+              <a:lnSpc>
+                <a:spcPct val="100000"/>
+              </a:lnSpc>
+              <a:spcBef>
+                <a:spcPts val="0"/>
+              </a:spcBef>
+              <a:spcAft>
+                <a:spcPts val="0"/>
+              </a:spcAft>
+              <a:buClr>
+                <a:srgbClr val="000000"/>
+              </a:buClr>
+              <a:buSzTx/>
+              <a:buFont typeface="Arial"/>
+              <a:buNone/>
+              <a:tabLst/>
+              <a:defRPr/>
+            </a:pPr>
+            <a:r>
+              <a:rPr lang="en-IN" sz="1000" b="0" i="0" u="none" strike="noStrike" baseline="0" dirty="0" smtClean="0">
+                <a:solidFill>
+                  <a:schemeClr val="tx1"/>
+                </a:solidFill>
+                <a:latin typeface="Poppins" pitchFamily="2" charset="77"/>
+                <a:cs typeface="Poppins" pitchFamily="2" charset="77"/>
+              </a:rPr>
+              <a:t>#</a:t>
+            </a:r>
+            <a:r>
+              <a:rPr lang="en-IN" sz="1000" b="0" i="0" u="none" strike="noStrike" baseline="0" dirty="0" smtClean="0">
+                <a:solidFill>
+                  <a:schemeClr val="tx1"/>
+                </a:solidFill>
+                <a:latin typeface="Poppins Light" pitchFamily="2" charset="77"/>
+                <a:cs typeface="Poppins Light" pitchFamily="2" charset="77"/>
+              </a:rPr>
+              <a:t>Azure Developer Community TN</a:t>
+            </a:r>
+            <a:endParaRPr lang="en-US" sz="1000" b="0" i="0" dirty="0" smtClean="0">
+              <a:solidFill>
+                <a:schemeClr val="tx1"/>
+              </a:solidFill>
+              <a:latin typeface="Poppins Light" pitchFamily="2" charset="77"/>
+              <a:cs typeface="Poppins Light" pitchFamily="2" charset="77"/>
+            </a:endParaRPr>
+          </a:p>
+          <a:p>
+            <a:endParaRPr lang="en-IN" sz="1000" b="0" dirty="0">
+              <a:solidFill>
+                <a:schemeClr val="tx1"/>
+              </a:solidFill>
+              <a:latin typeface="Poppins" pitchFamily="2" charset="77"/>
+              <a:cs typeface="Poppins" pitchFamily="2" charset="77"/>
+            </a:endParaRPr>
+          </a:p>
+        </p:txBody>
+      </p:sp>
+      <p:sp>
+        <p:nvSpPr>
+          <p:cNvPr id="5" name="TextBox 4">
+            <a:extLst>
+              <a:ext uri="{FF2B5EF4-FFF2-40B4-BE49-F238E27FC236}">
+                <a16:creationId xmlns:a16="http://schemas.microsoft.com/office/drawing/2014/main" xmlns="" id="{85ADDEDD-0E46-6DD5-1FBD-8E12C7A8C14D}"/>
+              </a:ext>
+            </a:extLst>
+          </p:cNvPr>
+          <p:cNvSpPr txBox="1"/>
+          <p:nvPr userDrawn="1"/>
+        </p:nvSpPr>
+        <p:spPr>
+          <a:xfrm>
+            <a:off x="6951504" y="4771178"/>
+            <a:ext cx="2192496" cy="400110"/>
+          </a:xfrm>
+          <a:prstGeom prst="rect">
+            <a:avLst/>
+          </a:prstGeom>
+          <a:noFill/>
+        </p:spPr>
+        <p:txBody>
+          <a:bodyPr wrap="square">
+            <a:spAutoFit/>
+          </a:bodyPr>
+          <a:lstStyle/>
+          <a:p>
+            <a:pPr marL="0" marR="0" lvl="0" indent="0" algn="l" defTabSz="914400" rtl="0" eaLnBrk="1" fontAlgn="auto" latinLnBrk="0" hangingPunct="1">
+              <a:lnSpc>
+                <a:spcPct val="100000"/>
+              </a:lnSpc>
+              <a:spcBef>
+                <a:spcPts val="0"/>
+              </a:spcBef>
+              <a:spcAft>
+                <a:spcPts val="0"/>
+              </a:spcAft>
+              <a:buClr>
+                <a:srgbClr val="000000"/>
+              </a:buClr>
+              <a:buSzTx/>
+              <a:buFont typeface="Arial"/>
+              <a:buNone/>
+              <a:tabLst/>
+              <a:defRPr/>
+            </a:pPr>
+            <a:r>
+              <a:rPr lang="en-IN" sz="1000" b="0" i="0" u="none" strike="noStrike" baseline="0" dirty="0">
+                <a:solidFill>
+                  <a:schemeClr val="tx1"/>
+                </a:solidFill>
+                <a:latin typeface="Poppins" pitchFamily="2" charset="77"/>
+                <a:cs typeface="Poppins" pitchFamily="2" charset="77"/>
+              </a:rPr>
+              <a:t>#</a:t>
+            </a:r>
+            <a:r>
+              <a:rPr lang="en-US" sz="1000" b="0" i="0" u="none" strike="noStrike" baseline="0" dirty="0">
+                <a:solidFill>
+                  <a:schemeClr val="tx1"/>
+                </a:solidFill>
+                <a:latin typeface="Poppins Light" pitchFamily="2" charset="77"/>
+                <a:cs typeface="Poppins Light" pitchFamily="2" charset="77"/>
+              </a:rPr>
+              <a:t>Innovation AI Chennai</a:t>
+            </a:r>
+            <a:endParaRPr lang="en-US" sz="1000" b="0" i="0" dirty="0">
+              <a:solidFill>
+                <a:schemeClr val="tx1"/>
+              </a:solidFill>
+              <a:latin typeface="Poppins Light" pitchFamily="2" charset="77"/>
+              <a:cs typeface="Poppins Light" pitchFamily="2" charset="77"/>
+            </a:endParaRPr>
+          </a:p>
+          <a:p>
+            <a:endParaRPr lang="en-IN" sz="1000" b="0" dirty="0">
+              <a:solidFill>
+                <a:schemeClr val="tx1"/>
+              </a:solidFill>
+              <a:latin typeface="Poppins" pitchFamily="2" charset="77"/>
+              <a:cs typeface="Poppins" pitchFamily="2" charset="77"/>
+            </a:endParaRPr>
+          </a:p>
+        </p:txBody>
+      </p:sp>
     </p:spTree>
     <p:extLst>
       <p:ext uri="{BB962C8B-B14F-4D97-AF65-F5344CB8AC3E}">
@@ -7041,6 +5210,178 @@
           </a:p>
         </p:txBody>
       </p:sp>
+      <p:sp>
+        <p:nvSpPr>
+          <p:cNvPr id="5" name="TextBox 4">
+            <a:extLst>
+              <a:ext uri="{FF2B5EF4-FFF2-40B4-BE49-F238E27FC236}">
+                <a16:creationId xmlns:a16="http://schemas.microsoft.com/office/drawing/2014/main" xmlns="" id="{C74BB349-E93D-F78B-9275-58D3025BD773}"/>
+              </a:ext>
+            </a:extLst>
+          </p:cNvPr>
+          <p:cNvSpPr txBox="1"/>
+          <p:nvPr userDrawn="1"/>
+        </p:nvSpPr>
+        <p:spPr>
+          <a:xfrm>
+            <a:off x="250666" y="4771178"/>
+            <a:ext cx="2471751" cy="400110"/>
+          </a:xfrm>
+          <a:prstGeom prst="rect">
+            <a:avLst/>
+          </a:prstGeom>
+          <a:noFill/>
+        </p:spPr>
+        <p:txBody>
+          <a:bodyPr wrap="square">
+            <a:spAutoFit/>
+          </a:bodyPr>
+          <a:lstStyle/>
+          <a:p>
+            <a:pPr marL="0" marR="0" lvl="0" indent="0" algn="l" defTabSz="914400" rtl="0" eaLnBrk="1" fontAlgn="auto" latinLnBrk="0" hangingPunct="1">
+              <a:lnSpc>
+                <a:spcPct val="100000"/>
+              </a:lnSpc>
+              <a:spcBef>
+                <a:spcPts val="0"/>
+              </a:spcBef>
+              <a:spcAft>
+                <a:spcPts val="0"/>
+              </a:spcAft>
+              <a:buClr>
+                <a:srgbClr val="000000"/>
+              </a:buClr>
+              <a:buSzTx/>
+              <a:buFont typeface="Arial"/>
+              <a:buNone/>
+              <a:tabLst/>
+              <a:defRPr/>
+            </a:pPr>
+            <a:r>
+              <a:rPr lang="en-IN" sz="1000" b="0" i="0" u="none" strike="noStrike" baseline="0" dirty="0" smtClean="0">
+                <a:solidFill>
+                  <a:schemeClr val="tx1"/>
+                </a:solidFill>
+                <a:latin typeface="Poppins" pitchFamily="2" charset="77"/>
+                <a:cs typeface="Poppins" pitchFamily="2" charset="77"/>
+              </a:rPr>
+              <a:t>#</a:t>
+            </a:r>
+            <a:r>
+              <a:rPr lang="en-IN" sz="1000" b="0" i="0" u="none" strike="noStrike" baseline="0" dirty="0" smtClean="0">
+                <a:solidFill>
+                  <a:schemeClr val="tx1"/>
+                </a:solidFill>
+                <a:latin typeface="Poppins Light" pitchFamily="2" charset="77"/>
+                <a:cs typeface="Poppins Light" pitchFamily="2" charset="77"/>
+              </a:rPr>
+              <a:t>Azure Developer Community TN</a:t>
+            </a:r>
+            <a:endParaRPr lang="en-US" sz="1000" b="0" i="0" dirty="0" smtClean="0">
+              <a:solidFill>
+                <a:schemeClr val="tx1"/>
+              </a:solidFill>
+              <a:latin typeface="Poppins Light" pitchFamily="2" charset="77"/>
+              <a:cs typeface="Poppins Light" pitchFamily="2" charset="77"/>
+            </a:endParaRPr>
+          </a:p>
+          <a:p>
+            <a:endParaRPr lang="en-IN" sz="1000" b="0" dirty="0">
+              <a:solidFill>
+                <a:schemeClr val="tx1"/>
+              </a:solidFill>
+              <a:latin typeface="Poppins" pitchFamily="2" charset="77"/>
+              <a:cs typeface="Poppins" pitchFamily="2" charset="77"/>
+            </a:endParaRPr>
+          </a:p>
+        </p:txBody>
+      </p:sp>
+      <p:sp>
+        <p:nvSpPr>
+          <p:cNvPr id="6" name="TextBox 5">
+            <a:extLst>
+              <a:ext uri="{FF2B5EF4-FFF2-40B4-BE49-F238E27FC236}">
+                <a16:creationId xmlns:a16="http://schemas.microsoft.com/office/drawing/2014/main" xmlns="" id="{85ADDEDD-0E46-6DD5-1FBD-8E12C7A8C14D}"/>
+              </a:ext>
+            </a:extLst>
+          </p:cNvPr>
+          <p:cNvSpPr txBox="1"/>
+          <p:nvPr userDrawn="1"/>
+        </p:nvSpPr>
+        <p:spPr>
+          <a:xfrm>
+            <a:off x="6951504" y="4771178"/>
+            <a:ext cx="2192496" cy="400110"/>
+          </a:xfrm>
+          <a:prstGeom prst="rect">
+            <a:avLst/>
+          </a:prstGeom>
+          <a:noFill/>
+        </p:spPr>
+        <p:txBody>
+          <a:bodyPr wrap="square">
+            <a:spAutoFit/>
+          </a:bodyPr>
+          <a:lstStyle/>
+          <a:p>
+            <a:pPr marL="0" marR="0" lvl="0" indent="0" algn="l" defTabSz="914400" rtl="0" eaLnBrk="1" fontAlgn="auto" latinLnBrk="0" hangingPunct="1">
+              <a:lnSpc>
+                <a:spcPct val="100000"/>
+              </a:lnSpc>
+              <a:spcBef>
+                <a:spcPts val="0"/>
+              </a:spcBef>
+              <a:spcAft>
+                <a:spcPts val="0"/>
+              </a:spcAft>
+              <a:buClr>
+                <a:srgbClr val="000000"/>
+              </a:buClr>
+              <a:buSzTx/>
+              <a:buFont typeface="Arial"/>
+              <a:buNone/>
+              <a:tabLst/>
+              <a:defRPr/>
+            </a:pPr>
+            <a:r>
+              <a:rPr lang="en-IN" sz="1000" b="0" i="0" u="none" strike="noStrike" baseline="0" dirty="0">
+                <a:solidFill>
+                  <a:schemeClr val="tx1"/>
+                </a:solidFill>
+                <a:latin typeface="Poppins" pitchFamily="2" charset="77"/>
+                <a:cs typeface="Poppins" pitchFamily="2" charset="77"/>
+              </a:rPr>
+              <a:t>#</a:t>
+            </a:r>
+            <a:r>
+              <a:rPr lang="en-US" sz="1000" b="0" i="0" u="none" strike="noStrike" baseline="0" dirty="0">
+                <a:solidFill>
+                  <a:schemeClr val="tx1"/>
+                </a:solidFill>
+                <a:latin typeface="Poppins Light" pitchFamily="2" charset="77"/>
+                <a:cs typeface="Poppins Light" pitchFamily="2" charset="77"/>
+              </a:rPr>
+              <a:t>Innovation AI Chennai</a:t>
+            </a:r>
+            <a:endParaRPr lang="en-US" sz="1000" b="0" i="0" dirty="0">
+              <a:solidFill>
+                <a:schemeClr val="tx1"/>
+              </a:solidFill>
+              <a:latin typeface="Poppins Light" pitchFamily="2" charset="77"/>
+              <a:cs typeface="Poppins Light" pitchFamily="2" charset="77"/>
+            </a:endParaRPr>
+          </a:p>
+          <a:p>
+            <a:endParaRPr lang="en-IN" sz="1000" b="0" dirty="0">
+              <a:solidFill>
+                <a:schemeClr val="tx1"/>
+              </a:solidFill>
+              <a:latin typeface="Poppins" pitchFamily="2" charset="77"/>
+              <a:cs typeface="Poppins" pitchFamily="2" charset="77"/>
+            </a:endParaRPr>
+          </a:p>
+        </p:txBody>
+      </p:sp>
     </p:spTree>
   </p:cSld>
   <p:clrMapOvr>
@@ -7271,6 +5612,178 @@
               <a:t>‹#›</a:t>
             </a:fld>
             <a:endParaRPr/>
+          </a:p>
+        </p:txBody>
+      </p:sp>
+      <p:sp>
+        <p:nvSpPr>
+          <p:cNvPr id="4" name="TextBox 3">
+            <a:extLst>
+              <a:ext uri="{FF2B5EF4-FFF2-40B4-BE49-F238E27FC236}">
+                <a16:creationId xmlns:a16="http://schemas.microsoft.com/office/drawing/2014/main" xmlns="" id="{C74BB349-E93D-F78B-9275-58D3025BD773}"/>
+              </a:ext>
+            </a:extLst>
+          </p:cNvPr>
+          <p:cNvSpPr txBox="1"/>
+          <p:nvPr userDrawn="1"/>
+        </p:nvSpPr>
+        <p:spPr>
+          <a:xfrm>
+            <a:off x="250666" y="4771178"/>
+            <a:ext cx="2471751" cy="400110"/>
+          </a:xfrm>
+          <a:prstGeom prst="rect">
+            <a:avLst/>
+          </a:prstGeom>
+          <a:noFill/>
+        </p:spPr>
+        <p:txBody>
+          <a:bodyPr wrap="square">
+            <a:spAutoFit/>
+          </a:bodyPr>
+          <a:lstStyle/>
+          <a:p>
+            <a:pPr marL="0" marR="0" lvl="0" indent="0" algn="l" defTabSz="914400" rtl="0" eaLnBrk="1" fontAlgn="auto" latinLnBrk="0" hangingPunct="1">
+              <a:lnSpc>
+                <a:spcPct val="100000"/>
+              </a:lnSpc>
+              <a:spcBef>
+                <a:spcPts val="0"/>
+              </a:spcBef>
+              <a:spcAft>
+                <a:spcPts val="0"/>
+              </a:spcAft>
+              <a:buClr>
+                <a:srgbClr val="000000"/>
+              </a:buClr>
+              <a:buSzTx/>
+              <a:buFont typeface="Arial"/>
+              <a:buNone/>
+              <a:tabLst/>
+              <a:defRPr/>
+            </a:pPr>
+            <a:r>
+              <a:rPr lang="en-IN" sz="1000" b="0" i="0" u="none" strike="noStrike" baseline="0" dirty="0" smtClean="0">
+                <a:solidFill>
+                  <a:schemeClr val="tx1"/>
+                </a:solidFill>
+                <a:latin typeface="Poppins" pitchFamily="2" charset="77"/>
+                <a:cs typeface="Poppins" pitchFamily="2" charset="77"/>
+              </a:rPr>
+              <a:t>#</a:t>
+            </a:r>
+            <a:r>
+              <a:rPr lang="en-IN" sz="1000" b="0" i="0" u="none" strike="noStrike" baseline="0" dirty="0" smtClean="0">
+                <a:solidFill>
+                  <a:schemeClr val="tx1"/>
+                </a:solidFill>
+                <a:latin typeface="Poppins Light" pitchFamily="2" charset="77"/>
+                <a:cs typeface="Poppins Light" pitchFamily="2" charset="77"/>
+              </a:rPr>
+              <a:t>Azure Developer Community TN</a:t>
+            </a:r>
+            <a:endParaRPr lang="en-US" sz="1000" b="0" i="0" dirty="0" smtClean="0">
+              <a:solidFill>
+                <a:schemeClr val="tx1"/>
+              </a:solidFill>
+              <a:latin typeface="Poppins Light" pitchFamily="2" charset="77"/>
+              <a:cs typeface="Poppins Light" pitchFamily="2" charset="77"/>
+            </a:endParaRPr>
+          </a:p>
+          <a:p>
+            <a:endParaRPr lang="en-IN" sz="1000" b="0" dirty="0">
+              <a:solidFill>
+                <a:schemeClr val="tx1"/>
+              </a:solidFill>
+              <a:latin typeface="Poppins" pitchFamily="2" charset="77"/>
+              <a:cs typeface="Poppins" pitchFamily="2" charset="77"/>
+            </a:endParaRPr>
+          </a:p>
+        </p:txBody>
+      </p:sp>
+      <p:sp>
+        <p:nvSpPr>
+          <p:cNvPr id="5" name="TextBox 4">
+            <a:extLst>
+              <a:ext uri="{FF2B5EF4-FFF2-40B4-BE49-F238E27FC236}">
+                <a16:creationId xmlns:a16="http://schemas.microsoft.com/office/drawing/2014/main" xmlns="" id="{85ADDEDD-0E46-6DD5-1FBD-8E12C7A8C14D}"/>
+              </a:ext>
+            </a:extLst>
+          </p:cNvPr>
+          <p:cNvSpPr txBox="1"/>
+          <p:nvPr userDrawn="1"/>
+        </p:nvSpPr>
+        <p:spPr>
+          <a:xfrm>
+            <a:off x="6951504" y="4771178"/>
+            <a:ext cx="2192496" cy="400110"/>
+          </a:xfrm>
+          <a:prstGeom prst="rect">
+            <a:avLst/>
+          </a:prstGeom>
+          <a:noFill/>
+        </p:spPr>
+        <p:txBody>
+          <a:bodyPr wrap="square">
+            <a:spAutoFit/>
+          </a:bodyPr>
+          <a:lstStyle/>
+          <a:p>
+            <a:pPr marL="0" marR="0" lvl="0" indent="0" algn="l" defTabSz="914400" rtl="0" eaLnBrk="1" fontAlgn="auto" latinLnBrk="0" hangingPunct="1">
+              <a:lnSpc>
+                <a:spcPct val="100000"/>
+              </a:lnSpc>
+              <a:spcBef>
+                <a:spcPts val="0"/>
+              </a:spcBef>
+              <a:spcAft>
+                <a:spcPts val="0"/>
+              </a:spcAft>
+              <a:buClr>
+                <a:srgbClr val="000000"/>
+              </a:buClr>
+              <a:buSzTx/>
+              <a:buFont typeface="Arial"/>
+              <a:buNone/>
+              <a:tabLst/>
+              <a:defRPr/>
+            </a:pPr>
+            <a:r>
+              <a:rPr lang="en-IN" sz="1000" b="0" i="0" u="none" strike="noStrike" baseline="0" dirty="0">
+                <a:solidFill>
+                  <a:schemeClr val="tx1"/>
+                </a:solidFill>
+                <a:latin typeface="Poppins" pitchFamily="2" charset="77"/>
+                <a:cs typeface="Poppins" pitchFamily="2" charset="77"/>
+              </a:rPr>
+              <a:t>#</a:t>
+            </a:r>
+            <a:r>
+              <a:rPr lang="en-US" sz="1000" b="0" i="0" u="none" strike="noStrike" baseline="0" dirty="0">
+                <a:solidFill>
+                  <a:schemeClr val="tx1"/>
+                </a:solidFill>
+                <a:latin typeface="Poppins Light" pitchFamily="2" charset="77"/>
+                <a:cs typeface="Poppins Light" pitchFamily="2" charset="77"/>
+              </a:rPr>
+              <a:t>Innovation AI Chennai</a:t>
+            </a:r>
+            <a:endParaRPr lang="en-US" sz="1000" b="0" i="0" dirty="0">
+              <a:solidFill>
+                <a:schemeClr val="tx1"/>
+              </a:solidFill>
+              <a:latin typeface="Poppins Light" pitchFamily="2" charset="77"/>
+              <a:cs typeface="Poppins Light" pitchFamily="2" charset="77"/>
+            </a:endParaRPr>
+          </a:p>
+          <a:p>
+            <a:endParaRPr lang="en-IN" sz="1000" b="0" dirty="0">
+              <a:solidFill>
+                <a:schemeClr val="tx1"/>
+              </a:solidFill>
+              <a:latin typeface="Poppins" pitchFamily="2" charset="77"/>
+              <a:cs typeface="Poppins" pitchFamily="2" charset="77"/>
+            </a:endParaRPr>
           </a:p>
         </p:txBody>
       </p:sp>
@@ -7832,6 +6345,178 @@
           </a:p>
         </p:txBody>
       </p:sp>
+      <p:sp>
+        <p:nvSpPr>
+          <p:cNvPr id="7" name="TextBox 6">
+            <a:extLst>
+              <a:ext uri="{FF2B5EF4-FFF2-40B4-BE49-F238E27FC236}">
+                <a16:creationId xmlns:a16="http://schemas.microsoft.com/office/drawing/2014/main" xmlns="" id="{C74BB349-E93D-F78B-9275-58D3025BD773}"/>
+              </a:ext>
+            </a:extLst>
+          </p:cNvPr>
+          <p:cNvSpPr txBox="1"/>
+          <p:nvPr userDrawn="1"/>
+        </p:nvSpPr>
+        <p:spPr>
+          <a:xfrm>
+            <a:off x="250666" y="4771178"/>
+            <a:ext cx="2471751" cy="400110"/>
+          </a:xfrm>
+          <a:prstGeom prst="rect">
+            <a:avLst/>
+          </a:prstGeom>
+          <a:noFill/>
+        </p:spPr>
+        <p:txBody>
+          <a:bodyPr wrap="square">
+            <a:spAutoFit/>
+          </a:bodyPr>
+          <a:lstStyle/>
+          <a:p>
+            <a:pPr marL="0" marR="0" lvl="0" indent="0" algn="l" defTabSz="914400" rtl="0" eaLnBrk="1" fontAlgn="auto" latinLnBrk="0" hangingPunct="1">
+              <a:lnSpc>
+                <a:spcPct val="100000"/>
+              </a:lnSpc>
+              <a:spcBef>
+                <a:spcPts val="0"/>
+              </a:spcBef>
+              <a:spcAft>
+                <a:spcPts val="0"/>
+              </a:spcAft>
+              <a:buClr>
+                <a:srgbClr val="000000"/>
+              </a:buClr>
+              <a:buSzTx/>
+              <a:buFont typeface="Arial"/>
+              <a:buNone/>
+              <a:tabLst/>
+              <a:defRPr/>
+            </a:pPr>
+            <a:r>
+              <a:rPr lang="en-IN" sz="1000" b="0" i="0" u="none" strike="noStrike" baseline="0" dirty="0" smtClean="0">
+                <a:solidFill>
+                  <a:schemeClr val="tx1"/>
+                </a:solidFill>
+                <a:latin typeface="Poppins" pitchFamily="2" charset="77"/>
+                <a:cs typeface="Poppins" pitchFamily="2" charset="77"/>
+              </a:rPr>
+              <a:t>#</a:t>
+            </a:r>
+            <a:r>
+              <a:rPr lang="en-IN" sz="1000" b="0" i="0" u="none" strike="noStrike" baseline="0" dirty="0" smtClean="0">
+                <a:solidFill>
+                  <a:schemeClr val="tx1"/>
+                </a:solidFill>
+                <a:latin typeface="Poppins Light" pitchFamily="2" charset="77"/>
+                <a:cs typeface="Poppins Light" pitchFamily="2" charset="77"/>
+              </a:rPr>
+              <a:t>Azure Developer Community TN</a:t>
+            </a:r>
+            <a:endParaRPr lang="en-US" sz="1000" b="0" i="0" dirty="0" smtClean="0">
+              <a:solidFill>
+                <a:schemeClr val="tx1"/>
+              </a:solidFill>
+              <a:latin typeface="Poppins Light" pitchFamily="2" charset="77"/>
+              <a:cs typeface="Poppins Light" pitchFamily="2" charset="77"/>
+            </a:endParaRPr>
+          </a:p>
+          <a:p>
+            <a:endParaRPr lang="en-IN" sz="1000" b="0" dirty="0">
+              <a:solidFill>
+                <a:schemeClr val="tx1"/>
+              </a:solidFill>
+              <a:latin typeface="Poppins" pitchFamily="2" charset="77"/>
+              <a:cs typeface="Poppins" pitchFamily="2" charset="77"/>
+            </a:endParaRPr>
+          </a:p>
+        </p:txBody>
+      </p:sp>
+      <p:sp>
+        <p:nvSpPr>
+          <p:cNvPr id="8" name="TextBox 7">
+            <a:extLst>
+              <a:ext uri="{FF2B5EF4-FFF2-40B4-BE49-F238E27FC236}">
+                <a16:creationId xmlns:a16="http://schemas.microsoft.com/office/drawing/2014/main" xmlns="" id="{85ADDEDD-0E46-6DD5-1FBD-8E12C7A8C14D}"/>
+              </a:ext>
+            </a:extLst>
+          </p:cNvPr>
+          <p:cNvSpPr txBox="1"/>
+          <p:nvPr userDrawn="1"/>
+        </p:nvSpPr>
+        <p:spPr>
+          <a:xfrm>
+            <a:off x="6951504" y="4771178"/>
+            <a:ext cx="2192496" cy="400110"/>
+          </a:xfrm>
+          <a:prstGeom prst="rect">
+            <a:avLst/>
+          </a:prstGeom>
+          <a:noFill/>
+        </p:spPr>
+        <p:txBody>
+          <a:bodyPr wrap="square">
+            <a:spAutoFit/>
+          </a:bodyPr>
+          <a:lstStyle/>
+          <a:p>
+            <a:pPr marL="0" marR="0" lvl="0" indent="0" algn="l" defTabSz="914400" rtl="0" eaLnBrk="1" fontAlgn="auto" latinLnBrk="0" hangingPunct="1">
+              <a:lnSpc>
+                <a:spcPct val="100000"/>
+              </a:lnSpc>
+              <a:spcBef>
+                <a:spcPts val="0"/>
+              </a:spcBef>
+              <a:spcAft>
+                <a:spcPts val="0"/>
+              </a:spcAft>
+              <a:buClr>
+                <a:srgbClr val="000000"/>
+              </a:buClr>
+              <a:buSzTx/>
+              <a:buFont typeface="Arial"/>
+              <a:buNone/>
+              <a:tabLst/>
+              <a:defRPr/>
+            </a:pPr>
+            <a:r>
+              <a:rPr lang="en-IN" sz="1000" b="0" i="0" u="none" strike="noStrike" baseline="0" dirty="0">
+                <a:solidFill>
+                  <a:schemeClr val="tx1"/>
+                </a:solidFill>
+                <a:latin typeface="Poppins" pitchFamily="2" charset="77"/>
+                <a:cs typeface="Poppins" pitchFamily="2" charset="77"/>
+              </a:rPr>
+              <a:t>#</a:t>
+            </a:r>
+            <a:r>
+              <a:rPr lang="en-US" sz="1000" b="0" i="0" u="none" strike="noStrike" baseline="0" dirty="0">
+                <a:solidFill>
+                  <a:schemeClr val="tx1"/>
+                </a:solidFill>
+                <a:latin typeface="Poppins Light" pitchFamily="2" charset="77"/>
+                <a:cs typeface="Poppins Light" pitchFamily="2" charset="77"/>
+              </a:rPr>
+              <a:t>Innovation AI Chennai</a:t>
+            </a:r>
+            <a:endParaRPr lang="en-US" sz="1000" b="0" i="0" dirty="0">
+              <a:solidFill>
+                <a:schemeClr val="tx1"/>
+              </a:solidFill>
+              <a:latin typeface="Poppins Light" pitchFamily="2" charset="77"/>
+              <a:cs typeface="Poppins Light" pitchFamily="2" charset="77"/>
+            </a:endParaRPr>
+          </a:p>
+          <a:p>
+            <a:endParaRPr lang="en-IN" sz="1000" b="0" dirty="0">
+              <a:solidFill>
+                <a:schemeClr val="tx1"/>
+              </a:solidFill>
+              <a:latin typeface="Poppins" pitchFamily="2" charset="77"/>
+              <a:cs typeface="Poppins" pitchFamily="2" charset="77"/>
+            </a:endParaRPr>
+          </a:p>
+        </p:txBody>
+      </p:sp>
     </p:spTree>
   </p:cSld>
   <p:clrMapOvr>
@@ -7980,6 +6665,178 @@
           </a:p>
         </p:txBody>
       </p:sp>
+      <p:sp>
+        <p:nvSpPr>
+          <p:cNvPr id="4" name="TextBox 3">
+            <a:extLst>
+              <a:ext uri="{FF2B5EF4-FFF2-40B4-BE49-F238E27FC236}">
+                <a16:creationId xmlns:a16="http://schemas.microsoft.com/office/drawing/2014/main" xmlns="" id="{C74BB349-E93D-F78B-9275-58D3025BD773}"/>
+              </a:ext>
+            </a:extLst>
+          </p:cNvPr>
+          <p:cNvSpPr txBox="1"/>
+          <p:nvPr userDrawn="1"/>
+        </p:nvSpPr>
+        <p:spPr>
+          <a:xfrm>
+            <a:off x="250666" y="4771178"/>
+            <a:ext cx="2471751" cy="400110"/>
+          </a:xfrm>
+          <a:prstGeom prst="rect">
+            <a:avLst/>
+          </a:prstGeom>
+          <a:noFill/>
+        </p:spPr>
+        <p:txBody>
+          <a:bodyPr wrap="square">
+            <a:spAutoFit/>
+          </a:bodyPr>
+          <a:lstStyle/>
+          <a:p>
+            <a:pPr marL="0" marR="0" lvl="0" indent="0" algn="l" defTabSz="914400" rtl="0" eaLnBrk="1" fontAlgn="auto" latinLnBrk="0" hangingPunct="1">
+              <a:lnSpc>
+                <a:spcPct val="100000"/>
+              </a:lnSpc>
+              <a:spcBef>
+                <a:spcPts val="0"/>
+              </a:spcBef>
+              <a:spcAft>
+                <a:spcPts val="0"/>
+              </a:spcAft>
+              <a:buClr>
+                <a:srgbClr val="000000"/>
+              </a:buClr>
+              <a:buSzTx/>
+              <a:buFont typeface="Arial"/>
+              <a:buNone/>
+              <a:tabLst/>
+              <a:defRPr/>
+            </a:pPr>
+            <a:r>
+              <a:rPr lang="en-IN" sz="1000" b="0" i="0" u="none" strike="noStrike" baseline="0" dirty="0" smtClean="0">
+                <a:solidFill>
+                  <a:schemeClr val="tx1"/>
+                </a:solidFill>
+                <a:latin typeface="Poppins" pitchFamily="2" charset="77"/>
+                <a:cs typeface="Poppins" pitchFamily="2" charset="77"/>
+              </a:rPr>
+              <a:t>#</a:t>
+            </a:r>
+            <a:r>
+              <a:rPr lang="en-IN" sz="1000" b="0" i="0" u="none" strike="noStrike" baseline="0" dirty="0" smtClean="0">
+                <a:solidFill>
+                  <a:schemeClr val="tx1"/>
+                </a:solidFill>
+                <a:latin typeface="Poppins Light" pitchFamily="2" charset="77"/>
+                <a:cs typeface="Poppins Light" pitchFamily="2" charset="77"/>
+              </a:rPr>
+              <a:t>Azure Developer Community TN</a:t>
+            </a:r>
+            <a:endParaRPr lang="en-US" sz="1000" b="0" i="0" dirty="0" smtClean="0">
+              <a:solidFill>
+                <a:schemeClr val="tx1"/>
+              </a:solidFill>
+              <a:latin typeface="Poppins Light" pitchFamily="2" charset="77"/>
+              <a:cs typeface="Poppins Light" pitchFamily="2" charset="77"/>
+            </a:endParaRPr>
+          </a:p>
+          <a:p>
+            <a:endParaRPr lang="en-IN" sz="1000" b="0" dirty="0">
+              <a:solidFill>
+                <a:schemeClr val="tx1"/>
+              </a:solidFill>
+              <a:latin typeface="Poppins" pitchFamily="2" charset="77"/>
+              <a:cs typeface="Poppins" pitchFamily="2" charset="77"/>
+            </a:endParaRPr>
+          </a:p>
+        </p:txBody>
+      </p:sp>
+      <p:sp>
+        <p:nvSpPr>
+          <p:cNvPr id="5" name="TextBox 4">
+            <a:extLst>
+              <a:ext uri="{FF2B5EF4-FFF2-40B4-BE49-F238E27FC236}">
+                <a16:creationId xmlns:a16="http://schemas.microsoft.com/office/drawing/2014/main" xmlns="" id="{85ADDEDD-0E46-6DD5-1FBD-8E12C7A8C14D}"/>
+              </a:ext>
+            </a:extLst>
+          </p:cNvPr>
+          <p:cNvSpPr txBox="1"/>
+          <p:nvPr userDrawn="1"/>
+        </p:nvSpPr>
+        <p:spPr>
+          <a:xfrm>
+            <a:off x="6951504" y="4771178"/>
+            <a:ext cx="2192496" cy="400110"/>
+          </a:xfrm>
+          <a:prstGeom prst="rect">
+            <a:avLst/>
+          </a:prstGeom>
+          <a:noFill/>
+        </p:spPr>
+        <p:txBody>
+          <a:bodyPr wrap="square">
+            <a:spAutoFit/>
+          </a:bodyPr>
+          <a:lstStyle/>
+          <a:p>
+            <a:pPr marL="0" marR="0" lvl="0" indent="0" algn="l" defTabSz="914400" rtl="0" eaLnBrk="1" fontAlgn="auto" latinLnBrk="0" hangingPunct="1">
+              <a:lnSpc>
+                <a:spcPct val="100000"/>
+              </a:lnSpc>
+              <a:spcBef>
+                <a:spcPts val="0"/>
+              </a:spcBef>
+              <a:spcAft>
+                <a:spcPts val="0"/>
+              </a:spcAft>
+              <a:buClr>
+                <a:srgbClr val="000000"/>
+              </a:buClr>
+              <a:buSzTx/>
+              <a:buFont typeface="Arial"/>
+              <a:buNone/>
+              <a:tabLst/>
+              <a:defRPr/>
+            </a:pPr>
+            <a:r>
+              <a:rPr lang="en-IN" sz="1000" b="0" i="0" u="none" strike="noStrike" baseline="0" dirty="0">
+                <a:solidFill>
+                  <a:schemeClr val="tx1"/>
+                </a:solidFill>
+                <a:latin typeface="Poppins" pitchFamily="2" charset="77"/>
+                <a:cs typeface="Poppins" pitchFamily="2" charset="77"/>
+              </a:rPr>
+              <a:t>#</a:t>
+            </a:r>
+            <a:r>
+              <a:rPr lang="en-US" sz="1000" b="0" i="0" u="none" strike="noStrike" baseline="0" dirty="0">
+                <a:solidFill>
+                  <a:schemeClr val="tx1"/>
+                </a:solidFill>
+                <a:latin typeface="Poppins Light" pitchFamily="2" charset="77"/>
+                <a:cs typeface="Poppins Light" pitchFamily="2" charset="77"/>
+              </a:rPr>
+              <a:t>Innovation AI Chennai</a:t>
+            </a:r>
+            <a:endParaRPr lang="en-US" sz="1000" b="0" i="0" dirty="0">
+              <a:solidFill>
+                <a:schemeClr val="tx1"/>
+              </a:solidFill>
+              <a:latin typeface="Poppins Light" pitchFamily="2" charset="77"/>
+              <a:cs typeface="Poppins Light" pitchFamily="2" charset="77"/>
+            </a:endParaRPr>
+          </a:p>
+          <a:p>
+            <a:endParaRPr lang="en-IN" sz="1000" b="0" dirty="0">
+              <a:solidFill>
+                <a:schemeClr val="tx1"/>
+              </a:solidFill>
+              <a:latin typeface="Poppins" pitchFamily="2" charset="77"/>
+              <a:cs typeface="Poppins" pitchFamily="2" charset="77"/>
+            </a:endParaRPr>
+          </a:p>
+        </p:txBody>
+      </p:sp>
     </p:spTree>
   </p:cSld>
   <p:clrMapOvr>
@@ -8344,6 +7201,178 @@
           </a:p>
         </p:txBody>
       </p:sp>
+      <p:sp>
+        <p:nvSpPr>
+          <p:cNvPr id="5" name="TextBox 4">
+            <a:extLst>
+              <a:ext uri="{FF2B5EF4-FFF2-40B4-BE49-F238E27FC236}">
+                <a16:creationId xmlns:a16="http://schemas.microsoft.com/office/drawing/2014/main" xmlns="" id="{C74BB349-E93D-F78B-9275-58D3025BD773}"/>
+              </a:ext>
+            </a:extLst>
+          </p:cNvPr>
+          <p:cNvSpPr txBox="1"/>
+          <p:nvPr userDrawn="1"/>
+        </p:nvSpPr>
+        <p:spPr>
+          <a:xfrm>
+            <a:off x="250666" y="4771178"/>
+            <a:ext cx="2471751" cy="400110"/>
+          </a:xfrm>
+          <a:prstGeom prst="rect">
+            <a:avLst/>
+          </a:prstGeom>
+          <a:noFill/>
+        </p:spPr>
+        <p:txBody>
+          <a:bodyPr wrap="square">
+            <a:spAutoFit/>
+          </a:bodyPr>
+          <a:lstStyle/>
+          <a:p>
+            <a:pPr marL="0" marR="0" lvl="0" indent="0" algn="l" defTabSz="914400" rtl="0" eaLnBrk="1" fontAlgn="auto" latinLnBrk="0" hangingPunct="1">
+              <a:lnSpc>
+                <a:spcPct val="100000"/>
+              </a:lnSpc>
+              <a:spcBef>
+                <a:spcPts val="0"/>
+              </a:spcBef>
+              <a:spcAft>
+                <a:spcPts val="0"/>
+              </a:spcAft>
+              <a:buClr>
+                <a:srgbClr val="000000"/>
+              </a:buClr>
+              <a:buSzTx/>
+              <a:buFont typeface="Arial"/>
+              <a:buNone/>
+              <a:tabLst/>
+              <a:defRPr/>
+            </a:pPr>
+            <a:r>
+              <a:rPr lang="en-IN" sz="1000" b="0" i="0" u="none" strike="noStrike" baseline="0" dirty="0" smtClean="0">
+                <a:solidFill>
+                  <a:schemeClr val="tx1"/>
+                </a:solidFill>
+                <a:latin typeface="Poppins" pitchFamily="2" charset="77"/>
+                <a:cs typeface="Poppins" pitchFamily="2" charset="77"/>
+              </a:rPr>
+              <a:t>#</a:t>
+            </a:r>
+            <a:r>
+              <a:rPr lang="en-IN" sz="1000" b="0" i="0" u="none" strike="noStrike" baseline="0" dirty="0" smtClean="0">
+                <a:solidFill>
+                  <a:schemeClr val="tx1"/>
+                </a:solidFill>
+                <a:latin typeface="Poppins Light" pitchFamily="2" charset="77"/>
+                <a:cs typeface="Poppins Light" pitchFamily="2" charset="77"/>
+              </a:rPr>
+              <a:t>Azure Developer Community TN</a:t>
+            </a:r>
+            <a:endParaRPr lang="en-US" sz="1000" b="0" i="0" dirty="0" smtClean="0">
+              <a:solidFill>
+                <a:schemeClr val="tx1"/>
+              </a:solidFill>
+              <a:latin typeface="Poppins Light" pitchFamily="2" charset="77"/>
+              <a:cs typeface="Poppins Light" pitchFamily="2" charset="77"/>
+            </a:endParaRPr>
+          </a:p>
+          <a:p>
+            <a:endParaRPr lang="en-IN" sz="1000" b="0" dirty="0">
+              <a:solidFill>
+                <a:schemeClr val="tx1"/>
+              </a:solidFill>
+              <a:latin typeface="Poppins" pitchFamily="2" charset="77"/>
+              <a:cs typeface="Poppins" pitchFamily="2" charset="77"/>
+            </a:endParaRPr>
+          </a:p>
+        </p:txBody>
+      </p:sp>
+      <p:sp>
+        <p:nvSpPr>
+          <p:cNvPr id="6" name="TextBox 5">
+            <a:extLst>
+              <a:ext uri="{FF2B5EF4-FFF2-40B4-BE49-F238E27FC236}">
+                <a16:creationId xmlns:a16="http://schemas.microsoft.com/office/drawing/2014/main" xmlns="" id="{85ADDEDD-0E46-6DD5-1FBD-8E12C7A8C14D}"/>
+              </a:ext>
+            </a:extLst>
+          </p:cNvPr>
+          <p:cNvSpPr txBox="1"/>
+          <p:nvPr userDrawn="1"/>
+        </p:nvSpPr>
+        <p:spPr>
+          <a:xfrm>
+            <a:off x="6951504" y="4771178"/>
+            <a:ext cx="2192496" cy="400110"/>
+          </a:xfrm>
+          <a:prstGeom prst="rect">
+            <a:avLst/>
+          </a:prstGeom>
+          <a:noFill/>
+        </p:spPr>
+        <p:txBody>
+          <a:bodyPr wrap="square">
+            <a:spAutoFit/>
+          </a:bodyPr>
+          <a:lstStyle/>
+          <a:p>
+            <a:pPr marL="0" marR="0" lvl="0" indent="0" algn="l" defTabSz="914400" rtl="0" eaLnBrk="1" fontAlgn="auto" latinLnBrk="0" hangingPunct="1">
+              <a:lnSpc>
+                <a:spcPct val="100000"/>
+              </a:lnSpc>
+              <a:spcBef>
+                <a:spcPts val="0"/>
+              </a:spcBef>
+              <a:spcAft>
+                <a:spcPts val="0"/>
+              </a:spcAft>
+              <a:buClr>
+                <a:srgbClr val="000000"/>
+              </a:buClr>
+              <a:buSzTx/>
+              <a:buFont typeface="Arial"/>
+              <a:buNone/>
+              <a:tabLst/>
+              <a:defRPr/>
+            </a:pPr>
+            <a:r>
+              <a:rPr lang="en-IN" sz="1000" b="0" i="0" u="none" strike="noStrike" baseline="0" dirty="0">
+                <a:solidFill>
+                  <a:schemeClr val="tx1"/>
+                </a:solidFill>
+                <a:latin typeface="Poppins" pitchFamily="2" charset="77"/>
+                <a:cs typeface="Poppins" pitchFamily="2" charset="77"/>
+              </a:rPr>
+              <a:t>#</a:t>
+            </a:r>
+            <a:r>
+              <a:rPr lang="en-US" sz="1000" b="0" i="0" u="none" strike="noStrike" baseline="0" dirty="0">
+                <a:solidFill>
+                  <a:schemeClr val="tx1"/>
+                </a:solidFill>
+                <a:latin typeface="Poppins Light" pitchFamily="2" charset="77"/>
+                <a:cs typeface="Poppins Light" pitchFamily="2" charset="77"/>
+              </a:rPr>
+              <a:t>Innovation AI Chennai</a:t>
+            </a:r>
+            <a:endParaRPr lang="en-US" sz="1000" b="0" i="0" dirty="0">
+              <a:solidFill>
+                <a:schemeClr val="tx1"/>
+              </a:solidFill>
+              <a:latin typeface="Poppins Light" pitchFamily="2" charset="77"/>
+              <a:cs typeface="Poppins Light" pitchFamily="2" charset="77"/>
+            </a:endParaRPr>
+          </a:p>
+          <a:p>
+            <a:endParaRPr lang="en-IN" sz="1000" b="0" dirty="0">
+              <a:solidFill>
+                <a:schemeClr val="tx1"/>
+              </a:solidFill>
+              <a:latin typeface="Poppins" pitchFamily="2" charset="77"/>
+              <a:cs typeface="Poppins" pitchFamily="2" charset="77"/>
+            </a:endParaRPr>
+          </a:p>
+        </p:txBody>
+      </p:sp>
     </p:spTree>
   </p:cSld>
   <p:clrMapOvr>
@@ -8374,7 +7403,7 @@
           <p:cNvPr id="3" name="Title 1">
             <a:extLst>
               <a:ext uri="{FF2B5EF4-FFF2-40B4-BE49-F238E27FC236}">
-                <a16:creationId xmlns:a16="http://schemas.microsoft.com/office/drawing/2014/main" id="{67E2EE96-CAD6-46F7-AEB7-00C81021CC84}"/>
+                <a16:creationId xmlns:a16="http://schemas.microsoft.com/office/drawing/2014/main" xmlns="" id="{67E2EE96-CAD6-46F7-AEB7-00C81021CC84}"/>
               </a:ext>
             </a:extLst>
           </p:cNvPr>
@@ -8435,7 +7464,7 @@
           <p:cNvPr id="9" name="Text Placeholder 4">
             <a:extLst>
               <a:ext uri="{FF2B5EF4-FFF2-40B4-BE49-F238E27FC236}">
-                <a16:creationId xmlns:a16="http://schemas.microsoft.com/office/drawing/2014/main" id="{EAD98D2E-15E9-4E97-B820-4F26956CA8B1}"/>
+                <a16:creationId xmlns:a16="http://schemas.microsoft.com/office/drawing/2014/main" xmlns="" id="{EAD98D2E-15E9-4E97-B820-4F26956CA8B1}"/>
               </a:ext>
             </a:extLst>
           </p:cNvPr>
@@ -8489,10 +7518,10 @@
       </p:sp>
       <p:sp>
         <p:nvSpPr>
-          <p:cNvPr id="4" name="TextBox 3">
+          <p:cNvPr id="6" name="TextBox 5">
             <a:extLst>
               <a:ext uri="{FF2B5EF4-FFF2-40B4-BE49-F238E27FC236}">
-                <a16:creationId xmlns:a16="http://schemas.microsoft.com/office/drawing/2014/main" id="{C74BB349-E93D-F78B-9275-58D3025BD773}"/>
+                <a16:creationId xmlns:a16="http://schemas.microsoft.com/office/drawing/2014/main" xmlns="" id="{C74BB349-E93D-F78B-9275-58D3025BD773}"/>
               </a:ext>
             </a:extLst>
           </p:cNvPr>
@@ -8501,7 +7530,93 @@
         </p:nvSpPr>
         <p:spPr>
           <a:xfrm>
-            <a:off x="250667" y="4771178"/>
+            <a:off x="236182" y="4771178"/>
+            <a:ext cx="2471751" cy="400110"/>
+          </a:xfrm>
+          <a:prstGeom prst="rect">
+            <a:avLst/>
+          </a:prstGeom>
+          <a:noFill/>
+        </p:spPr>
+        <p:txBody>
+          <a:bodyPr wrap="square">
+            <a:spAutoFit/>
+          </a:bodyPr>
+          <a:lstStyle/>
+          <a:p>
+            <a:pPr marL="0" marR="0" lvl="0" indent="0" algn="l" defTabSz="914400" rtl="0" eaLnBrk="1" fontAlgn="auto" latinLnBrk="0" hangingPunct="1">
+              <a:lnSpc>
+                <a:spcPct val="100000"/>
+              </a:lnSpc>
+              <a:spcBef>
+                <a:spcPts val="0"/>
+              </a:spcBef>
+              <a:spcAft>
+                <a:spcPts val="0"/>
+              </a:spcAft>
+              <a:buClr>
+                <a:srgbClr val="000000"/>
+              </a:buClr>
+              <a:buSzTx/>
+              <a:buFont typeface="Arial"/>
+              <a:buNone/>
+              <a:tabLst/>
+              <a:defRPr/>
+            </a:pPr>
+            <a:r>
+              <a:rPr lang="en-IN" sz="1000" b="0" i="0" u="none" strike="noStrike" baseline="0" dirty="0" smtClean="0">
+                <a:solidFill>
+                  <a:schemeClr val="tx1"/>
+                </a:solidFill>
+                <a:latin typeface="Poppins" pitchFamily="2" charset="77"/>
+                <a:cs typeface="Poppins" pitchFamily="2" charset="77"/>
+              </a:rPr>
+              <a:t>#</a:t>
+            </a:r>
+            <a:r>
+              <a:rPr lang="en-IN" sz="1000" b="0" i="0" u="none" strike="noStrike" baseline="0" dirty="0" smtClean="0">
+                <a:solidFill>
+                  <a:schemeClr val="tx1"/>
+                </a:solidFill>
+                <a:latin typeface="Poppins Light" pitchFamily="2" charset="77"/>
+                <a:cs typeface="Poppins Light" pitchFamily="2" charset="77"/>
+              </a:rPr>
+              <a:t>Azure Developer Community TN</a:t>
+            </a:r>
+            <a:endParaRPr lang="en-US" sz="1000" b="0" i="0" dirty="0" smtClean="0">
+              <a:solidFill>
+                <a:schemeClr val="tx1"/>
+              </a:solidFill>
+              <a:latin typeface="Poppins Light" pitchFamily="2" charset="77"/>
+              <a:cs typeface="Poppins Light" pitchFamily="2" charset="77"/>
+            </a:endParaRPr>
+          </a:p>
+          <a:p>
+            <a:endParaRPr lang="en-IN" sz="1000" b="0" dirty="0">
+              <a:solidFill>
+                <a:schemeClr val="tx1"/>
+              </a:solidFill>
+              <a:latin typeface="Poppins" pitchFamily="2" charset="77"/>
+              <a:cs typeface="Poppins" pitchFamily="2" charset="77"/>
+            </a:endParaRPr>
+          </a:p>
+        </p:txBody>
+      </p:sp>
+      <p:sp>
+        <p:nvSpPr>
+          <p:cNvPr id="7" name="TextBox 6">
+            <a:extLst>
+              <a:ext uri="{FF2B5EF4-FFF2-40B4-BE49-F238E27FC236}">
+                <a16:creationId xmlns:a16="http://schemas.microsoft.com/office/drawing/2014/main" xmlns="" id="{85ADDEDD-0E46-6DD5-1FBD-8E12C7A8C14D}"/>
+              </a:ext>
+            </a:extLst>
+          </p:cNvPr>
+          <p:cNvSpPr txBox="1"/>
+          <p:nvPr userDrawn="1"/>
+        </p:nvSpPr>
+        <p:spPr>
+          <a:xfrm>
+            <a:off x="6951504" y="4771178"/>
             <a:ext cx="2192496" cy="400110"/>
           </a:xfrm>
           <a:prstGeom prst="rect">
@@ -8545,14 +7660,14 @@
               <a:t>#</a:t>
             </a:r>
             <a:r>
-              <a:rPr lang="en-IN" sz="1000" b="0" i="0" u="none" strike="noStrike" baseline="0" dirty="0">
+              <a:rPr lang="en-US" sz="1000" b="0" i="0" u="none" strike="noStrike" baseline="0" dirty="0">
                 <a:solidFill>
                   <a:schemeClr val="tx1"/>
                 </a:solidFill>
                 <a:latin typeface="Poppins Light" pitchFamily="2" charset="77"/>
                 <a:cs typeface="Poppins Light" pitchFamily="2" charset="77"/>
               </a:rPr>
-              <a:t>Azure Developer Community</a:t>
+              <a:t>Innovation AI Chennai</a:t>
             </a:r>
             <a:endParaRPr lang="en-US" sz="1000" b="0" i="0" dirty="0">
               <a:solidFill>
@@ -8616,7 +7731,7 @@
           <p:cNvPr id="4" name="Title 1">
             <a:extLst>
               <a:ext uri="{FF2B5EF4-FFF2-40B4-BE49-F238E27FC236}">
-                <a16:creationId xmlns:a16="http://schemas.microsoft.com/office/drawing/2014/main" id="{4BFD5B93-2926-40E7-8152-4B1DB45D531F}"/>
+                <a16:creationId xmlns:a16="http://schemas.microsoft.com/office/drawing/2014/main" xmlns="" id="{4BFD5B93-2926-40E7-8152-4B1DB45D531F}"/>
               </a:ext>
             </a:extLst>
           </p:cNvPr>
@@ -8677,7 +7792,7 @@
           <p:cNvPr id="6" name="Text Placeholder 4">
             <a:extLst>
               <a:ext uri="{FF2B5EF4-FFF2-40B4-BE49-F238E27FC236}">
-                <a16:creationId xmlns:a16="http://schemas.microsoft.com/office/drawing/2014/main" id="{34EDE0F8-003E-446A-9CCB-3D93AD93B0FD}"/>
+                <a16:creationId xmlns:a16="http://schemas.microsoft.com/office/drawing/2014/main" xmlns="" id="{34EDE0F8-003E-446A-9CCB-3D93AD93B0FD}"/>
               </a:ext>
             </a:extLst>
           </p:cNvPr>
@@ -8728,7 +7843,7 @@
           <p:cNvPr id="7" name="Text Placeholder 4">
             <a:extLst>
               <a:ext uri="{FF2B5EF4-FFF2-40B4-BE49-F238E27FC236}">
-                <a16:creationId xmlns:a16="http://schemas.microsoft.com/office/drawing/2014/main" id="{883B0BDC-EFBE-4EE2-9446-E8320596B2C6}"/>
+                <a16:creationId xmlns:a16="http://schemas.microsoft.com/office/drawing/2014/main" xmlns="" id="{883B0BDC-EFBE-4EE2-9446-E8320596B2C6}"/>
               </a:ext>
             </a:extLst>
           </p:cNvPr>
@@ -8779,7 +7894,7 @@
           <p:cNvPr id="9" name="Text Placeholder 4">
             <a:extLst>
               <a:ext uri="{FF2B5EF4-FFF2-40B4-BE49-F238E27FC236}">
-                <a16:creationId xmlns:a16="http://schemas.microsoft.com/office/drawing/2014/main" id="{022C9921-9FD0-4BF0-BE16-2A88E9B884AB}"/>
+                <a16:creationId xmlns:a16="http://schemas.microsoft.com/office/drawing/2014/main" xmlns="" id="{022C9921-9FD0-4BF0-BE16-2A88E9B884AB}"/>
               </a:ext>
             </a:extLst>
           </p:cNvPr>
@@ -8830,7 +7945,7 @@
           <p:cNvPr id="10" name="Text Placeholder 4">
             <a:extLst>
               <a:ext uri="{FF2B5EF4-FFF2-40B4-BE49-F238E27FC236}">
-                <a16:creationId xmlns:a16="http://schemas.microsoft.com/office/drawing/2014/main" id="{123A88AD-7DAB-4B6E-963C-F0374313C22B}"/>
+                <a16:creationId xmlns:a16="http://schemas.microsoft.com/office/drawing/2014/main" xmlns="" id="{123A88AD-7DAB-4B6E-963C-F0374313C22B}"/>
               </a:ext>
             </a:extLst>
           </p:cNvPr>
@@ -8881,7 +7996,7 @@
           <p:cNvPr id="17" name="Text Placeholder 16">
             <a:extLst>
               <a:ext uri="{FF2B5EF4-FFF2-40B4-BE49-F238E27FC236}">
-                <a16:creationId xmlns:a16="http://schemas.microsoft.com/office/drawing/2014/main" id="{544298FB-4D19-41BA-A056-1EB0429A64C2}"/>
+                <a16:creationId xmlns:a16="http://schemas.microsoft.com/office/drawing/2014/main" xmlns="" id="{544298FB-4D19-41BA-A056-1EB0429A64C2}"/>
               </a:ext>
             </a:extLst>
           </p:cNvPr>
@@ -8931,7 +8046,7 @@
           <p:cNvPr id="8" name="Picture 7">
             <a:extLst>
               <a:ext uri="{FF2B5EF4-FFF2-40B4-BE49-F238E27FC236}">
-                <a16:creationId xmlns:a16="http://schemas.microsoft.com/office/drawing/2014/main" id="{5839C542-8226-D379-3603-62DB9CE3338B}"/>
+                <a16:creationId xmlns:a16="http://schemas.microsoft.com/office/drawing/2014/main" xmlns="" id="{5839C542-8226-D379-3603-62DB9CE3338B}"/>
               </a:ext>
             </a:extLst>
           </p:cNvPr>
@@ -8961,7 +8076,7 @@
           <p:cNvPr id="18" name="Picture 17">
             <a:extLst>
               <a:ext uri="{FF2B5EF4-FFF2-40B4-BE49-F238E27FC236}">
-                <a16:creationId xmlns:a16="http://schemas.microsoft.com/office/drawing/2014/main" id="{AEC3409D-5A13-B030-03A4-99AD4A61BD94}"/>
+                <a16:creationId xmlns:a16="http://schemas.microsoft.com/office/drawing/2014/main" xmlns="" id="{AEC3409D-5A13-B030-03A4-99AD4A61BD94}"/>
               </a:ext>
             </a:extLst>
           </p:cNvPr>
@@ -8988,10 +8103,10 @@
       </p:pic>
       <p:sp>
         <p:nvSpPr>
-          <p:cNvPr id="3" name="TextBox 2">
+          <p:cNvPr id="11" name="TextBox 10">
             <a:extLst>
               <a:ext uri="{FF2B5EF4-FFF2-40B4-BE49-F238E27FC236}">
-                <a16:creationId xmlns:a16="http://schemas.microsoft.com/office/drawing/2014/main" id="{1AD8F7E5-BB77-1109-4249-F7F9C2FADBDA}"/>
+                <a16:creationId xmlns:a16="http://schemas.microsoft.com/office/drawing/2014/main" xmlns="" id="{C74BB349-E93D-F78B-9275-58D3025BD773}"/>
               </a:ext>
             </a:extLst>
           </p:cNvPr>
@@ -9000,7 +8115,93 @@
         </p:nvSpPr>
         <p:spPr>
           <a:xfrm>
-            <a:off x="250667" y="4771178"/>
+            <a:off x="236182" y="4771178"/>
+            <a:ext cx="2471751" cy="400110"/>
+          </a:xfrm>
+          <a:prstGeom prst="rect">
+            <a:avLst/>
+          </a:prstGeom>
+          <a:noFill/>
+        </p:spPr>
+        <p:txBody>
+          <a:bodyPr wrap="square">
+            <a:spAutoFit/>
+          </a:bodyPr>
+          <a:lstStyle/>
+          <a:p>
+            <a:pPr marL="0" marR="0" lvl="0" indent="0" algn="l" defTabSz="914400" rtl="0" eaLnBrk="1" fontAlgn="auto" latinLnBrk="0" hangingPunct="1">
+              <a:lnSpc>
+                <a:spcPct val="100000"/>
+              </a:lnSpc>
+              <a:spcBef>
+                <a:spcPts val="0"/>
+              </a:spcBef>
+              <a:spcAft>
+                <a:spcPts val="0"/>
+              </a:spcAft>
+              <a:buClr>
+                <a:srgbClr val="000000"/>
+              </a:buClr>
+              <a:buSzTx/>
+              <a:buFont typeface="Arial"/>
+              <a:buNone/>
+              <a:tabLst/>
+              <a:defRPr/>
+            </a:pPr>
+            <a:r>
+              <a:rPr lang="en-IN" sz="1000" b="0" i="0" u="none" strike="noStrike" baseline="0" dirty="0" smtClean="0">
+                <a:solidFill>
+                  <a:schemeClr val="tx1"/>
+                </a:solidFill>
+                <a:latin typeface="Poppins" pitchFamily="2" charset="77"/>
+                <a:cs typeface="Poppins" pitchFamily="2" charset="77"/>
+              </a:rPr>
+              <a:t>#</a:t>
+            </a:r>
+            <a:r>
+              <a:rPr lang="en-IN" sz="1000" b="0" i="0" u="none" strike="noStrike" baseline="0" dirty="0" smtClean="0">
+                <a:solidFill>
+                  <a:schemeClr val="tx1"/>
+                </a:solidFill>
+                <a:latin typeface="Poppins Light" pitchFamily="2" charset="77"/>
+                <a:cs typeface="Poppins Light" pitchFamily="2" charset="77"/>
+              </a:rPr>
+              <a:t>Azure Developer Community TN</a:t>
+            </a:r>
+            <a:endParaRPr lang="en-US" sz="1000" b="0" i="0" dirty="0" smtClean="0">
+              <a:solidFill>
+                <a:schemeClr val="tx1"/>
+              </a:solidFill>
+              <a:latin typeface="Poppins Light" pitchFamily="2" charset="77"/>
+              <a:cs typeface="Poppins Light" pitchFamily="2" charset="77"/>
+            </a:endParaRPr>
+          </a:p>
+          <a:p>
+            <a:endParaRPr lang="en-IN" sz="1000" b="0" dirty="0">
+              <a:solidFill>
+                <a:schemeClr val="tx1"/>
+              </a:solidFill>
+              <a:latin typeface="Poppins" pitchFamily="2" charset="77"/>
+              <a:cs typeface="Poppins" pitchFamily="2" charset="77"/>
+            </a:endParaRPr>
+          </a:p>
+        </p:txBody>
+      </p:sp>
+      <p:sp>
+        <p:nvSpPr>
+          <p:cNvPr id="12" name="TextBox 11">
+            <a:extLst>
+              <a:ext uri="{FF2B5EF4-FFF2-40B4-BE49-F238E27FC236}">
+                <a16:creationId xmlns:a16="http://schemas.microsoft.com/office/drawing/2014/main" xmlns="" id="{85ADDEDD-0E46-6DD5-1FBD-8E12C7A8C14D}"/>
+              </a:ext>
+            </a:extLst>
+          </p:cNvPr>
+          <p:cNvSpPr txBox="1"/>
+          <p:nvPr userDrawn="1"/>
+        </p:nvSpPr>
+        <p:spPr>
+          <a:xfrm>
+            <a:off x="6951504" y="4771178"/>
             <a:ext cx="2192496" cy="400110"/>
           </a:xfrm>
           <a:prstGeom prst="rect">
@@ -9044,14 +8245,14 @@
               <a:t>#</a:t>
             </a:r>
             <a:r>
-              <a:rPr lang="en-IN" sz="1000" b="0" i="0" u="none" strike="noStrike" baseline="0" dirty="0">
+              <a:rPr lang="en-US" sz="1000" b="0" i="0" u="none" strike="noStrike" baseline="0" dirty="0">
                 <a:solidFill>
                   <a:schemeClr val="tx1"/>
                 </a:solidFill>
                 <a:latin typeface="Poppins Light" pitchFamily="2" charset="77"/>
                 <a:cs typeface="Poppins Light" pitchFamily="2" charset="77"/>
               </a:rPr>
-              <a:t>Azure Developer Community</a:t>
+              <a:t>Innovation AI Chennai</a:t>
             </a:r>
             <a:endParaRPr lang="en-US" sz="1000" b="0" i="0" dirty="0">
               <a:solidFill>
@@ -9082,7 +8283,7 @@
   <p:clrMapOvr>
     <a:overrideClrMapping bg1="lt1" tx1="dk1" bg2="lt2" tx2="dk2" accent1="accent1" accent2="accent2" accent3="accent3" accent4="accent4" accent5="accent5" accent6="accent6" hlink="hlink" folHlink="folHlink"/>
   </p:clrMapOvr>
-  <p:extLst>
+  <p:extLst mod="1">
     <p:ext uri="{DCECCB84-F9BA-43D5-87BE-67443E8EF086}">
       <p15:sldGuideLst xmlns:p15="http://schemas.microsoft.com/office/powerpoint/2012/main">
         <p15:guide id="1" orient="horz" pos="2228">
@@ -9128,7 +8329,7 @@
           <p:cNvPr id="2" name="Title 1">
             <a:extLst>
               <a:ext uri="{FF2B5EF4-FFF2-40B4-BE49-F238E27FC236}">
-                <a16:creationId xmlns:a16="http://schemas.microsoft.com/office/drawing/2014/main" id="{6F75C65E-7596-4A41-9248-DD166CEB9423}"/>
+                <a16:creationId xmlns:a16="http://schemas.microsoft.com/office/drawing/2014/main" xmlns="" id="{6F75C65E-7596-4A41-9248-DD166CEB9423}"/>
               </a:ext>
             </a:extLst>
           </p:cNvPr>
@@ -9166,7 +8367,7 @@
           <p:cNvPr id="3" name="Subtitle 2">
             <a:extLst>
               <a:ext uri="{FF2B5EF4-FFF2-40B4-BE49-F238E27FC236}">
-                <a16:creationId xmlns:a16="http://schemas.microsoft.com/office/drawing/2014/main" id="{B5A88431-E960-1E4B-8BB7-5BC05608C814}"/>
+                <a16:creationId xmlns:a16="http://schemas.microsoft.com/office/drawing/2014/main" xmlns="" id="{B5A88431-E960-1E4B-8BB7-5BC05608C814}"/>
               </a:ext>
             </a:extLst>
           </p:cNvPr>
@@ -9237,7 +8438,7 @@
           <p:cNvPr id="4" name="Date Placeholder 3">
             <a:extLst>
               <a:ext uri="{FF2B5EF4-FFF2-40B4-BE49-F238E27FC236}">
-                <a16:creationId xmlns:a16="http://schemas.microsoft.com/office/drawing/2014/main" id="{FD876383-C598-DB4D-B0E2-160CC478BF95}"/>
+                <a16:creationId xmlns:a16="http://schemas.microsoft.com/office/drawing/2014/main" xmlns="" id="{FD876383-C598-DB4D-B0E2-160CC478BF95}"/>
               </a:ext>
             </a:extLst>
           </p:cNvPr>
@@ -9255,7 +8456,7 @@
           <a:p>
             <a:fld id="{2B498365-2101-364F-915D-5DAD75855FD8}" type="datetimeFigureOut">
               <a:rPr lang="en-US" smtClean="0"/>
-              <a:t>6/26/2024</a:t>
+              <a:t>2/22/2026</a:t>
             </a:fld>
             <a:endParaRPr lang="en-US"/>
           </a:p>
@@ -9266,7 +8467,7 @@
           <p:cNvPr id="5" name="Footer Placeholder 4">
             <a:extLst>
               <a:ext uri="{FF2B5EF4-FFF2-40B4-BE49-F238E27FC236}">
-                <a16:creationId xmlns:a16="http://schemas.microsoft.com/office/drawing/2014/main" id="{BD8279E3-09D7-FB4A-88BB-7E7C45955FE7}"/>
+                <a16:creationId xmlns:a16="http://schemas.microsoft.com/office/drawing/2014/main" xmlns="" id="{BD8279E3-09D7-FB4A-88BB-7E7C45955FE7}"/>
               </a:ext>
             </a:extLst>
           </p:cNvPr>
@@ -9291,7 +8492,7 @@
           <p:cNvPr id="6" name="Slide Number Placeholder 5">
             <a:extLst>
               <a:ext uri="{FF2B5EF4-FFF2-40B4-BE49-F238E27FC236}">
-                <a16:creationId xmlns:a16="http://schemas.microsoft.com/office/drawing/2014/main" id="{AB5E6BA0-1D4D-6540-9FA7-B3009057A2A9}"/>
+                <a16:creationId xmlns:a16="http://schemas.microsoft.com/office/drawing/2014/main" xmlns="" id="{AB5E6BA0-1D4D-6540-9FA7-B3009057A2A9}"/>
               </a:ext>
             </a:extLst>
           </p:cNvPr>
@@ -10616,48 +9817,12 @@
           <a:chExt cx="0" cy="0"/>
         </a:xfrm>
       </p:grpSpPr>
-      <p:sp>
-        <p:nvSpPr>
-          <p:cNvPr id="2" name="Title 1">
-            <a:extLst>
-              <a:ext uri="{FF2B5EF4-FFF2-40B4-BE49-F238E27FC236}">
-                <a16:creationId xmlns:a16="http://schemas.microsoft.com/office/drawing/2014/main" id="{9C9D0858-4A63-AA49-8A89-09E8D941D870}"/>
-              </a:ext>
-            </a:extLst>
-          </p:cNvPr>
-          <p:cNvSpPr>
-            <a:spLocks noGrp="1"/>
-          </p:cNvSpPr>
-          <p:nvPr>
-            <p:ph type="ctrTitle"/>
-          </p:nvPr>
-        </p:nvSpPr>
-        <p:spPr>
-          <a:xfrm>
-            <a:off x="479162" y="2683092"/>
-            <a:ext cx="8182230" cy="1265861"/>
-          </a:xfrm>
-        </p:spPr>
-        <p:txBody>
-          <a:bodyPr anchor="b">
-            <a:normAutofit fontScale="90000"/>
-          </a:bodyPr>
-          <a:lstStyle/>
-          <a:p>
-            <a:pPr algn="ctr"/>
-            <a:r>
-              <a:rPr lang="en-US" sz="7500" dirty="0"/>
-              <a:t>Tamil Nadu</a:t>
-            </a:r>
-          </a:p>
-        </p:txBody>
-      </p:sp>
       <p:pic>
         <p:nvPicPr>
           <p:cNvPr id="33" name="Picture 32" descr="Shape, circle&#10;&#10;Description automatically generated">
             <a:extLst>
               <a:ext uri="{FF2B5EF4-FFF2-40B4-BE49-F238E27FC236}">
-                <a16:creationId xmlns:a16="http://schemas.microsoft.com/office/drawing/2014/main" id="{7D380F26-78F6-3843-8106-B3DA36860828}"/>
+                <a16:creationId xmlns:a16="http://schemas.microsoft.com/office/drawing/2014/main" xmlns="" id="{7D380F26-78F6-3843-8106-B3DA36860828}"/>
               </a:ext>
             </a:extLst>
           </p:cNvPr>
@@ -10694,7 +9859,7 @@
           <p:cNvPr id="35" name="Picture 34" descr="A picture containing linedrawing&#10;&#10;Description automatically generated">
             <a:extLst>
               <a:ext uri="{FF2B5EF4-FFF2-40B4-BE49-F238E27FC236}">
-                <a16:creationId xmlns:a16="http://schemas.microsoft.com/office/drawing/2014/main" id="{97D2DFD9-BE9B-1541-BB47-A73DE9D73A86}"/>
+                <a16:creationId xmlns:a16="http://schemas.microsoft.com/office/drawing/2014/main" xmlns="" id="{97D2DFD9-BE9B-1541-BB47-A73DE9D73A86}"/>
               </a:ext>
             </a:extLst>
           </p:cNvPr>
@@ -10726,7 +9891,7 @@
           <p:cNvPr id="37" name="Picture 36" descr="Shape, circle&#10;&#10;Description automatically generated">
             <a:extLst>
               <a:ext uri="{FF2B5EF4-FFF2-40B4-BE49-F238E27FC236}">
-                <a16:creationId xmlns:a16="http://schemas.microsoft.com/office/drawing/2014/main" id="{EB7286E2-B465-4A46-83CB-3DEFAE9A9F03}"/>
+                <a16:creationId xmlns:a16="http://schemas.microsoft.com/office/drawing/2014/main" xmlns="" id="{EB7286E2-B465-4A46-83CB-3DEFAE9A9F03}"/>
               </a:ext>
             </a:extLst>
           </p:cNvPr>
@@ -10758,7 +9923,7 @@
           <p:cNvPr id="39" name="Picture 38" descr="A picture containing building, old, outdoor, black&#10;&#10;Description automatically generated">
             <a:extLst>
               <a:ext uri="{FF2B5EF4-FFF2-40B4-BE49-F238E27FC236}">
-                <a16:creationId xmlns:a16="http://schemas.microsoft.com/office/drawing/2014/main" id="{60EA9BDF-44A6-8F4F-BA77-0A2B45342A7B}"/>
+                <a16:creationId xmlns:a16="http://schemas.microsoft.com/office/drawing/2014/main" xmlns="" id="{60EA9BDF-44A6-8F4F-BA77-0A2B45342A7B}"/>
               </a:ext>
             </a:extLst>
           </p:cNvPr>
@@ -10787,10 +9952,10 @@
       </p:pic>
       <p:pic>
         <p:nvPicPr>
-          <p:cNvPr id="4" name="Picture 3" descr="Graphical user interface, text&#10;&#10;Description automatically generated with medium confidence">
+          <p:cNvPr id="4" name="Picture 3">
             <a:extLst>
               <a:ext uri="{FF2B5EF4-FFF2-40B4-BE49-F238E27FC236}">
-                <a16:creationId xmlns:a16="http://schemas.microsoft.com/office/drawing/2014/main" id="{17A1E8A5-D4CA-3F4C-953E-6F5B887146CC}"/>
+                <a16:creationId xmlns:a16="http://schemas.microsoft.com/office/drawing/2014/main" xmlns="" id="{17A1E8A5-D4CA-3F4C-953E-6F5B887146CC}"/>
               </a:ext>
             </a:extLst>
           </p:cNvPr>
@@ -10801,14 +9966,13 @@
         </p:nvPicPr>
         <p:blipFill>
           <a:blip r:embed="rId6"/>
-          <a:stretch>
-            <a:fillRect/>
-          </a:stretch>
+          <a:srcRect/>
+          <a:stretch/>
         </p:blipFill>
         <p:spPr>
           <a:xfrm>
-            <a:off x="2000535" y="1101061"/>
-            <a:ext cx="4821437" cy="1839958"/>
+            <a:off x="2203468" y="1358780"/>
+            <a:ext cx="4522974" cy="1144749"/>
           </a:xfrm>
           <a:prstGeom prst="rect">
             <a:avLst/>
@@ -10817,10 +9981,10 @@
       </p:pic>
       <p:pic>
         <p:nvPicPr>
-          <p:cNvPr id="10" name="Picture 9" descr="A qr code with a few squares&#10;&#10;Description automatically generated">
+          <p:cNvPr id="10" name="Picture 9">
             <a:extLst>
               <a:ext uri="{FF2B5EF4-FFF2-40B4-BE49-F238E27FC236}">
-                <a16:creationId xmlns:a16="http://schemas.microsoft.com/office/drawing/2014/main" id="{8EA10054-C6CB-1F71-23A7-3DB3AFDDA00D}"/>
+                <a16:creationId xmlns:a16="http://schemas.microsoft.com/office/drawing/2014/main" xmlns="" id="{8EA10054-C6CB-1F71-23A7-3DB3AFDDA00D}"/>
               </a:ext>
             </a:extLst>
           </p:cNvPr>
@@ -10831,14 +9995,13 @@
         </p:nvPicPr>
         <p:blipFill>
           <a:blip r:embed="rId7"/>
-          <a:stretch>
-            <a:fillRect/>
-          </a:stretch>
+          <a:srcRect/>
+          <a:stretch/>
         </p:blipFill>
         <p:spPr>
           <a:xfrm>
-            <a:off x="305791" y="1931155"/>
-            <a:ext cx="1563624" cy="1563624"/>
+            <a:off x="277847" y="2477540"/>
+            <a:ext cx="956567" cy="956567"/>
           </a:xfrm>
           <a:prstGeom prst="rect">
             <a:avLst/>
@@ -10847,10 +10010,10 @@
       </p:pic>
       <p:pic>
         <p:nvPicPr>
-          <p:cNvPr id="12" name="Picture 11" descr="A qr code with black squares&#10;&#10;Description automatically generated">
+          <p:cNvPr id="12" name="Picture 11">
             <a:extLst>
               <a:ext uri="{FF2B5EF4-FFF2-40B4-BE49-F238E27FC236}">
-                <a16:creationId xmlns:a16="http://schemas.microsoft.com/office/drawing/2014/main" id="{B84B0CCF-32C0-B30F-4907-C7B66F095DAE}"/>
+                <a16:creationId xmlns:a16="http://schemas.microsoft.com/office/drawing/2014/main" xmlns="" id="{B84B0CCF-32C0-B30F-4907-C7B66F095DAE}"/>
               </a:ext>
             </a:extLst>
           </p:cNvPr>
@@ -10861,14 +10024,43 @@
         </p:nvPicPr>
         <p:blipFill>
           <a:blip r:embed="rId8"/>
+          <a:srcRect/>
+          <a:stretch/>
+        </p:blipFill>
+        <p:spPr>
+          <a:xfrm>
+            <a:off x="7695496" y="2400494"/>
+            <a:ext cx="950369" cy="950369"/>
+          </a:xfrm>
+          <a:prstGeom prst="rect">
+            <a:avLst/>
+          </a:prstGeom>
+        </p:spPr>
+      </p:pic>
+      <p:pic>
+        <p:nvPicPr>
+          <p:cNvPr id="7" name="Picture 6">
+            <a:extLst>
+              <a:ext uri="{FF2B5EF4-FFF2-40B4-BE49-F238E27FC236}">
+                <a16:creationId xmlns:a16="http://schemas.microsoft.com/office/drawing/2014/main" xmlns="" id="{35D69CCE-41C0-F3EB-9E95-AF9EFFD69135}"/>
+              </a:ext>
+            </a:extLst>
+          </p:cNvPr>
+          <p:cNvPicPr>
+            <a:picLocks noChangeAspect="1"/>
+          </p:cNvPicPr>
+          <p:nvPr/>
+        </p:nvPicPr>
+        <p:blipFill>
+          <a:blip r:embed="rId9"/>
           <a:stretch>
             <a:fillRect/>
           </a:stretch>
         </p:blipFill>
         <p:spPr>
           <a:xfrm>
-            <a:off x="7271139" y="1931155"/>
-            <a:ext cx="1563624" cy="1563624"/>
+            <a:off x="4780718" y="2477540"/>
+            <a:ext cx="2279777" cy="1282375"/>
           </a:xfrm>
           <a:prstGeom prst="rect">
             <a:avLst/>
@@ -10878,7 +10070,7 @@
     </p:spTree>
     <p:extLst>
       <p:ext uri="{BB962C8B-B14F-4D97-AF65-F5344CB8AC3E}">
-        <p14:creationId xmlns:p14="http://schemas.microsoft.com/office/powerpoint/2010/main" val="3429545569"/>
+        <p14:creationId xmlns:p14="http://schemas.microsoft.com/office/powerpoint/2010/main" val="3346186159"/>
       </p:ext>
     </p:extLst>
   </p:cSld>
@@ -10910,7 +10102,7 @@
           <p:cNvPr id="2" name="Title 1">
             <a:extLst>
               <a:ext uri="{FF2B5EF4-FFF2-40B4-BE49-F238E27FC236}">
-                <a16:creationId xmlns:a16="http://schemas.microsoft.com/office/drawing/2014/main" id="{8F8A73F3-1087-5F41-9751-401CD76E280D}"/>
+                <a16:creationId xmlns:a16="http://schemas.microsoft.com/office/drawing/2014/main" xmlns="" id="{8F8A73F3-1087-5F41-9751-401CD76E280D}"/>
               </a:ext>
             </a:extLst>
           </p:cNvPr>
@@ -10946,7 +10138,7 @@
           <p:cNvPr id="29" name="Content Placeholder 4">
             <a:extLst>
               <a:ext uri="{FF2B5EF4-FFF2-40B4-BE49-F238E27FC236}">
-                <a16:creationId xmlns:a16="http://schemas.microsoft.com/office/drawing/2014/main" id="{3EE64570-D3D5-429F-BE63-6B08BD3A5BD6}"/>
+                <a16:creationId xmlns:a16="http://schemas.microsoft.com/office/drawing/2014/main" xmlns="" id="{3EE64570-D3D5-429F-BE63-6B08BD3A5BD6}"/>
               </a:ext>
             </a:extLst>
           </p:cNvPr>
@@ -10955,11 +10147,12 @@
           </p:cNvGraphicFramePr>
           <p:nvPr>
             <p:ph idx="1"/>
+            <p:extLst/>
           </p:nvPr>
         </p:nvGraphicFramePr>
         <p:xfrm>
-          <a:off x="389935" y="1561089"/>
-          <a:ext cx="8186902" cy="1820939"/>
+          <a:off x="480578" y="1461546"/>
+          <a:ext cx="8186902" cy="2881371"/>
         </p:xfrm>
         <a:graphic>
           <a:graphicData uri="http://schemas.openxmlformats.org/drawingml/2006/diagram">
@@ -10967,40 +10160,10 @@
           </a:graphicData>
         </a:graphic>
       </p:graphicFrame>
-      <p:graphicFrame>
-        <p:nvGraphicFramePr>
-          <p:cNvPr id="4" name="Content Placeholder 3">
-            <a:extLst>
-              <a:ext uri="{FF2B5EF4-FFF2-40B4-BE49-F238E27FC236}">
-                <a16:creationId xmlns:a16="http://schemas.microsoft.com/office/drawing/2014/main" id="{5A6E7CD1-AD5D-4010-9234-D67F7890C07C}"/>
-              </a:ext>
-            </a:extLst>
-          </p:cNvPr>
-          <p:cNvGraphicFramePr>
-            <a:graphicFrameLocks/>
-          </p:cNvGraphicFramePr>
-          <p:nvPr>
-            <p:extLst>
-              <p:ext uri="{D42A27DB-BD31-4B8C-83A1-F6EECF244321}">
-                <p14:modId xmlns:p14="http://schemas.microsoft.com/office/powerpoint/2010/main" val="1376128374"/>
-              </p:ext>
-            </p:extLst>
-          </p:nvPr>
-        </p:nvGraphicFramePr>
-        <p:xfrm>
-          <a:off x="476250" y="3126727"/>
-          <a:ext cx="8186902" cy="1819800"/>
-        </p:xfrm>
-        <a:graphic>
-          <a:graphicData uri="http://schemas.openxmlformats.org/drawingml/2006/diagram">
-            <dgm:relIds xmlns:dgm="http://schemas.openxmlformats.org/drawingml/2006/diagram" xmlns:r="http://schemas.openxmlformats.org/officeDocument/2006/relationships" r:dm="rId8" r:lo="rId9" r:qs="rId10" r:cs="rId11"/>
-          </a:graphicData>
-        </a:graphic>
-      </p:graphicFrame>
     </p:spTree>
     <p:extLst>
       <p:ext uri="{BB962C8B-B14F-4D97-AF65-F5344CB8AC3E}">
-        <p14:creationId xmlns:p14="http://schemas.microsoft.com/office/powerpoint/2010/main" val="3447380537"/>
+        <p14:creationId xmlns:p14="http://schemas.microsoft.com/office/powerpoint/2010/main" val="1774663442"/>
       </p:ext>
     </p:extLst>
   </p:cSld>
@@ -11035,7 +10198,7 @@
           <p:cNvPr id="38" name="Google Shape;55;p13">
             <a:extLst>
               <a:ext uri="{FF2B5EF4-FFF2-40B4-BE49-F238E27FC236}">
-                <a16:creationId xmlns:a16="http://schemas.microsoft.com/office/drawing/2014/main" id="{362E8B59-6A50-5587-720A-A171CE153861}"/>
+                <a16:creationId xmlns:a16="http://schemas.microsoft.com/office/drawing/2014/main" xmlns="" id="{362E8B59-6A50-5587-720A-A171CE153861}"/>
               </a:ext>
             </a:extLst>
           </p:cNvPr>
@@ -11347,7 +10510,7 @@
           <p:cNvPr id="38" name="Google Shape;55;p13">
             <a:extLst>
               <a:ext uri="{FF2B5EF4-FFF2-40B4-BE49-F238E27FC236}">
-                <a16:creationId xmlns:a16="http://schemas.microsoft.com/office/drawing/2014/main" id="{362E8B59-6A50-5587-720A-A171CE153861}"/>
+                <a16:creationId xmlns:a16="http://schemas.microsoft.com/office/drawing/2014/main" xmlns="" id="{362E8B59-6A50-5587-720A-A171CE153861}"/>
               </a:ext>
             </a:extLst>
           </p:cNvPr>
@@ -11659,7 +10822,7 @@
           <p:cNvPr id="37" name="Google Shape;54;p13">
             <a:extLst>
               <a:ext uri="{FF2B5EF4-FFF2-40B4-BE49-F238E27FC236}">
-                <a16:creationId xmlns:a16="http://schemas.microsoft.com/office/drawing/2014/main" id="{2E743BD8-E907-CE58-87FA-26F528538084}"/>
+                <a16:creationId xmlns:a16="http://schemas.microsoft.com/office/drawing/2014/main" xmlns="" id="{2E743BD8-E907-CE58-87FA-26F528538084}"/>
               </a:ext>
             </a:extLst>
           </p:cNvPr>
@@ -11957,7 +11120,7 @@
           <p:cNvPr id="38" name="Google Shape;55;p13">
             <a:extLst>
               <a:ext uri="{FF2B5EF4-FFF2-40B4-BE49-F238E27FC236}">
-                <a16:creationId xmlns:a16="http://schemas.microsoft.com/office/drawing/2014/main" id="{362E8B59-6A50-5587-720A-A171CE153861}"/>
+                <a16:creationId xmlns:a16="http://schemas.microsoft.com/office/drawing/2014/main" xmlns="" id="{362E8B59-6A50-5587-720A-A171CE153861}"/>
               </a:ext>
             </a:extLst>
           </p:cNvPr>
@@ -12269,7 +11432,7 @@
           <p:cNvPr id="21" name="Title 20">
             <a:extLst>
               <a:ext uri="{FF2B5EF4-FFF2-40B4-BE49-F238E27FC236}">
-                <a16:creationId xmlns:a16="http://schemas.microsoft.com/office/drawing/2014/main" id="{659C7E2A-1841-4AA0-8084-E8A63CE13743}"/>
+                <a16:creationId xmlns:a16="http://schemas.microsoft.com/office/drawing/2014/main" xmlns="" id="{659C7E2A-1841-4AA0-8084-E8A63CE13743}"/>
               </a:ext>
             </a:extLst>
           </p:cNvPr>
@@ -12297,7 +11460,7 @@
           <p:cNvPr id="20" name="TextBox 19">
             <a:extLst>
               <a:ext uri="{FF2B5EF4-FFF2-40B4-BE49-F238E27FC236}">
-                <a16:creationId xmlns:a16="http://schemas.microsoft.com/office/drawing/2014/main" id="{00BF7C1C-5346-439E-84A8-6144DDA42BB2}"/>
+                <a16:creationId xmlns:a16="http://schemas.microsoft.com/office/drawing/2014/main" xmlns="" id="{00BF7C1C-5346-439E-84A8-6144DDA42BB2}"/>
               </a:ext>
             </a:extLst>
           </p:cNvPr>
@@ -12338,7 +11501,7 @@
           <p:cNvPr id="6" name="Picture 5" descr="Qr code&#10;&#10;Description automatically generated">
             <a:extLst>
               <a:ext uri="{FF2B5EF4-FFF2-40B4-BE49-F238E27FC236}">
-                <a16:creationId xmlns:a16="http://schemas.microsoft.com/office/drawing/2014/main" id="{BCA9518C-4E6A-4253-5655-81717256D837}"/>
+                <a16:creationId xmlns:a16="http://schemas.microsoft.com/office/drawing/2014/main" xmlns="" id="{BCA9518C-4E6A-4253-5655-81717256D837}"/>
               </a:ext>
             </a:extLst>
           </p:cNvPr>
@@ -12368,7 +11531,7 @@
           <p:cNvPr id="7" name="Title 20">
             <a:extLst>
               <a:ext uri="{FF2B5EF4-FFF2-40B4-BE49-F238E27FC236}">
-                <a16:creationId xmlns:a16="http://schemas.microsoft.com/office/drawing/2014/main" id="{6BC36688-58C9-313C-C61E-D417574C524E}"/>
+                <a16:creationId xmlns:a16="http://schemas.microsoft.com/office/drawing/2014/main" xmlns="" id="{6BC36688-58C9-313C-C61E-D417574C524E}"/>
               </a:ext>
             </a:extLst>
           </p:cNvPr>
@@ -12653,42 +11816,6 @@
           </a:p>
         </p:txBody>
       </p:sp>
-      <p:pic>
-        <p:nvPicPr>
-          <p:cNvPr id="5" name="Graphic 4">
-            <a:extLst>
-              <a:ext uri="{FF2B5EF4-FFF2-40B4-BE49-F238E27FC236}">
-                <a16:creationId xmlns:a16="http://schemas.microsoft.com/office/drawing/2014/main" id="{808768B3-3850-6485-723D-282F7A9EFF0F}"/>
-              </a:ext>
-            </a:extLst>
-          </p:cNvPr>
-          <p:cNvPicPr>
-            <a:picLocks noChangeAspect="1"/>
-          </p:cNvPicPr>
-          <p:nvPr/>
-        </p:nvPicPr>
-        <p:blipFill>
-          <a:blip r:embed="rId3">
-            <a:extLst>
-              <a:ext uri="{96DAC541-7B7A-43D3-8B79-37D633B846F1}">
-                <asvg:svgBlip xmlns:asvg="http://schemas.microsoft.com/office/drawing/2016/SVG/main" r:embed="rId4"/>
-              </a:ext>
-            </a:extLst>
-          </a:blip>
-          <a:stretch>
-            <a:fillRect/>
-          </a:stretch>
-        </p:blipFill>
-        <p:spPr>
-          <a:xfrm>
-            <a:off x="236056" y="3495744"/>
-            <a:ext cx="2677996" cy="500285"/>
-          </a:xfrm>
-          <a:prstGeom prst="rect">
-            <a:avLst/>
-          </a:prstGeom>
-        </p:spPr>
-      </p:pic>
     </p:spTree>
     <p:extLst>
       <p:ext uri="{BB962C8B-B14F-4D97-AF65-F5344CB8AC3E}">
